--- a/Deliverables/Release Plans/Release Plan PPT V1.2.pptx
+++ b/Deliverables/Release Plans/Release Plan PPT V1.2.pptx
@@ -316,7 +316,7 @@
               <a:spcBef>
                 <a:spcPts val="0"/>
               </a:spcBef>
-              <a:buSzPct val="100000"/>
+              <a:buSzPts val="1100"/>
               <a:buChar char="●"/>
               <a:defRPr sz="1100"/>
             </a:lvl1pPr>
@@ -324,7 +324,7 @@
               <a:spcBef>
                 <a:spcPts val="0"/>
               </a:spcBef>
-              <a:buSzPct val="100000"/>
+              <a:buSzPts val="1100"/>
               <a:buChar char="○"/>
               <a:defRPr sz="1100"/>
             </a:lvl2pPr>
@@ -332,7 +332,7 @@
               <a:spcBef>
                 <a:spcPts val="0"/>
               </a:spcBef>
-              <a:buSzPct val="100000"/>
+              <a:buSzPts val="1100"/>
               <a:buChar char="■"/>
               <a:defRPr sz="1100"/>
             </a:lvl3pPr>
@@ -340,7 +340,7 @@
               <a:spcBef>
                 <a:spcPts val="0"/>
               </a:spcBef>
-              <a:buSzPct val="100000"/>
+              <a:buSzPts val="1100"/>
               <a:buChar char="●"/>
               <a:defRPr sz="1100"/>
             </a:lvl4pPr>
@@ -348,7 +348,7 @@
               <a:spcBef>
                 <a:spcPts val="0"/>
               </a:spcBef>
-              <a:buSzPct val="100000"/>
+              <a:buSzPts val="1100"/>
               <a:buChar char="○"/>
               <a:defRPr sz="1100"/>
             </a:lvl5pPr>
@@ -356,7 +356,7 @@
               <a:spcBef>
                 <a:spcPts val="0"/>
               </a:spcBef>
-              <a:buSzPct val="100000"/>
+              <a:buSzPts val="1100"/>
               <a:buChar char="■"/>
               <a:defRPr sz="1100"/>
             </a:lvl6pPr>
@@ -364,7 +364,7 @@
               <a:spcBef>
                 <a:spcPts val="0"/>
               </a:spcBef>
-              <a:buSzPct val="100000"/>
+              <a:buSzPts val="1100"/>
               <a:buChar char="●"/>
               <a:defRPr sz="1100"/>
             </a:lvl7pPr>
@@ -372,7 +372,7 @@
               <a:spcBef>
                 <a:spcPts val="0"/>
               </a:spcBef>
-              <a:buSzPct val="100000"/>
+              <a:buSzPts val="1100"/>
               <a:buChar char="○"/>
               <a:defRPr sz="1100"/>
             </a:lvl8pPr>
@@ -380,7 +380,7 @@
               <a:spcBef>
                 <a:spcPts val="0"/>
               </a:spcBef>
-              <a:buSzPct val="100000"/>
+              <a:buSzPts val="1100"/>
               <a:buChar char="■"/>
               <a:defRPr sz="1100"/>
             </a:lvl9pPr>
@@ -438,7 +438,7 @@
           </a:bodyPr>
           <a:lstStyle/>
           <a:p>
-            <a:pPr lvl="0">
+            <a:pPr indent="0" lvl="0" marL="0">
               <a:spcBef>
                 <a:spcPts val="0"/>
               </a:spcBef>
@@ -537,7 +537,7 @@
           </a:bodyPr>
           <a:lstStyle/>
           <a:p>
-            <a:pPr lvl="0">
+            <a:pPr indent="0" lvl="0" marL="0">
               <a:spcBef>
                 <a:spcPts val="0"/>
               </a:spcBef>
@@ -636,7 +636,7 @@
           </a:bodyPr>
           <a:lstStyle/>
           <a:p>
-            <a:pPr lvl="0">
+            <a:pPr indent="0" lvl="0" marL="0">
               <a:spcBef>
                 <a:spcPts val="0"/>
               </a:spcBef>
@@ -735,7 +735,7 @@
           </a:bodyPr>
           <a:lstStyle/>
           <a:p>
-            <a:pPr lvl="0" rtl="0">
+            <a:pPr indent="0" lvl="0" marL="0" rtl="0">
               <a:spcBef>
                 <a:spcPts val="0"/>
               </a:spcBef>
@@ -834,7 +834,7 @@
           </a:bodyPr>
           <a:lstStyle/>
           <a:p>
-            <a:pPr lvl="0">
+            <a:pPr indent="0" lvl="0" marL="0">
               <a:spcBef>
                 <a:spcPts val="0"/>
               </a:spcBef>
@@ -933,7 +933,7 @@
           </a:bodyPr>
           <a:lstStyle/>
           <a:p>
-            <a:pPr lvl="0" rtl="0">
+            <a:pPr indent="0" lvl="0" marL="0" rtl="0">
               <a:spcBef>
                 <a:spcPts val="0"/>
               </a:spcBef>
@@ -1032,7 +1032,7 @@
           </a:bodyPr>
           <a:lstStyle/>
           <a:p>
-            <a:pPr lvl="0" rtl="0">
+            <a:pPr indent="0" lvl="0" marL="0" rtl="0">
               <a:spcBef>
                 <a:spcPts val="0"/>
               </a:spcBef>
@@ -1131,7 +1131,7 @@
           </a:bodyPr>
           <a:lstStyle/>
           <a:p>
-            <a:pPr lvl="0" rtl="0">
+            <a:pPr indent="0" lvl="0" marL="0" rtl="0">
               <a:spcBef>
                 <a:spcPts val="0"/>
               </a:spcBef>
@@ -1230,7 +1230,7 @@
           </a:bodyPr>
           <a:lstStyle/>
           <a:p>
-            <a:pPr lvl="0">
+            <a:pPr indent="0" lvl="0" marL="0">
               <a:spcBef>
                 <a:spcPts val="0"/>
               </a:spcBef>
@@ -1329,7 +1329,7 @@
           </a:bodyPr>
           <a:lstStyle/>
           <a:p>
-            <a:pPr lvl="0">
+            <a:pPr indent="0" lvl="0" marL="0">
               <a:spcBef>
                 <a:spcPts val="0"/>
               </a:spcBef>
@@ -1425,63 +1425,72 @@
               <a:spcBef>
                 <a:spcPts val="0"/>
               </a:spcBef>
-              <a:buSzPct val="100000"/>
+              <a:buSzPts val="5200"/>
+              <a:buNone/>
               <a:defRPr sz="5200"/>
             </a:lvl1pPr>
             <a:lvl2pPr lvl="1" algn="ctr">
               <a:spcBef>
                 <a:spcPts val="0"/>
               </a:spcBef>
-              <a:buSzPct val="100000"/>
+              <a:buSzPts val="5200"/>
+              <a:buNone/>
               <a:defRPr sz="5200"/>
             </a:lvl2pPr>
             <a:lvl3pPr lvl="2" algn="ctr">
               <a:spcBef>
                 <a:spcPts val="0"/>
               </a:spcBef>
-              <a:buSzPct val="100000"/>
+              <a:buSzPts val="5200"/>
+              <a:buNone/>
               <a:defRPr sz="5200"/>
             </a:lvl3pPr>
             <a:lvl4pPr lvl="3" algn="ctr">
               <a:spcBef>
                 <a:spcPts val="0"/>
               </a:spcBef>
-              <a:buSzPct val="100000"/>
+              <a:buSzPts val="5200"/>
+              <a:buNone/>
               <a:defRPr sz="5200"/>
             </a:lvl4pPr>
             <a:lvl5pPr lvl="4" algn="ctr">
               <a:spcBef>
                 <a:spcPts val="0"/>
               </a:spcBef>
-              <a:buSzPct val="100000"/>
+              <a:buSzPts val="5200"/>
+              <a:buNone/>
               <a:defRPr sz="5200"/>
             </a:lvl5pPr>
             <a:lvl6pPr lvl="5" algn="ctr">
               <a:spcBef>
                 <a:spcPts val="0"/>
               </a:spcBef>
-              <a:buSzPct val="100000"/>
+              <a:buSzPts val="5200"/>
+              <a:buNone/>
               <a:defRPr sz="5200"/>
             </a:lvl6pPr>
             <a:lvl7pPr lvl="6" algn="ctr">
               <a:spcBef>
                 <a:spcPts val="0"/>
               </a:spcBef>
-              <a:buSzPct val="100000"/>
+              <a:buSzPts val="5200"/>
+              <a:buNone/>
               <a:defRPr sz="5200"/>
             </a:lvl7pPr>
             <a:lvl8pPr lvl="7" algn="ctr">
               <a:spcBef>
                 <a:spcPts val="0"/>
               </a:spcBef>
-              <a:buSzPct val="100000"/>
+              <a:buSzPts val="5200"/>
+              <a:buNone/>
               <a:defRPr sz="5200"/>
             </a:lvl8pPr>
             <a:lvl9pPr lvl="8" algn="ctr">
               <a:spcBef>
                 <a:spcPts val="0"/>
               </a:spcBef>
-              <a:buSzPct val="100000"/>
+              <a:buSzPts val="5200"/>
+              <a:buNone/>
               <a:defRPr sz="5200"/>
             </a:lvl9pPr>
           </a:lstStyle>
@@ -1518,7 +1527,7 @@
               <a:spcAft>
                 <a:spcPts val="0"/>
               </a:spcAft>
-              <a:buSzPct val="100000"/>
+              <a:buSzPts val="2800"/>
               <a:buNone/>
               <a:defRPr sz="2800"/>
             </a:lvl1pPr>
@@ -1532,7 +1541,7 @@
               <a:spcAft>
                 <a:spcPts val="0"/>
               </a:spcAft>
-              <a:buSzPct val="100000"/>
+              <a:buSzPts val="2800"/>
               <a:buNone/>
               <a:defRPr sz="2800"/>
             </a:lvl2pPr>
@@ -1546,7 +1555,7 @@
               <a:spcAft>
                 <a:spcPts val="0"/>
               </a:spcAft>
-              <a:buSzPct val="100000"/>
+              <a:buSzPts val="2800"/>
               <a:buNone/>
               <a:defRPr sz="2800"/>
             </a:lvl3pPr>
@@ -1560,7 +1569,7 @@
               <a:spcAft>
                 <a:spcPts val="0"/>
               </a:spcAft>
-              <a:buSzPct val="100000"/>
+              <a:buSzPts val="2800"/>
               <a:buNone/>
               <a:defRPr sz="2800"/>
             </a:lvl4pPr>
@@ -1574,7 +1583,7 @@
               <a:spcAft>
                 <a:spcPts val="0"/>
               </a:spcAft>
-              <a:buSzPct val="100000"/>
+              <a:buSzPts val="2800"/>
               <a:buNone/>
               <a:defRPr sz="2800"/>
             </a:lvl5pPr>
@@ -1588,7 +1597,7 @@
               <a:spcAft>
                 <a:spcPts val="0"/>
               </a:spcAft>
-              <a:buSzPct val="100000"/>
+              <a:buSzPts val="2800"/>
               <a:buNone/>
               <a:defRPr sz="2800"/>
             </a:lvl6pPr>
@@ -1602,7 +1611,7 @@
               <a:spcAft>
                 <a:spcPts val="0"/>
               </a:spcAft>
-              <a:buSzPct val="100000"/>
+              <a:buSzPts val="2800"/>
               <a:buNone/>
               <a:defRPr sz="2800"/>
             </a:lvl7pPr>
@@ -1616,7 +1625,7 @@
               <a:spcAft>
                 <a:spcPts val="0"/>
               </a:spcAft>
-              <a:buSzPct val="100000"/>
+              <a:buSzPts val="2800"/>
               <a:buNone/>
               <a:defRPr sz="2800"/>
             </a:lvl8pPr>
@@ -1630,7 +1639,7 @@
               <a:spcAft>
                 <a:spcPts val="0"/>
               </a:spcAft>
-              <a:buSzPct val="100000"/>
+              <a:buSzPts val="2800"/>
               <a:buNone/>
               <a:defRPr sz="2800"/>
             </a:lvl9pPr>
@@ -1661,7 +1670,7 @@
           </a:bodyPr>
           <a:lstStyle/>
           <a:p>
-            <a:pPr lvl="0">
+            <a:pPr indent="0" lvl="0" marL="0">
               <a:spcBef>
                 <a:spcPts val="0"/>
               </a:spcBef>
@@ -1723,63 +1732,72 @@
               <a:spcBef>
                 <a:spcPts val="0"/>
               </a:spcBef>
-              <a:buSzPct val="100000"/>
+              <a:buSzPts val="12000"/>
+              <a:buNone/>
               <a:defRPr sz="12000"/>
             </a:lvl1pPr>
             <a:lvl2pPr lvl="1" algn="ctr">
               <a:spcBef>
                 <a:spcPts val="0"/>
               </a:spcBef>
-              <a:buSzPct val="100000"/>
+              <a:buSzPts val="12000"/>
+              <a:buNone/>
               <a:defRPr sz="12000"/>
             </a:lvl2pPr>
             <a:lvl3pPr lvl="2" algn="ctr">
               <a:spcBef>
                 <a:spcPts val="0"/>
               </a:spcBef>
-              <a:buSzPct val="100000"/>
+              <a:buSzPts val="12000"/>
+              <a:buNone/>
               <a:defRPr sz="12000"/>
             </a:lvl3pPr>
             <a:lvl4pPr lvl="3" algn="ctr">
               <a:spcBef>
                 <a:spcPts val="0"/>
               </a:spcBef>
-              <a:buSzPct val="100000"/>
+              <a:buSzPts val="12000"/>
+              <a:buNone/>
               <a:defRPr sz="12000"/>
             </a:lvl4pPr>
             <a:lvl5pPr lvl="4" algn="ctr">
               <a:spcBef>
                 <a:spcPts val="0"/>
               </a:spcBef>
-              <a:buSzPct val="100000"/>
+              <a:buSzPts val="12000"/>
+              <a:buNone/>
               <a:defRPr sz="12000"/>
             </a:lvl5pPr>
             <a:lvl6pPr lvl="5" algn="ctr">
               <a:spcBef>
                 <a:spcPts val="0"/>
               </a:spcBef>
-              <a:buSzPct val="100000"/>
+              <a:buSzPts val="12000"/>
+              <a:buNone/>
               <a:defRPr sz="12000"/>
             </a:lvl6pPr>
             <a:lvl7pPr lvl="6" algn="ctr">
               <a:spcBef>
                 <a:spcPts val="0"/>
               </a:spcBef>
-              <a:buSzPct val="100000"/>
+              <a:buSzPts val="12000"/>
+              <a:buNone/>
               <a:defRPr sz="12000"/>
             </a:lvl7pPr>
             <a:lvl8pPr lvl="7" algn="ctr">
               <a:spcBef>
                 <a:spcPts val="0"/>
               </a:spcBef>
-              <a:buSzPct val="100000"/>
+              <a:buSzPts val="12000"/>
+              <a:buNone/>
               <a:defRPr sz="12000"/>
             </a:lvl8pPr>
             <a:lvl9pPr lvl="8" algn="ctr">
               <a:spcBef>
                 <a:spcPts val="0"/>
               </a:spcBef>
-              <a:buSzPct val="100000"/>
+              <a:buSzPts val="12000"/>
+              <a:buNone/>
               <a:defRPr sz="12000"/>
             </a:lvl9pPr>
           </a:lstStyle>
@@ -1810,54 +1828,72 @@
               <a:spcBef>
                 <a:spcPts val="0"/>
               </a:spcBef>
+              <a:buSzPts val="1800"/>
+              <a:buChar char="●"/>
               <a:defRPr/>
             </a:lvl1pPr>
             <a:lvl2pPr lvl="1" algn="ctr">
               <a:spcBef>
                 <a:spcPts val="0"/>
               </a:spcBef>
+              <a:buSzPts val="1400"/>
+              <a:buChar char="○"/>
               <a:defRPr/>
             </a:lvl2pPr>
             <a:lvl3pPr lvl="2" algn="ctr">
               <a:spcBef>
                 <a:spcPts val="0"/>
               </a:spcBef>
+              <a:buSzPts val="1400"/>
+              <a:buChar char="■"/>
               <a:defRPr/>
             </a:lvl3pPr>
             <a:lvl4pPr lvl="3" algn="ctr">
               <a:spcBef>
                 <a:spcPts val="0"/>
               </a:spcBef>
+              <a:buSzPts val="1400"/>
+              <a:buChar char="●"/>
               <a:defRPr/>
             </a:lvl4pPr>
             <a:lvl5pPr lvl="4" algn="ctr">
               <a:spcBef>
                 <a:spcPts val="0"/>
               </a:spcBef>
+              <a:buSzPts val="1400"/>
+              <a:buChar char="○"/>
               <a:defRPr/>
             </a:lvl5pPr>
             <a:lvl6pPr lvl="5" algn="ctr">
               <a:spcBef>
                 <a:spcPts val="0"/>
               </a:spcBef>
+              <a:buSzPts val="1400"/>
+              <a:buChar char="■"/>
               <a:defRPr/>
             </a:lvl6pPr>
             <a:lvl7pPr lvl="6" algn="ctr">
               <a:spcBef>
                 <a:spcPts val="0"/>
               </a:spcBef>
+              <a:buSzPts val="1400"/>
+              <a:buChar char="●"/>
               <a:defRPr/>
             </a:lvl7pPr>
             <a:lvl8pPr lvl="7" algn="ctr">
               <a:spcBef>
                 <a:spcPts val="0"/>
               </a:spcBef>
+              <a:buSzPts val="1400"/>
+              <a:buChar char="○"/>
               <a:defRPr/>
             </a:lvl8pPr>
             <a:lvl9pPr lvl="8" algn="ctr">
               <a:spcBef>
                 <a:spcPts val="0"/>
               </a:spcBef>
+              <a:buSzPts val="1400"/>
+              <a:buChar char="■"/>
               <a:defRPr/>
             </a:lvl9pPr>
           </a:lstStyle>
@@ -1887,7 +1923,7 @@
           </a:bodyPr>
           <a:lstStyle/>
           <a:p>
-            <a:pPr lvl="0">
+            <a:pPr indent="0" lvl="0" marL="0">
               <a:spcBef>
                 <a:spcPts val="0"/>
               </a:spcBef>
@@ -1948,7 +1984,7 @@
           </a:bodyPr>
           <a:lstStyle/>
           <a:p>
-            <a:pPr lvl="0">
+            <a:pPr indent="0" lvl="0" marL="0">
               <a:spcBef>
                 <a:spcPts val="0"/>
               </a:spcBef>
@@ -2017,7 +2053,7 @@
               <a:spcAft>
                 <a:spcPts val="0"/>
               </a:spcAft>
-              <a:buSzPct val="31818"/>
+              <a:buSzPts val="1400"/>
               <a:buNone/>
               <a:defRPr b="0" i="0" sz="4400" u="none" cap="none" strike="noStrike">
                 <a:solidFill>
@@ -2036,7 +2072,7 @@
               <a:spcAft>
                 <a:spcPts val="0"/>
               </a:spcAft>
-              <a:buSzPct val="31818"/>
+              <a:buSzPts val="1400"/>
               <a:buNone/>
               <a:defRPr b="0" i="0" sz="4400" u="none" cap="none" strike="noStrike">
                 <a:solidFill>
@@ -2055,7 +2091,7 @@
               <a:spcAft>
                 <a:spcPts val="0"/>
               </a:spcAft>
-              <a:buSzPct val="31818"/>
+              <a:buSzPts val="1400"/>
               <a:buNone/>
               <a:defRPr b="0" i="0" sz="4400" u="none" cap="none" strike="noStrike">
                 <a:solidFill>
@@ -2074,7 +2110,7 @@
               <a:spcAft>
                 <a:spcPts val="0"/>
               </a:spcAft>
-              <a:buSzPct val="31818"/>
+              <a:buSzPts val="1400"/>
               <a:buNone/>
               <a:defRPr b="0" i="0" sz="4400" u="none" cap="none" strike="noStrike">
                 <a:solidFill>
@@ -2093,7 +2129,7 @@
               <a:spcAft>
                 <a:spcPts val="0"/>
               </a:spcAft>
-              <a:buSzPct val="31818"/>
+              <a:buSzPts val="1400"/>
               <a:buNone/>
               <a:defRPr b="0" i="0" sz="4400" u="none" cap="none" strike="noStrike">
                 <a:solidFill>
@@ -2112,7 +2148,7 @@
               <a:spcAft>
                 <a:spcPts val="0"/>
               </a:spcAft>
-              <a:buSzPct val="31818"/>
+              <a:buSzPts val="1400"/>
               <a:buNone/>
               <a:defRPr b="0" i="0" sz="4400" u="none" cap="none" strike="noStrike">
                 <a:solidFill>
@@ -2131,7 +2167,7 @@
               <a:spcAft>
                 <a:spcPts val="0"/>
               </a:spcAft>
-              <a:buSzPct val="31818"/>
+              <a:buSzPts val="1400"/>
               <a:buNone/>
               <a:defRPr b="0" i="0" sz="4400" u="none" cap="none" strike="noStrike">
                 <a:solidFill>
@@ -2150,7 +2186,7 @@
               <a:spcAft>
                 <a:spcPts val="0"/>
               </a:spcAft>
-              <a:buSzPct val="31818"/>
+              <a:buSzPts val="1400"/>
               <a:buNone/>
               <a:defRPr b="0" i="0" sz="4400" u="none" cap="none" strike="noStrike">
                 <a:solidFill>
@@ -2169,7 +2205,7 @@
               <a:spcAft>
                 <a:spcPts val="0"/>
               </a:spcAft>
-              <a:buSzPct val="31818"/>
+              <a:buSzPts val="1400"/>
               <a:buNone/>
               <a:defRPr b="0" i="0" sz="4400" u="none" cap="none" strike="noStrike">
                 <a:solidFill>
@@ -2219,7 +2255,7 @@
               <a:buClr>
                 <a:schemeClr val="dk1"/>
               </a:buClr>
-              <a:buSzPct val="100000"/>
+              <a:buSzPts val="3200"/>
               <a:buFont typeface="Arial"/>
               <a:buChar char="•"/>
               <a:defRPr b="0" i="0" sz="3200" u="none" cap="none" strike="noStrike">
@@ -2242,7 +2278,7 @@
               <a:buClr>
                 <a:schemeClr val="dk1"/>
               </a:buClr>
-              <a:buSzPct val="100000"/>
+              <a:buSzPts val="2800"/>
               <a:buFont typeface="Arial"/>
               <a:buChar char="–"/>
               <a:defRPr b="0" i="0" sz="2800" u="none" cap="none" strike="noStrike">
@@ -2265,7 +2301,7 @@
               <a:buClr>
                 <a:schemeClr val="dk1"/>
               </a:buClr>
-              <a:buSzPct val="100000"/>
+              <a:buSzPts val="2400"/>
               <a:buFont typeface="Arial"/>
               <a:buChar char="•"/>
               <a:defRPr b="0" i="0" sz="2400" u="none" cap="none" strike="noStrike">
@@ -2288,7 +2324,7 @@
               <a:buClr>
                 <a:schemeClr val="dk1"/>
               </a:buClr>
-              <a:buSzPct val="100000"/>
+              <a:buSzPts val="2000"/>
               <a:buFont typeface="Arial"/>
               <a:buChar char="–"/>
               <a:defRPr b="0" i="0" sz="2000" u="none" cap="none" strike="noStrike">
@@ -2311,7 +2347,7 @@
               <a:buClr>
                 <a:schemeClr val="dk1"/>
               </a:buClr>
-              <a:buSzPct val="100000"/>
+              <a:buSzPts val="2000"/>
               <a:buFont typeface="Arial"/>
               <a:buChar char="»"/>
               <a:defRPr b="0" i="0" sz="2000" u="none" cap="none" strike="noStrike">
@@ -2331,7 +2367,7 @@
               <a:buClr>
                 <a:schemeClr val="dk1"/>
               </a:buClr>
-              <a:buSzPct val="100000"/>
+              <a:buSzPts val="2000"/>
               <a:buFont typeface="Arial"/>
               <a:buChar char="•"/>
               <a:defRPr b="0" i="0" sz="2000" u="none" cap="none" strike="noStrike">
@@ -2351,7 +2387,7 @@
               <a:buClr>
                 <a:schemeClr val="dk1"/>
               </a:buClr>
-              <a:buSzPct val="100000"/>
+              <a:buSzPts val="2000"/>
               <a:buFont typeface="Arial"/>
               <a:buChar char="•"/>
               <a:defRPr b="0" i="0" sz="2000" u="none" cap="none" strike="noStrike">
@@ -2371,7 +2407,7 @@
               <a:buClr>
                 <a:schemeClr val="dk1"/>
               </a:buClr>
-              <a:buSzPct val="100000"/>
+              <a:buSzPts val="2000"/>
               <a:buFont typeface="Arial"/>
               <a:buChar char="•"/>
               <a:defRPr b="0" i="0" sz="2000" u="none" cap="none" strike="noStrike">
@@ -2391,7 +2427,7 @@
               <a:buClr>
                 <a:schemeClr val="dk1"/>
               </a:buClr>
-              <a:buSzPct val="100000"/>
+              <a:buSzPts val="2000"/>
               <a:buFont typeface="Arial"/>
               <a:buChar char="•"/>
               <a:defRPr b="0" i="0" sz="2000" u="none" cap="none" strike="noStrike">
@@ -2442,7 +2478,7 @@
               <a:spcAft>
                 <a:spcPts val="0"/>
               </a:spcAft>
-              <a:buSzPct val="116666"/>
+              <a:buSzPts val="1400"/>
               <a:buNone/>
               <a:defRPr b="0" i="0" sz="1200" u="none" cap="none" strike="noStrike">
                 <a:solidFill>
@@ -2464,7 +2500,7 @@
               <a:spcAft>
                 <a:spcPts val="0"/>
               </a:spcAft>
-              <a:buSzPct val="77777"/>
+              <a:buSzPts val="1400"/>
               <a:buNone/>
               <a:defRPr b="0" i="0" sz="1800" u="none" cap="none" strike="noStrike">
                 <a:solidFill>
@@ -2486,7 +2522,7 @@
               <a:spcAft>
                 <a:spcPts val="0"/>
               </a:spcAft>
-              <a:buSzPct val="77777"/>
+              <a:buSzPts val="1400"/>
               <a:buNone/>
               <a:defRPr b="0" i="0" sz="1800" u="none" cap="none" strike="noStrike">
                 <a:solidFill>
@@ -2508,7 +2544,7 @@
               <a:spcAft>
                 <a:spcPts val="0"/>
               </a:spcAft>
-              <a:buSzPct val="77777"/>
+              <a:buSzPts val="1400"/>
               <a:buNone/>
               <a:defRPr b="0" i="0" sz="1800" u="none" cap="none" strike="noStrike">
                 <a:solidFill>
@@ -2530,7 +2566,7 @@
               <a:spcAft>
                 <a:spcPts val="0"/>
               </a:spcAft>
-              <a:buSzPct val="77777"/>
+              <a:buSzPts val="1400"/>
               <a:buNone/>
               <a:defRPr b="0" i="0" sz="1800" u="none" cap="none" strike="noStrike">
                 <a:solidFill>
@@ -2552,7 +2588,7 @@
               <a:spcAft>
                 <a:spcPts val="0"/>
               </a:spcAft>
-              <a:buSzPct val="77777"/>
+              <a:buSzPts val="1400"/>
               <a:buNone/>
               <a:defRPr b="0" i="0" sz="1800" u="none" cap="none" strike="noStrike">
                 <a:solidFill>
@@ -2574,7 +2610,7 @@
               <a:spcAft>
                 <a:spcPts val="0"/>
               </a:spcAft>
-              <a:buSzPct val="77777"/>
+              <a:buSzPts val="1400"/>
               <a:buNone/>
               <a:defRPr b="0" i="0" sz="1800" u="none" cap="none" strike="noStrike">
                 <a:solidFill>
@@ -2596,7 +2632,7 @@
               <a:spcAft>
                 <a:spcPts val="0"/>
               </a:spcAft>
-              <a:buSzPct val="77777"/>
+              <a:buSzPts val="1400"/>
               <a:buNone/>
               <a:defRPr b="0" i="0" sz="1800" u="none" cap="none" strike="noStrike">
                 <a:solidFill>
@@ -2618,7 +2654,7 @@
               <a:spcAft>
                 <a:spcPts val="0"/>
               </a:spcAft>
-              <a:buSzPct val="77777"/>
+              <a:buSzPts val="1400"/>
               <a:buNone/>
               <a:defRPr b="0" i="0" sz="1800" u="none" cap="none" strike="noStrike">
                 <a:solidFill>
@@ -2668,7 +2704,7 @@
               <a:spcAft>
                 <a:spcPts val="0"/>
               </a:spcAft>
-              <a:buSzPct val="77777"/>
+              <a:buSzPts val="1400"/>
               <a:buNone/>
               <a:defRPr b="0" i="0" sz="1800" u="none" cap="none" strike="noStrike">
                 <a:solidFill>
@@ -2690,7 +2726,7 @@
               <a:spcAft>
                 <a:spcPts val="0"/>
               </a:spcAft>
-              <a:buSzPct val="77777"/>
+              <a:buSzPts val="1400"/>
               <a:buNone/>
               <a:defRPr b="0" i="0" sz="1800" u="none" cap="none" strike="noStrike">
                 <a:solidFill>
@@ -2712,7 +2748,7 @@
               <a:spcAft>
                 <a:spcPts val="0"/>
               </a:spcAft>
-              <a:buSzPct val="77777"/>
+              <a:buSzPts val="1400"/>
               <a:buNone/>
               <a:defRPr b="0" i="0" sz="1800" u="none" cap="none" strike="noStrike">
                 <a:solidFill>
@@ -2734,7 +2770,7 @@
               <a:spcAft>
                 <a:spcPts val="0"/>
               </a:spcAft>
-              <a:buSzPct val="77777"/>
+              <a:buSzPts val="1400"/>
               <a:buNone/>
               <a:defRPr b="0" i="0" sz="1800" u="none" cap="none" strike="noStrike">
                 <a:solidFill>
@@ -2756,7 +2792,7 @@
               <a:spcAft>
                 <a:spcPts val="0"/>
               </a:spcAft>
-              <a:buSzPct val="77777"/>
+              <a:buSzPts val="1400"/>
               <a:buNone/>
               <a:defRPr b="0" i="0" sz="1800" u="none" cap="none" strike="noStrike">
                 <a:solidFill>
@@ -2778,7 +2814,7 @@
               <a:spcAft>
                 <a:spcPts val="0"/>
               </a:spcAft>
-              <a:buSzPct val="77777"/>
+              <a:buSzPts val="1400"/>
               <a:buNone/>
               <a:defRPr b="0" i="0" sz="1800" u="none" cap="none" strike="noStrike">
                 <a:solidFill>
@@ -2800,7 +2836,7 @@
               <a:spcAft>
                 <a:spcPts val="0"/>
               </a:spcAft>
-              <a:buSzPct val="77777"/>
+              <a:buSzPts val="1400"/>
               <a:buNone/>
               <a:defRPr b="0" i="0" sz="1800" u="none" cap="none" strike="noStrike">
                 <a:solidFill>
@@ -2822,7 +2858,7 @@
               <a:spcAft>
                 <a:spcPts val="0"/>
               </a:spcAft>
-              <a:buSzPct val="77777"/>
+              <a:buSzPts val="1400"/>
               <a:buNone/>
               <a:defRPr b="0" i="0" sz="1800" u="none" cap="none" strike="noStrike">
                 <a:solidFill>
@@ -2844,7 +2880,7 @@
               <a:spcAft>
                 <a:spcPts val="0"/>
               </a:spcAft>
-              <a:buSzPct val="77777"/>
+              <a:buSzPts val="1400"/>
               <a:buNone/>
               <a:defRPr b="0" i="0" sz="1800" u="none" cap="none" strike="noStrike">
                 <a:solidFill>
@@ -2900,7 +2936,6 @@
               <a:buClr>
                 <a:srgbClr val="898989"/>
               </a:buClr>
-              <a:buSzPct val="25000"/>
               <a:buFont typeface="Calibri"/>
               <a:buNone/>
             </a:pPr>
@@ -2975,7 +3010,7 @@
               <a:spcAft>
                 <a:spcPts val="0"/>
               </a:spcAft>
-              <a:buSzPct val="31818"/>
+              <a:buSzPts val="1400"/>
               <a:buNone/>
               <a:defRPr b="0" i="0" sz="4400" u="none" cap="none" strike="noStrike">
                 <a:solidFill>
@@ -2994,7 +3029,7 @@
               <a:spcAft>
                 <a:spcPts val="0"/>
               </a:spcAft>
-              <a:buSzPct val="31818"/>
+              <a:buSzPts val="1400"/>
               <a:buNone/>
               <a:defRPr b="0" i="0" sz="4400" u="none" cap="none" strike="noStrike">
                 <a:solidFill>
@@ -3013,7 +3048,7 @@
               <a:spcAft>
                 <a:spcPts val="0"/>
               </a:spcAft>
-              <a:buSzPct val="31818"/>
+              <a:buSzPts val="1400"/>
               <a:buNone/>
               <a:defRPr b="0" i="0" sz="4400" u="none" cap="none" strike="noStrike">
                 <a:solidFill>
@@ -3032,7 +3067,7 @@
               <a:spcAft>
                 <a:spcPts val="0"/>
               </a:spcAft>
-              <a:buSzPct val="31818"/>
+              <a:buSzPts val="1400"/>
               <a:buNone/>
               <a:defRPr b="0" i="0" sz="4400" u="none" cap="none" strike="noStrike">
                 <a:solidFill>
@@ -3051,7 +3086,7 @@
               <a:spcAft>
                 <a:spcPts val="0"/>
               </a:spcAft>
-              <a:buSzPct val="31818"/>
+              <a:buSzPts val="1400"/>
               <a:buNone/>
               <a:defRPr b="0" i="0" sz="4400" u="none" cap="none" strike="noStrike">
                 <a:solidFill>
@@ -3070,7 +3105,7 @@
               <a:spcAft>
                 <a:spcPts val="0"/>
               </a:spcAft>
-              <a:buSzPct val="31818"/>
+              <a:buSzPts val="1400"/>
               <a:buNone/>
               <a:defRPr b="0" i="0" sz="4400" u="none" cap="none" strike="noStrike">
                 <a:solidFill>
@@ -3089,7 +3124,7 @@
               <a:spcAft>
                 <a:spcPts val="0"/>
               </a:spcAft>
-              <a:buSzPct val="31818"/>
+              <a:buSzPts val="1400"/>
               <a:buNone/>
               <a:defRPr b="0" i="0" sz="4400" u="none" cap="none" strike="noStrike">
                 <a:solidFill>
@@ -3108,7 +3143,7 @@
               <a:spcAft>
                 <a:spcPts val="0"/>
               </a:spcAft>
-              <a:buSzPct val="31818"/>
+              <a:buSzPts val="1400"/>
               <a:buNone/>
               <a:defRPr b="0" i="0" sz="4400" u="none" cap="none" strike="noStrike">
                 <a:solidFill>
@@ -3127,7 +3162,7 @@
               <a:spcAft>
                 <a:spcPts val="0"/>
               </a:spcAft>
-              <a:buSzPct val="31818"/>
+              <a:buSzPts val="1400"/>
               <a:buNone/>
               <a:defRPr b="0" i="0" sz="4400" u="none" cap="none" strike="noStrike">
                 <a:solidFill>
@@ -3177,7 +3212,7 @@
               <a:buClr>
                 <a:schemeClr val="dk1"/>
               </a:buClr>
-              <a:buSzPct val="100000"/>
+              <a:buSzPts val="3200"/>
               <a:buFont typeface="Arial"/>
               <a:buChar char="•"/>
               <a:defRPr sz="3200">
@@ -3200,7 +3235,7 @@
               <a:buClr>
                 <a:schemeClr val="dk1"/>
               </a:buClr>
-              <a:buSzPct val="100000"/>
+              <a:buSzPts val="2800"/>
               <a:buFont typeface="Arial"/>
               <a:buChar char="–"/>
               <a:defRPr b="0" i="0" sz="2800" u="none" cap="none" strike="noStrike">
@@ -3223,7 +3258,7 @@
               <a:buClr>
                 <a:schemeClr val="dk1"/>
               </a:buClr>
-              <a:buSzPct val="100000"/>
+              <a:buSzPts val="2400"/>
               <a:buFont typeface="Arial"/>
               <a:buChar char="•"/>
               <a:defRPr b="0" i="0" sz="2400" u="none" cap="none" strike="noStrike">
@@ -3246,7 +3281,7 @@
               <a:buClr>
                 <a:schemeClr val="dk1"/>
               </a:buClr>
-              <a:buSzPct val="100000"/>
+              <a:buSzPts val="2000"/>
               <a:buFont typeface="Arial"/>
               <a:buChar char="–"/>
               <a:defRPr b="0" i="0" sz="2000" u="none" cap="none" strike="noStrike">
@@ -3269,7 +3304,7 @@
               <a:buClr>
                 <a:schemeClr val="dk1"/>
               </a:buClr>
-              <a:buSzPct val="100000"/>
+              <a:buSzPts val="2000"/>
               <a:buFont typeface="Arial"/>
               <a:buChar char="»"/>
               <a:defRPr b="0" i="0" sz="2000" u="none" cap="none" strike="noStrike">
@@ -3289,7 +3324,7 @@
               <a:buClr>
                 <a:schemeClr val="dk1"/>
               </a:buClr>
-              <a:buSzPct val="100000"/>
+              <a:buSzPts val="2000"/>
               <a:buFont typeface="Arial"/>
               <a:buChar char="•"/>
               <a:defRPr b="0" i="0" sz="2000" u="none" cap="none" strike="noStrike">
@@ -3309,7 +3344,7 @@
               <a:buClr>
                 <a:schemeClr val="dk1"/>
               </a:buClr>
-              <a:buSzPct val="100000"/>
+              <a:buSzPts val="2000"/>
               <a:buFont typeface="Arial"/>
               <a:buChar char="•"/>
               <a:defRPr b="0" i="0" sz="2000" u="none" cap="none" strike="noStrike">
@@ -3329,7 +3364,7 @@
               <a:buClr>
                 <a:schemeClr val="dk1"/>
               </a:buClr>
-              <a:buSzPct val="100000"/>
+              <a:buSzPts val="2000"/>
               <a:buFont typeface="Arial"/>
               <a:buChar char="•"/>
               <a:defRPr b="0" i="0" sz="2000" u="none" cap="none" strike="noStrike">
@@ -3349,7 +3384,7 @@
               <a:buClr>
                 <a:schemeClr val="dk1"/>
               </a:buClr>
-              <a:buSzPct val="100000"/>
+              <a:buSzPts val="2000"/>
               <a:buFont typeface="Arial"/>
               <a:buChar char="•"/>
               <a:defRPr b="0" i="0" sz="2000" u="none" cap="none" strike="noStrike">
@@ -3400,7 +3435,7 @@
               <a:spcAft>
                 <a:spcPts val="0"/>
               </a:spcAft>
-              <a:buSzPct val="116666"/>
+              <a:buSzPts val="1400"/>
               <a:buNone/>
               <a:defRPr b="0" i="0" sz="1200" u="none">
                 <a:solidFill>
@@ -3422,7 +3457,7 @@
               <a:spcAft>
                 <a:spcPts val="0"/>
               </a:spcAft>
-              <a:buSzPct val="77777"/>
+              <a:buSzPts val="1400"/>
               <a:buNone/>
               <a:defRPr b="0" i="0" sz="1800" u="none" cap="none" strike="noStrike">
                 <a:solidFill>
@@ -3444,7 +3479,7 @@
               <a:spcAft>
                 <a:spcPts val="0"/>
               </a:spcAft>
-              <a:buSzPct val="77777"/>
+              <a:buSzPts val="1400"/>
               <a:buNone/>
               <a:defRPr b="0" i="0" sz="1800" u="none" cap="none" strike="noStrike">
                 <a:solidFill>
@@ -3466,7 +3501,7 @@
               <a:spcAft>
                 <a:spcPts val="0"/>
               </a:spcAft>
-              <a:buSzPct val="77777"/>
+              <a:buSzPts val="1400"/>
               <a:buNone/>
               <a:defRPr b="0" i="0" sz="1800" u="none" cap="none" strike="noStrike">
                 <a:solidFill>
@@ -3488,7 +3523,7 @@
               <a:spcAft>
                 <a:spcPts val="0"/>
               </a:spcAft>
-              <a:buSzPct val="77777"/>
+              <a:buSzPts val="1400"/>
               <a:buNone/>
               <a:defRPr b="0" i="0" sz="1800" u="none" cap="none" strike="noStrike">
                 <a:solidFill>
@@ -3510,7 +3545,7 @@
               <a:spcAft>
                 <a:spcPts val="0"/>
               </a:spcAft>
-              <a:buSzPct val="77777"/>
+              <a:buSzPts val="1400"/>
               <a:buNone/>
               <a:defRPr b="0" i="0" sz="1800" u="none" cap="none" strike="noStrike">
                 <a:solidFill>
@@ -3532,7 +3567,7 @@
               <a:spcAft>
                 <a:spcPts val="0"/>
               </a:spcAft>
-              <a:buSzPct val="77777"/>
+              <a:buSzPts val="1400"/>
               <a:buNone/>
               <a:defRPr b="0" i="0" sz="1800" u="none" cap="none" strike="noStrike">
                 <a:solidFill>
@@ -3554,7 +3589,7 @@
               <a:spcAft>
                 <a:spcPts val="0"/>
               </a:spcAft>
-              <a:buSzPct val="77777"/>
+              <a:buSzPts val="1400"/>
               <a:buNone/>
               <a:defRPr b="0" i="0" sz="1800" u="none" cap="none" strike="noStrike">
                 <a:solidFill>
@@ -3576,7 +3611,7 @@
               <a:spcAft>
                 <a:spcPts val="0"/>
               </a:spcAft>
-              <a:buSzPct val="77777"/>
+              <a:buSzPts val="1400"/>
               <a:buNone/>
               <a:defRPr b="0" i="0" sz="1800" u="none" cap="none" strike="noStrike">
                 <a:solidFill>
@@ -3626,7 +3661,7 @@
               <a:spcAft>
                 <a:spcPts val="0"/>
               </a:spcAft>
-              <a:buSzPct val="77777"/>
+              <a:buSzPts val="1400"/>
               <a:buNone/>
               <a:defRPr b="0" i="0" sz="1800" u="none">
                 <a:solidFill>
@@ -3648,7 +3683,7 @@
               <a:spcAft>
                 <a:spcPts val="0"/>
               </a:spcAft>
-              <a:buSzPct val="77777"/>
+              <a:buSzPts val="1400"/>
               <a:buNone/>
               <a:defRPr b="0" i="0" sz="1800" u="none" cap="none" strike="noStrike">
                 <a:solidFill>
@@ -3670,7 +3705,7 @@
               <a:spcAft>
                 <a:spcPts val="0"/>
               </a:spcAft>
-              <a:buSzPct val="77777"/>
+              <a:buSzPts val="1400"/>
               <a:buNone/>
               <a:defRPr b="0" i="0" sz="1800" u="none" cap="none" strike="noStrike">
                 <a:solidFill>
@@ -3692,7 +3727,7 @@
               <a:spcAft>
                 <a:spcPts val="0"/>
               </a:spcAft>
-              <a:buSzPct val="77777"/>
+              <a:buSzPts val="1400"/>
               <a:buNone/>
               <a:defRPr b="0" i="0" sz="1800" u="none" cap="none" strike="noStrike">
                 <a:solidFill>
@@ -3714,7 +3749,7 @@
               <a:spcAft>
                 <a:spcPts val="0"/>
               </a:spcAft>
-              <a:buSzPct val="77777"/>
+              <a:buSzPts val="1400"/>
               <a:buNone/>
               <a:defRPr b="0" i="0" sz="1800" u="none" cap="none" strike="noStrike">
                 <a:solidFill>
@@ -3736,7 +3771,7 @@
               <a:spcAft>
                 <a:spcPts val="0"/>
               </a:spcAft>
-              <a:buSzPct val="77777"/>
+              <a:buSzPts val="1400"/>
               <a:buNone/>
               <a:defRPr b="0" i="0" sz="1800" u="none" cap="none" strike="noStrike">
                 <a:solidFill>
@@ -3758,7 +3793,7 @@
               <a:spcAft>
                 <a:spcPts val="0"/>
               </a:spcAft>
-              <a:buSzPct val="77777"/>
+              <a:buSzPts val="1400"/>
               <a:buNone/>
               <a:defRPr b="0" i="0" sz="1800" u="none" cap="none" strike="noStrike">
                 <a:solidFill>
@@ -3780,7 +3815,7 @@
               <a:spcAft>
                 <a:spcPts val="0"/>
               </a:spcAft>
-              <a:buSzPct val="77777"/>
+              <a:buSzPts val="1400"/>
               <a:buNone/>
               <a:defRPr b="0" i="0" sz="1800" u="none" cap="none" strike="noStrike">
                 <a:solidFill>
@@ -3802,7 +3837,7 @@
               <a:spcAft>
                 <a:spcPts val="0"/>
               </a:spcAft>
-              <a:buSzPct val="77777"/>
+              <a:buSzPts val="1400"/>
               <a:buNone/>
               <a:defRPr b="0" i="0" sz="1800" u="none" cap="none" strike="noStrike">
                 <a:solidFill>
@@ -3858,7 +3893,6 @@
               <a:buClr>
                 <a:srgbClr val="898989"/>
               </a:buClr>
-              <a:buSzPct val="25000"/>
               <a:buFont typeface="Calibri"/>
               <a:buNone/>
             </a:pPr>
@@ -3933,7 +3967,7 @@
               <a:spcAft>
                 <a:spcPts val="0"/>
               </a:spcAft>
-              <a:buSzPct val="31818"/>
+              <a:buSzPts val="1400"/>
               <a:buNone/>
               <a:defRPr b="0" i="0" sz="4400" u="none" cap="none" strike="noStrike">
                 <a:solidFill>
@@ -3952,7 +3986,7 @@
               <a:spcAft>
                 <a:spcPts val="0"/>
               </a:spcAft>
-              <a:buSzPct val="31818"/>
+              <a:buSzPts val="1400"/>
               <a:buNone/>
               <a:defRPr b="0" i="0" sz="4400" u="none" cap="none" strike="noStrike">
                 <a:solidFill>
@@ -3971,7 +4005,7 @@
               <a:spcAft>
                 <a:spcPts val="0"/>
               </a:spcAft>
-              <a:buSzPct val="31818"/>
+              <a:buSzPts val="1400"/>
               <a:buNone/>
               <a:defRPr b="0" i="0" sz="4400" u="none" cap="none" strike="noStrike">
                 <a:solidFill>
@@ -3990,7 +4024,7 @@
               <a:spcAft>
                 <a:spcPts val="0"/>
               </a:spcAft>
-              <a:buSzPct val="31818"/>
+              <a:buSzPts val="1400"/>
               <a:buNone/>
               <a:defRPr b="0" i="0" sz="4400" u="none" cap="none" strike="noStrike">
                 <a:solidFill>
@@ -4009,7 +4043,7 @@
               <a:spcAft>
                 <a:spcPts val="0"/>
               </a:spcAft>
-              <a:buSzPct val="31818"/>
+              <a:buSzPts val="1400"/>
               <a:buNone/>
               <a:defRPr b="0" i="0" sz="4400" u="none" cap="none" strike="noStrike">
                 <a:solidFill>
@@ -4028,7 +4062,7 @@
               <a:spcAft>
                 <a:spcPts val="0"/>
               </a:spcAft>
-              <a:buSzPct val="31818"/>
+              <a:buSzPts val="1400"/>
               <a:buNone/>
               <a:defRPr b="0" i="0" sz="4400" u="none" cap="none" strike="noStrike">
                 <a:solidFill>
@@ -4047,7 +4081,7 @@
               <a:spcAft>
                 <a:spcPts val="0"/>
               </a:spcAft>
-              <a:buSzPct val="31818"/>
+              <a:buSzPts val="1400"/>
               <a:buNone/>
               <a:defRPr b="0" i="0" sz="4400" u="none" cap="none" strike="noStrike">
                 <a:solidFill>
@@ -4066,7 +4100,7 @@
               <a:spcAft>
                 <a:spcPts val="0"/>
               </a:spcAft>
-              <a:buSzPct val="31818"/>
+              <a:buSzPts val="1400"/>
               <a:buNone/>
               <a:defRPr b="0" i="0" sz="4400" u="none" cap="none" strike="noStrike">
                 <a:solidFill>
@@ -4085,7 +4119,7 @@
               <a:spcAft>
                 <a:spcPts val="0"/>
               </a:spcAft>
-              <a:buSzPct val="31818"/>
+              <a:buSzPts val="1400"/>
               <a:buNone/>
               <a:defRPr b="0" i="0" sz="4400" u="none" cap="none" strike="noStrike">
                 <a:solidFill>
@@ -4135,7 +4169,7 @@
               <a:buClr>
                 <a:schemeClr val="dk1"/>
               </a:buClr>
-              <a:buSzPct val="100000"/>
+              <a:buSzPts val="3200"/>
               <a:buFont typeface="Arial"/>
               <a:buChar char="•"/>
               <a:defRPr sz="3200">
@@ -4158,7 +4192,7 @@
               <a:buClr>
                 <a:schemeClr val="dk1"/>
               </a:buClr>
-              <a:buSzPct val="100000"/>
+              <a:buSzPts val="2800"/>
               <a:buFont typeface="Arial"/>
               <a:buChar char="–"/>
               <a:defRPr b="0" i="0" sz="2800" u="none" cap="none" strike="noStrike">
@@ -4181,7 +4215,7 @@
               <a:buClr>
                 <a:schemeClr val="dk1"/>
               </a:buClr>
-              <a:buSzPct val="100000"/>
+              <a:buSzPts val="2400"/>
               <a:buFont typeface="Arial"/>
               <a:buChar char="•"/>
               <a:defRPr b="0" i="0" sz="2400" u="none" cap="none" strike="noStrike">
@@ -4204,7 +4238,7 @@
               <a:buClr>
                 <a:schemeClr val="dk1"/>
               </a:buClr>
-              <a:buSzPct val="100000"/>
+              <a:buSzPts val="2000"/>
               <a:buFont typeface="Arial"/>
               <a:buChar char="–"/>
               <a:defRPr b="0" i="0" sz="2000" u="none" cap="none" strike="noStrike">
@@ -4227,7 +4261,7 @@
               <a:buClr>
                 <a:schemeClr val="dk1"/>
               </a:buClr>
-              <a:buSzPct val="100000"/>
+              <a:buSzPts val="2000"/>
               <a:buFont typeface="Arial"/>
               <a:buChar char="»"/>
               <a:defRPr b="0" i="0" sz="2000" u="none" cap="none" strike="noStrike">
@@ -4247,7 +4281,7 @@
               <a:buClr>
                 <a:schemeClr val="dk1"/>
               </a:buClr>
-              <a:buSzPct val="100000"/>
+              <a:buSzPts val="2000"/>
               <a:buFont typeface="Arial"/>
               <a:buChar char="•"/>
               <a:defRPr b="0" i="0" sz="2000" u="none" cap="none" strike="noStrike">
@@ -4267,7 +4301,7 @@
               <a:buClr>
                 <a:schemeClr val="dk1"/>
               </a:buClr>
-              <a:buSzPct val="100000"/>
+              <a:buSzPts val="2000"/>
               <a:buFont typeface="Arial"/>
               <a:buChar char="•"/>
               <a:defRPr b="0" i="0" sz="2000" u="none" cap="none" strike="noStrike">
@@ -4287,7 +4321,7 @@
               <a:buClr>
                 <a:schemeClr val="dk1"/>
               </a:buClr>
-              <a:buSzPct val="100000"/>
+              <a:buSzPts val="2000"/>
               <a:buFont typeface="Arial"/>
               <a:buChar char="•"/>
               <a:defRPr b="0" i="0" sz="2000" u="none" cap="none" strike="noStrike">
@@ -4307,7 +4341,7 @@
               <a:buClr>
                 <a:schemeClr val="dk1"/>
               </a:buClr>
-              <a:buSzPct val="100000"/>
+              <a:buSzPts val="2000"/>
               <a:buFont typeface="Arial"/>
               <a:buChar char="•"/>
               <a:defRPr b="0" i="0" sz="2000" u="none" cap="none" strike="noStrike">
@@ -4358,7 +4392,7 @@
               <a:spcAft>
                 <a:spcPts val="0"/>
               </a:spcAft>
-              <a:buSzPct val="116666"/>
+              <a:buSzPts val="1400"/>
               <a:buNone/>
               <a:defRPr b="0" i="0" sz="1200" u="none">
                 <a:solidFill>
@@ -4380,7 +4414,7 @@
               <a:spcAft>
                 <a:spcPts val="0"/>
               </a:spcAft>
-              <a:buSzPct val="77777"/>
+              <a:buSzPts val="1400"/>
               <a:buNone/>
               <a:defRPr b="0" i="0" sz="1800" u="none" cap="none" strike="noStrike">
                 <a:solidFill>
@@ -4402,7 +4436,7 @@
               <a:spcAft>
                 <a:spcPts val="0"/>
               </a:spcAft>
-              <a:buSzPct val="77777"/>
+              <a:buSzPts val="1400"/>
               <a:buNone/>
               <a:defRPr b="0" i="0" sz="1800" u="none" cap="none" strike="noStrike">
                 <a:solidFill>
@@ -4424,7 +4458,7 @@
               <a:spcAft>
                 <a:spcPts val="0"/>
               </a:spcAft>
-              <a:buSzPct val="77777"/>
+              <a:buSzPts val="1400"/>
               <a:buNone/>
               <a:defRPr b="0" i="0" sz="1800" u="none" cap="none" strike="noStrike">
                 <a:solidFill>
@@ -4446,7 +4480,7 @@
               <a:spcAft>
                 <a:spcPts val="0"/>
               </a:spcAft>
-              <a:buSzPct val="77777"/>
+              <a:buSzPts val="1400"/>
               <a:buNone/>
               <a:defRPr b="0" i="0" sz="1800" u="none" cap="none" strike="noStrike">
                 <a:solidFill>
@@ -4468,7 +4502,7 @@
               <a:spcAft>
                 <a:spcPts val="0"/>
               </a:spcAft>
-              <a:buSzPct val="77777"/>
+              <a:buSzPts val="1400"/>
               <a:buNone/>
               <a:defRPr b="0" i="0" sz="1800" u="none" cap="none" strike="noStrike">
                 <a:solidFill>
@@ -4490,7 +4524,7 @@
               <a:spcAft>
                 <a:spcPts val="0"/>
               </a:spcAft>
-              <a:buSzPct val="77777"/>
+              <a:buSzPts val="1400"/>
               <a:buNone/>
               <a:defRPr b="0" i="0" sz="1800" u="none" cap="none" strike="noStrike">
                 <a:solidFill>
@@ -4512,7 +4546,7 @@
               <a:spcAft>
                 <a:spcPts val="0"/>
               </a:spcAft>
-              <a:buSzPct val="77777"/>
+              <a:buSzPts val="1400"/>
               <a:buNone/>
               <a:defRPr b="0" i="0" sz="1800" u="none" cap="none" strike="noStrike">
                 <a:solidFill>
@@ -4534,7 +4568,7 @@
               <a:spcAft>
                 <a:spcPts val="0"/>
               </a:spcAft>
-              <a:buSzPct val="77777"/>
+              <a:buSzPts val="1400"/>
               <a:buNone/>
               <a:defRPr b="0" i="0" sz="1800" u="none" cap="none" strike="noStrike">
                 <a:solidFill>
@@ -4584,7 +4618,7 @@
               <a:spcAft>
                 <a:spcPts val="0"/>
               </a:spcAft>
-              <a:buSzPct val="77777"/>
+              <a:buSzPts val="1400"/>
               <a:buNone/>
               <a:defRPr b="0" i="0" sz="1800" u="none">
                 <a:solidFill>
@@ -4606,7 +4640,7 @@
               <a:spcAft>
                 <a:spcPts val="0"/>
               </a:spcAft>
-              <a:buSzPct val="77777"/>
+              <a:buSzPts val="1400"/>
               <a:buNone/>
               <a:defRPr b="0" i="0" sz="1800" u="none" cap="none" strike="noStrike">
                 <a:solidFill>
@@ -4628,7 +4662,7 @@
               <a:spcAft>
                 <a:spcPts val="0"/>
               </a:spcAft>
-              <a:buSzPct val="77777"/>
+              <a:buSzPts val="1400"/>
               <a:buNone/>
               <a:defRPr b="0" i="0" sz="1800" u="none" cap="none" strike="noStrike">
                 <a:solidFill>
@@ -4650,7 +4684,7 @@
               <a:spcAft>
                 <a:spcPts val="0"/>
               </a:spcAft>
-              <a:buSzPct val="77777"/>
+              <a:buSzPts val="1400"/>
               <a:buNone/>
               <a:defRPr b="0" i="0" sz="1800" u="none" cap="none" strike="noStrike">
                 <a:solidFill>
@@ -4672,7 +4706,7 @@
               <a:spcAft>
                 <a:spcPts val="0"/>
               </a:spcAft>
-              <a:buSzPct val="77777"/>
+              <a:buSzPts val="1400"/>
               <a:buNone/>
               <a:defRPr b="0" i="0" sz="1800" u="none" cap="none" strike="noStrike">
                 <a:solidFill>
@@ -4694,7 +4728,7 @@
               <a:spcAft>
                 <a:spcPts val="0"/>
               </a:spcAft>
-              <a:buSzPct val="77777"/>
+              <a:buSzPts val="1400"/>
               <a:buNone/>
               <a:defRPr b="0" i="0" sz="1800" u="none" cap="none" strike="noStrike">
                 <a:solidFill>
@@ -4716,7 +4750,7 @@
               <a:spcAft>
                 <a:spcPts val="0"/>
               </a:spcAft>
-              <a:buSzPct val="77777"/>
+              <a:buSzPts val="1400"/>
               <a:buNone/>
               <a:defRPr b="0" i="0" sz="1800" u="none" cap="none" strike="noStrike">
                 <a:solidFill>
@@ -4738,7 +4772,7 @@
               <a:spcAft>
                 <a:spcPts val="0"/>
               </a:spcAft>
-              <a:buSzPct val="77777"/>
+              <a:buSzPts val="1400"/>
               <a:buNone/>
               <a:defRPr b="0" i="0" sz="1800" u="none" cap="none" strike="noStrike">
                 <a:solidFill>
@@ -4760,7 +4794,7 @@
               <a:spcAft>
                 <a:spcPts val="0"/>
               </a:spcAft>
-              <a:buSzPct val="77777"/>
+              <a:buSzPts val="1400"/>
               <a:buNone/>
               <a:defRPr b="0" i="0" sz="1800" u="none" cap="none" strike="noStrike">
                 <a:solidFill>
@@ -4816,7 +4850,6 @@
               <a:buClr>
                 <a:srgbClr val="898989"/>
               </a:buClr>
-              <a:buSzPct val="25000"/>
               <a:buFont typeface="Calibri"/>
               <a:buNone/>
             </a:pPr>
@@ -4891,7 +4924,7 @@
               <a:spcAft>
                 <a:spcPts val="0"/>
               </a:spcAft>
-              <a:buSzPct val="70000"/>
+              <a:buSzPts val="1400"/>
               <a:buNone/>
               <a:defRPr b="1" i="0" sz="2000" u="none" cap="none" strike="noStrike">
                 <a:solidFill>
@@ -4910,7 +4943,7 @@
               <a:spcAft>
                 <a:spcPts val="0"/>
               </a:spcAft>
-              <a:buSzPct val="31818"/>
+              <a:buSzPts val="1400"/>
               <a:buNone/>
               <a:defRPr b="0" i="0" sz="4400" u="none" cap="none" strike="noStrike">
                 <a:solidFill>
@@ -4929,7 +4962,7 @@
               <a:spcAft>
                 <a:spcPts val="0"/>
               </a:spcAft>
-              <a:buSzPct val="31818"/>
+              <a:buSzPts val="1400"/>
               <a:buNone/>
               <a:defRPr b="0" i="0" sz="4400" u="none" cap="none" strike="noStrike">
                 <a:solidFill>
@@ -4948,7 +4981,7 @@
               <a:spcAft>
                 <a:spcPts val="0"/>
               </a:spcAft>
-              <a:buSzPct val="31818"/>
+              <a:buSzPts val="1400"/>
               <a:buNone/>
               <a:defRPr b="0" i="0" sz="4400" u="none" cap="none" strike="noStrike">
                 <a:solidFill>
@@ -4967,7 +5000,7 @@
               <a:spcAft>
                 <a:spcPts val="0"/>
               </a:spcAft>
-              <a:buSzPct val="31818"/>
+              <a:buSzPts val="1400"/>
               <a:buNone/>
               <a:defRPr b="0" i="0" sz="4400" u="none" cap="none" strike="noStrike">
                 <a:solidFill>
@@ -4986,7 +5019,7 @@
               <a:spcAft>
                 <a:spcPts val="0"/>
               </a:spcAft>
-              <a:buSzPct val="31818"/>
+              <a:buSzPts val="1400"/>
               <a:buNone/>
               <a:defRPr b="0" i="0" sz="4400" u="none" cap="none" strike="noStrike">
                 <a:solidFill>
@@ -5005,7 +5038,7 @@
               <a:spcAft>
                 <a:spcPts val="0"/>
               </a:spcAft>
-              <a:buSzPct val="31818"/>
+              <a:buSzPts val="1400"/>
               <a:buNone/>
               <a:defRPr b="0" i="0" sz="4400" u="none" cap="none" strike="noStrike">
                 <a:solidFill>
@@ -5024,7 +5057,7 @@
               <a:spcAft>
                 <a:spcPts val="0"/>
               </a:spcAft>
-              <a:buSzPct val="31818"/>
+              <a:buSzPts val="1400"/>
               <a:buNone/>
               <a:defRPr b="0" i="0" sz="4400" u="none" cap="none" strike="noStrike">
                 <a:solidFill>
@@ -5043,7 +5076,7 @@
               <a:spcAft>
                 <a:spcPts val="0"/>
               </a:spcAft>
-              <a:buSzPct val="31818"/>
+              <a:buSzPts val="1400"/>
               <a:buNone/>
               <a:defRPr b="0" i="0" sz="4400" u="none" cap="none" strike="noStrike">
                 <a:solidFill>
@@ -5093,7 +5126,7 @@
               <a:buClr>
                 <a:schemeClr val="dk1"/>
               </a:buClr>
-              <a:buSzPct val="43750"/>
+              <a:buSzPts val="1400"/>
               <a:buFont typeface="Arial"/>
               <a:buNone/>
               <a:defRPr sz="3200">
@@ -5116,7 +5149,7 @@
               <a:buClr>
                 <a:schemeClr val="dk1"/>
               </a:buClr>
-              <a:buSzPct val="50000"/>
+              <a:buSzPts val="1400"/>
               <a:buFont typeface="Arial"/>
               <a:buNone/>
               <a:defRPr b="0" i="0" sz="2800" u="none" cap="none" strike="noStrike">
@@ -5139,7 +5172,7 @@
               <a:buClr>
                 <a:schemeClr val="dk1"/>
               </a:buClr>
-              <a:buSzPct val="58333"/>
+              <a:buSzPts val="1400"/>
               <a:buFont typeface="Arial"/>
               <a:buNone/>
               <a:defRPr b="0" i="0" sz="2400" u="none" cap="none" strike="noStrike">
@@ -5162,7 +5195,7 @@
               <a:buClr>
                 <a:schemeClr val="dk1"/>
               </a:buClr>
-              <a:buSzPct val="70000"/>
+              <a:buSzPts val="1400"/>
               <a:buFont typeface="Arial"/>
               <a:buNone/>
               <a:defRPr b="0" i="0" sz="2000" u="none" cap="none" strike="noStrike">
@@ -5185,7 +5218,7 @@
               <a:buClr>
                 <a:schemeClr val="dk1"/>
               </a:buClr>
-              <a:buSzPct val="70000"/>
+              <a:buSzPts val="1400"/>
               <a:buFont typeface="Arial"/>
               <a:buNone/>
               <a:defRPr b="0" i="0" sz="2000" u="none" cap="none" strike="noStrike">
@@ -5205,7 +5238,7 @@
               <a:buClr>
                 <a:schemeClr val="dk1"/>
               </a:buClr>
-              <a:buSzPct val="70000"/>
+              <a:buSzPts val="1400"/>
               <a:buFont typeface="Arial"/>
               <a:buNone/>
               <a:defRPr b="0" i="0" sz="2000" u="none" cap="none" strike="noStrike">
@@ -5225,7 +5258,7 @@
               <a:buClr>
                 <a:schemeClr val="dk1"/>
               </a:buClr>
-              <a:buSzPct val="70000"/>
+              <a:buSzPts val="1400"/>
               <a:buFont typeface="Arial"/>
               <a:buNone/>
               <a:defRPr b="0" i="0" sz="2000" u="none" cap="none" strike="noStrike">
@@ -5245,7 +5278,7 @@
               <a:buClr>
                 <a:schemeClr val="dk1"/>
               </a:buClr>
-              <a:buSzPct val="70000"/>
+              <a:buSzPts val="1400"/>
               <a:buFont typeface="Arial"/>
               <a:buNone/>
               <a:defRPr b="0" i="0" sz="2000" u="none" cap="none" strike="noStrike">
@@ -5265,7 +5298,7 @@
               <a:buClr>
                 <a:schemeClr val="dk1"/>
               </a:buClr>
-              <a:buSzPct val="70000"/>
+              <a:buSzPts val="1400"/>
               <a:buFont typeface="Arial"/>
               <a:buNone/>
               <a:defRPr b="0" i="0" sz="2000" u="none" cap="none" strike="noStrike">
@@ -5316,7 +5349,7 @@
               <a:buClr>
                 <a:schemeClr val="dk1"/>
               </a:buClr>
-              <a:buSzPct val="228571"/>
+              <a:buSzPts val="3200"/>
               <a:buFont typeface="Arial"/>
               <a:buNone/>
               <a:defRPr sz="1400">
@@ -5339,7 +5372,7 @@
               <a:buClr>
                 <a:schemeClr val="dk1"/>
               </a:buClr>
-              <a:buSzPct val="233333"/>
+              <a:buSzPts val="2800"/>
               <a:buFont typeface="Arial"/>
               <a:buNone/>
               <a:defRPr b="0" i="0" sz="1200" u="none" cap="none" strike="noStrike">
@@ -5362,7 +5395,7 @@
               <a:buClr>
                 <a:schemeClr val="dk1"/>
               </a:buClr>
-              <a:buSzPct val="240000"/>
+              <a:buSzPts val="2400"/>
               <a:buFont typeface="Arial"/>
               <a:buNone/>
               <a:defRPr b="0" i="0" sz="1000" u="none" cap="none" strike="noStrike">
@@ -5385,7 +5418,7 @@
               <a:buClr>
                 <a:schemeClr val="dk1"/>
               </a:buClr>
-              <a:buSzPct val="222222"/>
+              <a:buSzPts val="2000"/>
               <a:buFont typeface="Arial"/>
               <a:buNone/>
               <a:defRPr b="0" i="0" sz="900" u="none" cap="none" strike="noStrike">
@@ -5408,7 +5441,7 @@
               <a:buClr>
                 <a:schemeClr val="dk1"/>
               </a:buClr>
-              <a:buSzPct val="222222"/>
+              <a:buSzPts val="2000"/>
               <a:buFont typeface="Arial"/>
               <a:buNone/>
               <a:defRPr b="0" i="0" sz="900" u="none" cap="none" strike="noStrike">
@@ -5428,7 +5461,7 @@
               <a:buClr>
                 <a:schemeClr val="dk1"/>
               </a:buClr>
-              <a:buSzPct val="222222"/>
+              <a:buSzPts val="2000"/>
               <a:buFont typeface="Arial"/>
               <a:buNone/>
               <a:defRPr b="0" i="0" sz="900" u="none" cap="none" strike="noStrike">
@@ -5448,7 +5481,7 @@
               <a:buClr>
                 <a:schemeClr val="dk1"/>
               </a:buClr>
-              <a:buSzPct val="222222"/>
+              <a:buSzPts val="2000"/>
               <a:buFont typeface="Arial"/>
               <a:buNone/>
               <a:defRPr b="0" i="0" sz="900" u="none" cap="none" strike="noStrike">
@@ -5468,7 +5501,7 @@
               <a:buClr>
                 <a:schemeClr val="dk1"/>
               </a:buClr>
-              <a:buSzPct val="222222"/>
+              <a:buSzPts val="2000"/>
               <a:buFont typeface="Arial"/>
               <a:buNone/>
               <a:defRPr b="0" i="0" sz="900" u="none" cap="none" strike="noStrike">
@@ -5488,7 +5521,7 @@
               <a:buClr>
                 <a:schemeClr val="dk1"/>
               </a:buClr>
-              <a:buSzPct val="222222"/>
+              <a:buSzPts val="2000"/>
               <a:buFont typeface="Arial"/>
               <a:buNone/>
               <a:defRPr b="0" i="0" sz="900" u="none" cap="none" strike="noStrike">
@@ -5539,7 +5572,7 @@
               <a:spcAft>
                 <a:spcPts val="0"/>
               </a:spcAft>
-              <a:buSzPct val="116666"/>
+              <a:buSzPts val="1400"/>
               <a:buNone/>
               <a:defRPr b="0" i="0" sz="1200" u="none">
                 <a:solidFill>
@@ -5561,7 +5594,7 @@
               <a:spcAft>
                 <a:spcPts val="0"/>
               </a:spcAft>
-              <a:buSzPct val="77777"/>
+              <a:buSzPts val="1400"/>
               <a:buNone/>
               <a:defRPr b="0" i="0" sz="1800" u="none" cap="none" strike="noStrike">
                 <a:solidFill>
@@ -5583,7 +5616,7 @@
               <a:spcAft>
                 <a:spcPts val="0"/>
               </a:spcAft>
-              <a:buSzPct val="77777"/>
+              <a:buSzPts val="1400"/>
               <a:buNone/>
               <a:defRPr b="0" i="0" sz="1800" u="none" cap="none" strike="noStrike">
                 <a:solidFill>
@@ -5605,7 +5638,7 @@
               <a:spcAft>
                 <a:spcPts val="0"/>
               </a:spcAft>
-              <a:buSzPct val="77777"/>
+              <a:buSzPts val="1400"/>
               <a:buNone/>
               <a:defRPr b="0" i="0" sz="1800" u="none" cap="none" strike="noStrike">
                 <a:solidFill>
@@ -5627,7 +5660,7 @@
               <a:spcAft>
                 <a:spcPts val="0"/>
               </a:spcAft>
-              <a:buSzPct val="77777"/>
+              <a:buSzPts val="1400"/>
               <a:buNone/>
               <a:defRPr b="0" i="0" sz="1800" u="none" cap="none" strike="noStrike">
                 <a:solidFill>
@@ -5649,7 +5682,7 @@
               <a:spcAft>
                 <a:spcPts val="0"/>
               </a:spcAft>
-              <a:buSzPct val="77777"/>
+              <a:buSzPts val="1400"/>
               <a:buNone/>
               <a:defRPr b="0" i="0" sz="1800" u="none" cap="none" strike="noStrike">
                 <a:solidFill>
@@ -5671,7 +5704,7 @@
               <a:spcAft>
                 <a:spcPts val="0"/>
               </a:spcAft>
-              <a:buSzPct val="77777"/>
+              <a:buSzPts val="1400"/>
               <a:buNone/>
               <a:defRPr b="0" i="0" sz="1800" u="none" cap="none" strike="noStrike">
                 <a:solidFill>
@@ -5693,7 +5726,7 @@
               <a:spcAft>
                 <a:spcPts val="0"/>
               </a:spcAft>
-              <a:buSzPct val="77777"/>
+              <a:buSzPts val="1400"/>
               <a:buNone/>
               <a:defRPr b="0" i="0" sz="1800" u="none" cap="none" strike="noStrike">
                 <a:solidFill>
@@ -5715,7 +5748,7 @@
               <a:spcAft>
                 <a:spcPts val="0"/>
               </a:spcAft>
-              <a:buSzPct val="77777"/>
+              <a:buSzPts val="1400"/>
               <a:buNone/>
               <a:defRPr b="0" i="0" sz="1800" u="none" cap="none" strike="noStrike">
                 <a:solidFill>
@@ -5765,7 +5798,7 @@
               <a:spcAft>
                 <a:spcPts val="0"/>
               </a:spcAft>
-              <a:buSzPct val="77777"/>
+              <a:buSzPts val="1400"/>
               <a:buNone/>
               <a:defRPr b="0" i="0" sz="1800" u="none">
                 <a:solidFill>
@@ -5787,7 +5820,7 @@
               <a:spcAft>
                 <a:spcPts val="0"/>
               </a:spcAft>
-              <a:buSzPct val="77777"/>
+              <a:buSzPts val="1400"/>
               <a:buNone/>
               <a:defRPr b="0" i="0" sz="1800" u="none" cap="none" strike="noStrike">
                 <a:solidFill>
@@ -5809,7 +5842,7 @@
               <a:spcAft>
                 <a:spcPts val="0"/>
               </a:spcAft>
-              <a:buSzPct val="77777"/>
+              <a:buSzPts val="1400"/>
               <a:buNone/>
               <a:defRPr b="0" i="0" sz="1800" u="none" cap="none" strike="noStrike">
                 <a:solidFill>
@@ -5831,7 +5864,7 @@
               <a:spcAft>
                 <a:spcPts val="0"/>
               </a:spcAft>
-              <a:buSzPct val="77777"/>
+              <a:buSzPts val="1400"/>
               <a:buNone/>
               <a:defRPr b="0" i="0" sz="1800" u="none" cap="none" strike="noStrike">
                 <a:solidFill>
@@ -5853,7 +5886,7 @@
               <a:spcAft>
                 <a:spcPts val="0"/>
               </a:spcAft>
-              <a:buSzPct val="77777"/>
+              <a:buSzPts val="1400"/>
               <a:buNone/>
               <a:defRPr b="0" i="0" sz="1800" u="none" cap="none" strike="noStrike">
                 <a:solidFill>
@@ -5875,7 +5908,7 @@
               <a:spcAft>
                 <a:spcPts val="0"/>
               </a:spcAft>
-              <a:buSzPct val="77777"/>
+              <a:buSzPts val="1400"/>
               <a:buNone/>
               <a:defRPr b="0" i="0" sz="1800" u="none" cap="none" strike="noStrike">
                 <a:solidFill>
@@ -5897,7 +5930,7 @@
               <a:spcAft>
                 <a:spcPts val="0"/>
               </a:spcAft>
-              <a:buSzPct val="77777"/>
+              <a:buSzPts val="1400"/>
               <a:buNone/>
               <a:defRPr b="0" i="0" sz="1800" u="none" cap="none" strike="noStrike">
                 <a:solidFill>
@@ -5919,7 +5952,7 @@
               <a:spcAft>
                 <a:spcPts val="0"/>
               </a:spcAft>
-              <a:buSzPct val="77777"/>
+              <a:buSzPts val="1400"/>
               <a:buNone/>
               <a:defRPr b="0" i="0" sz="1800" u="none" cap="none" strike="noStrike">
                 <a:solidFill>
@@ -5941,7 +5974,7 @@
               <a:spcAft>
                 <a:spcPts val="0"/>
               </a:spcAft>
-              <a:buSzPct val="77777"/>
+              <a:buSzPts val="1400"/>
               <a:buNone/>
               <a:defRPr b="0" i="0" sz="1800" u="none" cap="none" strike="noStrike">
                 <a:solidFill>
@@ -5997,7 +6030,6 @@
               <a:buClr>
                 <a:srgbClr val="898989"/>
               </a:buClr>
-              <a:buSzPct val="25000"/>
               <a:buFont typeface="Calibri"/>
               <a:buNone/>
             </a:pPr>
@@ -6072,7 +6104,7 @@
               <a:spcAft>
                 <a:spcPts val="0"/>
               </a:spcAft>
-              <a:buSzPct val="70000"/>
+              <a:buSzPts val="1400"/>
               <a:buNone/>
               <a:defRPr b="1" i="0" sz="2000" u="none" cap="none" strike="noStrike">
                 <a:solidFill>
@@ -6091,7 +6123,7 @@
               <a:spcAft>
                 <a:spcPts val="0"/>
               </a:spcAft>
-              <a:buSzPct val="31818"/>
+              <a:buSzPts val="1400"/>
               <a:buNone/>
               <a:defRPr b="0" i="0" sz="4400" u="none" cap="none" strike="noStrike">
                 <a:solidFill>
@@ -6110,7 +6142,7 @@
               <a:spcAft>
                 <a:spcPts val="0"/>
               </a:spcAft>
-              <a:buSzPct val="31818"/>
+              <a:buSzPts val="1400"/>
               <a:buNone/>
               <a:defRPr b="0" i="0" sz="4400" u="none" cap="none" strike="noStrike">
                 <a:solidFill>
@@ -6129,7 +6161,7 @@
               <a:spcAft>
                 <a:spcPts val="0"/>
               </a:spcAft>
-              <a:buSzPct val="31818"/>
+              <a:buSzPts val="1400"/>
               <a:buNone/>
               <a:defRPr b="0" i="0" sz="4400" u="none" cap="none" strike="noStrike">
                 <a:solidFill>
@@ -6148,7 +6180,7 @@
               <a:spcAft>
                 <a:spcPts val="0"/>
               </a:spcAft>
-              <a:buSzPct val="31818"/>
+              <a:buSzPts val="1400"/>
               <a:buNone/>
               <a:defRPr b="0" i="0" sz="4400" u="none" cap="none" strike="noStrike">
                 <a:solidFill>
@@ -6167,7 +6199,7 @@
               <a:spcAft>
                 <a:spcPts val="0"/>
               </a:spcAft>
-              <a:buSzPct val="31818"/>
+              <a:buSzPts val="1400"/>
               <a:buNone/>
               <a:defRPr b="0" i="0" sz="4400" u="none" cap="none" strike="noStrike">
                 <a:solidFill>
@@ -6186,7 +6218,7 @@
               <a:spcAft>
                 <a:spcPts val="0"/>
               </a:spcAft>
-              <a:buSzPct val="31818"/>
+              <a:buSzPts val="1400"/>
               <a:buNone/>
               <a:defRPr b="0" i="0" sz="4400" u="none" cap="none" strike="noStrike">
                 <a:solidFill>
@@ -6205,7 +6237,7 @@
               <a:spcAft>
                 <a:spcPts val="0"/>
               </a:spcAft>
-              <a:buSzPct val="31818"/>
+              <a:buSzPts val="1400"/>
               <a:buNone/>
               <a:defRPr b="0" i="0" sz="4400" u="none" cap="none" strike="noStrike">
                 <a:solidFill>
@@ -6224,7 +6256,7 @@
               <a:spcAft>
                 <a:spcPts val="0"/>
               </a:spcAft>
-              <a:buSzPct val="31818"/>
+              <a:buSzPts val="1400"/>
               <a:buNone/>
               <a:defRPr b="0" i="0" sz="4400" u="none" cap="none" strike="noStrike">
                 <a:solidFill>
@@ -6274,7 +6306,7 @@
               <a:buClr>
                 <a:schemeClr val="dk1"/>
               </a:buClr>
-              <a:buSzPct val="100000"/>
+              <a:buSzPts val="3200"/>
               <a:buFont typeface="Arial"/>
               <a:buChar char="•"/>
               <a:defRPr sz="3200">
@@ -6297,7 +6329,7 @@
               <a:buClr>
                 <a:schemeClr val="dk1"/>
               </a:buClr>
-              <a:buSzPct val="100000"/>
+              <a:buSzPts val="2800"/>
               <a:buFont typeface="Arial"/>
               <a:buChar char="–"/>
               <a:defRPr b="0" i="0" sz="2800" u="none" cap="none" strike="noStrike">
@@ -6320,7 +6352,7 @@
               <a:buClr>
                 <a:schemeClr val="dk1"/>
               </a:buClr>
-              <a:buSzPct val="100000"/>
+              <a:buSzPts val="2400"/>
               <a:buFont typeface="Arial"/>
               <a:buChar char="•"/>
               <a:defRPr b="0" i="0" sz="2400" u="none" cap="none" strike="noStrike">
@@ -6343,7 +6375,7 @@
               <a:buClr>
                 <a:schemeClr val="dk1"/>
               </a:buClr>
-              <a:buSzPct val="100000"/>
+              <a:buSzPts val="2000"/>
               <a:buFont typeface="Arial"/>
               <a:buChar char="–"/>
               <a:defRPr b="0" i="0" sz="2000" u="none" cap="none" strike="noStrike">
@@ -6366,7 +6398,7 @@
               <a:buClr>
                 <a:schemeClr val="dk1"/>
               </a:buClr>
-              <a:buSzPct val="100000"/>
+              <a:buSzPts val="2000"/>
               <a:buFont typeface="Arial"/>
               <a:buChar char="»"/>
               <a:defRPr b="0" i="0" sz="2000" u="none" cap="none" strike="noStrike">
@@ -6386,7 +6418,7 @@
               <a:buClr>
                 <a:schemeClr val="dk1"/>
               </a:buClr>
-              <a:buSzPct val="100000"/>
+              <a:buSzPts val="2000"/>
               <a:buFont typeface="Arial"/>
               <a:buChar char="•"/>
               <a:defRPr b="0" i="0" sz="2000" u="none" cap="none" strike="noStrike">
@@ -6406,7 +6438,7 @@
               <a:buClr>
                 <a:schemeClr val="dk1"/>
               </a:buClr>
-              <a:buSzPct val="100000"/>
+              <a:buSzPts val="2000"/>
               <a:buFont typeface="Arial"/>
               <a:buChar char="•"/>
               <a:defRPr b="0" i="0" sz="2000" u="none" cap="none" strike="noStrike">
@@ -6426,7 +6458,7 @@
               <a:buClr>
                 <a:schemeClr val="dk1"/>
               </a:buClr>
-              <a:buSzPct val="100000"/>
+              <a:buSzPts val="2000"/>
               <a:buFont typeface="Arial"/>
               <a:buChar char="•"/>
               <a:defRPr b="0" i="0" sz="2000" u="none" cap="none" strike="noStrike">
@@ -6446,7 +6478,7 @@
               <a:buClr>
                 <a:schemeClr val="dk1"/>
               </a:buClr>
-              <a:buSzPct val="100000"/>
+              <a:buSzPts val="2000"/>
               <a:buFont typeface="Arial"/>
               <a:buChar char="•"/>
               <a:defRPr b="0" i="0" sz="2000" u="none" cap="none" strike="noStrike">
@@ -6497,7 +6529,7 @@
               <a:buClr>
                 <a:schemeClr val="dk1"/>
               </a:buClr>
-              <a:buSzPct val="228571"/>
+              <a:buSzPts val="3200"/>
               <a:buFont typeface="Arial"/>
               <a:buNone/>
               <a:defRPr sz="1400">
@@ -6520,7 +6552,7 @@
               <a:buClr>
                 <a:schemeClr val="dk1"/>
               </a:buClr>
-              <a:buSzPct val="233333"/>
+              <a:buSzPts val="2800"/>
               <a:buFont typeface="Arial"/>
               <a:buNone/>
               <a:defRPr b="0" i="0" sz="1200" u="none" cap="none" strike="noStrike">
@@ -6543,7 +6575,7 @@
               <a:buClr>
                 <a:schemeClr val="dk1"/>
               </a:buClr>
-              <a:buSzPct val="240000"/>
+              <a:buSzPts val="2400"/>
               <a:buFont typeface="Arial"/>
               <a:buNone/>
               <a:defRPr b="0" i="0" sz="1000" u="none" cap="none" strike="noStrike">
@@ -6566,7 +6598,7 @@
               <a:buClr>
                 <a:schemeClr val="dk1"/>
               </a:buClr>
-              <a:buSzPct val="222222"/>
+              <a:buSzPts val="2000"/>
               <a:buFont typeface="Arial"/>
               <a:buNone/>
               <a:defRPr b="0" i="0" sz="900" u="none" cap="none" strike="noStrike">
@@ -6589,7 +6621,7 @@
               <a:buClr>
                 <a:schemeClr val="dk1"/>
               </a:buClr>
-              <a:buSzPct val="222222"/>
+              <a:buSzPts val="2000"/>
               <a:buFont typeface="Arial"/>
               <a:buNone/>
               <a:defRPr b="0" i="0" sz="900" u="none" cap="none" strike="noStrike">
@@ -6609,7 +6641,7 @@
               <a:buClr>
                 <a:schemeClr val="dk1"/>
               </a:buClr>
-              <a:buSzPct val="222222"/>
+              <a:buSzPts val="2000"/>
               <a:buFont typeface="Arial"/>
               <a:buNone/>
               <a:defRPr b="0" i="0" sz="900" u="none" cap="none" strike="noStrike">
@@ -6629,7 +6661,7 @@
               <a:buClr>
                 <a:schemeClr val="dk1"/>
               </a:buClr>
-              <a:buSzPct val="222222"/>
+              <a:buSzPts val="2000"/>
               <a:buFont typeface="Arial"/>
               <a:buNone/>
               <a:defRPr b="0" i="0" sz="900" u="none" cap="none" strike="noStrike">
@@ -6649,7 +6681,7 @@
               <a:buClr>
                 <a:schemeClr val="dk1"/>
               </a:buClr>
-              <a:buSzPct val="222222"/>
+              <a:buSzPts val="2000"/>
               <a:buFont typeface="Arial"/>
               <a:buNone/>
               <a:defRPr b="0" i="0" sz="900" u="none" cap="none" strike="noStrike">
@@ -6669,7 +6701,7 @@
               <a:buClr>
                 <a:schemeClr val="dk1"/>
               </a:buClr>
-              <a:buSzPct val="222222"/>
+              <a:buSzPts val="2000"/>
               <a:buFont typeface="Arial"/>
               <a:buNone/>
               <a:defRPr b="0" i="0" sz="900" u="none" cap="none" strike="noStrike">
@@ -6720,7 +6752,7 @@
               <a:spcAft>
                 <a:spcPts val="0"/>
               </a:spcAft>
-              <a:buSzPct val="116666"/>
+              <a:buSzPts val="1400"/>
               <a:buNone/>
               <a:defRPr b="0" i="0" sz="1200" u="none">
                 <a:solidFill>
@@ -6742,7 +6774,7 @@
               <a:spcAft>
                 <a:spcPts val="0"/>
               </a:spcAft>
-              <a:buSzPct val="77777"/>
+              <a:buSzPts val="1400"/>
               <a:buNone/>
               <a:defRPr b="0" i="0" sz="1800" u="none" cap="none" strike="noStrike">
                 <a:solidFill>
@@ -6764,7 +6796,7 @@
               <a:spcAft>
                 <a:spcPts val="0"/>
               </a:spcAft>
-              <a:buSzPct val="77777"/>
+              <a:buSzPts val="1400"/>
               <a:buNone/>
               <a:defRPr b="0" i="0" sz="1800" u="none" cap="none" strike="noStrike">
                 <a:solidFill>
@@ -6786,7 +6818,7 @@
               <a:spcAft>
                 <a:spcPts val="0"/>
               </a:spcAft>
-              <a:buSzPct val="77777"/>
+              <a:buSzPts val="1400"/>
               <a:buNone/>
               <a:defRPr b="0" i="0" sz="1800" u="none" cap="none" strike="noStrike">
                 <a:solidFill>
@@ -6808,7 +6840,7 @@
               <a:spcAft>
                 <a:spcPts val="0"/>
               </a:spcAft>
-              <a:buSzPct val="77777"/>
+              <a:buSzPts val="1400"/>
               <a:buNone/>
               <a:defRPr b="0" i="0" sz="1800" u="none" cap="none" strike="noStrike">
                 <a:solidFill>
@@ -6830,7 +6862,7 @@
               <a:spcAft>
                 <a:spcPts val="0"/>
               </a:spcAft>
-              <a:buSzPct val="77777"/>
+              <a:buSzPts val="1400"/>
               <a:buNone/>
               <a:defRPr b="0" i="0" sz="1800" u="none" cap="none" strike="noStrike">
                 <a:solidFill>
@@ -6852,7 +6884,7 @@
               <a:spcAft>
                 <a:spcPts val="0"/>
               </a:spcAft>
-              <a:buSzPct val="77777"/>
+              <a:buSzPts val="1400"/>
               <a:buNone/>
               <a:defRPr b="0" i="0" sz="1800" u="none" cap="none" strike="noStrike">
                 <a:solidFill>
@@ -6874,7 +6906,7 @@
               <a:spcAft>
                 <a:spcPts val="0"/>
               </a:spcAft>
-              <a:buSzPct val="77777"/>
+              <a:buSzPts val="1400"/>
               <a:buNone/>
               <a:defRPr b="0" i="0" sz="1800" u="none" cap="none" strike="noStrike">
                 <a:solidFill>
@@ -6896,7 +6928,7 @@
               <a:spcAft>
                 <a:spcPts val="0"/>
               </a:spcAft>
-              <a:buSzPct val="77777"/>
+              <a:buSzPts val="1400"/>
               <a:buNone/>
               <a:defRPr b="0" i="0" sz="1800" u="none" cap="none" strike="noStrike">
                 <a:solidFill>
@@ -6946,7 +6978,7 @@
               <a:spcAft>
                 <a:spcPts val="0"/>
               </a:spcAft>
-              <a:buSzPct val="77777"/>
+              <a:buSzPts val="1400"/>
               <a:buNone/>
               <a:defRPr b="0" i="0" sz="1800" u="none">
                 <a:solidFill>
@@ -6968,7 +7000,7 @@
               <a:spcAft>
                 <a:spcPts val="0"/>
               </a:spcAft>
-              <a:buSzPct val="77777"/>
+              <a:buSzPts val="1400"/>
               <a:buNone/>
               <a:defRPr b="0" i="0" sz="1800" u="none" cap="none" strike="noStrike">
                 <a:solidFill>
@@ -6990,7 +7022,7 @@
               <a:spcAft>
                 <a:spcPts val="0"/>
               </a:spcAft>
-              <a:buSzPct val="77777"/>
+              <a:buSzPts val="1400"/>
               <a:buNone/>
               <a:defRPr b="0" i="0" sz="1800" u="none" cap="none" strike="noStrike">
                 <a:solidFill>
@@ -7012,7 +7044,7 @@
               <a:spcAft>
                 <a:spcPts val="0"/>
               </a:spcAft>
-              <a:buSzPct val="77777"/>
+              <a:buSzPts val="1400"/>
               <a:buNone/>
               <a:defRPr b="0" i="0" sz="1800" u="none" cap="none" strike="noStrike">
                 <a:solidFill>
@@ -7034,7 +7066,7 @@
               <a:spcAft>
                 <a:spcPts val="0"/>
               </a:spcAft>
-              <a:buSzPct val="77777"/>
+              <a:buSzPts val="1400"/>
               <a:buNone/>
               <a:defRPr b="0" i="0" sz="1800" u="none" cap="none" strike="noStrike">
                 <a:solidFill>
@@ -7056,7 +7088,7 @@
               <a:spcAft>
                 <a:spcPts val="0"/>
               </a:spcAft>
-              <a:buSzPct val="77777"/>
+              <a:buSzPts val="1400"/>
               <a:buNone/>
               <a:defRPr b="0" i="0" sz="1800" u="none" cap="none" strike="noStrike">
                 <a:solidFill>
@@ -7078,7 +7110,7 @@
               <a:spcAft>
                 <a:spcPts val="0"/>
               </a:spcAft>
-              <a:buSzPct val="77777"/>
+              <a:buSzPts val="1400"/>
               <a:buNone/>
               <a:defRPr b="0" i="0" sz="1800" u="none" cap="none" strike="noStrike">
                 <a:solidFill>
@@ -7100,7 +7132,7 @@
               <a:spcAft>
                 <a:spcPts val="0"/>
               </a:spcAft>
-              <a:buSzPct val="77777"/>
+              <a:buSzPts val="1400"/>
               <a:buNone/>
               <a:defRPr b="0" i="0" sz="1800" u="none" cap="none" strike="noStrike">
                 <a:solidFill>
@@ -7122,7 +7154,7 @@
               <a:spcAft>
                 <a:spcPts val="0"/>
               </a:spcAft>
-              <a:buSzPct val="77777"/>
+              <a:buSzPts val="1400"/>
               <a:buNone/>
               <a:defRPr b="0" i="0" sz="1800" u="none" cap="none" strike="noStrike">
                 <a:solidFill>
@@ -7178,7 +7210,6 @@
               <a:buClr>
                 <a:srgbClr val="898989"/>
               </a:buClr>
-              <a:buSzPct val="25000"/>
               <a:buFont typeface="Calibri"/>
               <a:buNone/>
             </a:pPr>
@@ -7256,7 +7287,7 @@
               <a:spcAft>
                 <a:spcPts val="0"/>
               </a:spcAft>
-              <a:buSzPct val="116666"/>
+              <a:buSzPts val="1400"/>
               <a:buNone/>
               <a:defRPr b="0" i="0" sz="1200" u="none">
                 <a:solidFill>
@@ -7278,7 +7309,7 @@
               <a:spcAft>
                 <a:spcPts val="0"/>
               </a:spcAft>
-              <a:buSzPct val="77777"/>
+              <a:buSzPts val="1400"/>
               <a:buNone/>
               <a:defRPr b="0" i="0" sz="1800" u="none" cap="none" strike="noStrike">
                 <a:solidFill>
@@ -7300,7 +7331,7 @@
               <a:spcAft>
                 <a:spcPts val="0"/>
               </a:spcAft>
-              <a:buSzPct val="77777"/>
+              <a:buSzPts val="1400"/>
               <a:buNone/>
               <a:defRPr b="0" i="0" sz="1800" u="none" cap="none" strike="noStrike">
                 <a:solidFill>
@@ -7322,7 +7353,7 @@
               <a:spcAft>
                 <a:spcPts val="0"/>
               </a:spcAft>
-              <a:buSzPct val="77777"/>
+              <a:buSzPts val="1400"/>
               <a:buNone/>
               <a:defRPr b="0" i="0" sz="1800" u="none" cap="none" strike="noStrike">
                 <a:solidFill>
@@ -7344,7 +7375,7 @@
               <a:spcAft>
                 <a:spcPts val="0"/>
               </a:spcAft>
-              <a:buSzPct val="77777"/>
+              <a:buSzPts val="1400"/>
               <a:buNone/>
               <a:defRPr b="0" i="0" sz="1800" u="none" cap="none" strike="noStrike">
                 <a:solidFill>
@@ -7366,7 +7397,7 @@
               <a:spcAft>
                 <a:spcPts val="0"/>
               </a:spcAft>
-              <a:buSzPct val="77777"/>
+              <a:buSzPts val="1400"/>
               <a:buNone/>
               <a:defRPr b="0" i="0" sz="1800" u="none" cap="none" strike="noStrike">
                 <a:solidFill>
@@ -7388,7 +7419,7 @@
               <a:spcAft>
                 <a:spcPts val="0"/>
               </a:spcAft>
-              <a:buSzPct val="77777"/>
+              <a:buSzPts val="1400"/>
               <a:buNone/>
               <a:defRPr b="0" i="0" sz="1800" u="none" cap="none" strike="noStrike">
                 <a:solidFill>
@@ -7410,7 +7441,7 @@
               <a:spcAft>
                 <a:spcPts val="0"/>
               </a:spcAft>
-              <a:buSzPct val="77777"/>
+              <a:buSzPts val="1400"/>
               <a:buNone/>
               <a:defRPr b="0" i="0" sz="1800" u="none" cap="none" strike="noStrike">
                 <a:solidFill>
@@ -7432,7 +7463,7 @@
               <a:spcAft>
                 <a:spcPts val="0"/>
               </a:spcAft>
-              <a:buSzPct val="77777"/>
+              <a:buSzPts val="1400"/>
               <a:buNone/>
               <a:defRPr b="0" i="0" sz="1800" u="none" cap="none" strike="noStrike">
                 <a:solidFill>
@@ -7482,7 +7513,7 @@
               <a:spcAft>
                 <a:spcPts val="0"/>
               </a:spcAft>
-              <a:buSzPct val="77777"/>
+              <a:buSzPts val="1400"/>
               <a:buNone/>
               <a:defRPr b="0" i="0" sz="1800" u="none">
                 <a:solidFill>
@@ -7504,7 +7535,7 @@
               <a:spcAft>
                 <a:spcPts val="0"/>
               </a:spcAft>
-              <a:buSzPct val="77777"/>
+              <a:buSzPts val="1400"/>
               <a:buNone/>
               <a:defRPr b="0" i="0" sz="1800" u="none" cap="none" strike="noStrike">
                 <a:solidFill>
@@ -7526,7 +7557,7 @@
               <a:spcAft>
                 <a:spcPts val="0"/>
               </a:spcAft>
-              <a:buSzPct val="77777"/>
+              <a:buSzPts val="1400"/>
               <a:buNone/>
               <a:defRPr b="0" i="0" sz="1800" u="none" cap="none" strike="noStrike">
                 <a:solidFill>
@@ -7548,7 +7579,7 @@
               <a:spcAft>
                 <a:spcPts val="0"/>
               </a:spcAft>
-              <a:buSzPct val="77777"/>
+              <a:buSzPts val="1400"/>
               <a:buNone/>
               <a:defRPr b="0" i="0" sz="1800" u="none" cap="none" strike="noStrike">
                 <a:solidFill>
@@ -7570,7 +7601,7 @@
               <a:spcAft>
                 <a:spcPts val="0"/>
               </a:spcAft>
-              <a:buSzPct val="77777"/>
+              <a:buSzPts val="1400"/>
               <a:buNone/>
               <a:defRPr b="0" i="0" sz="1800" u="none" cap="none" strike="noStrike">
                 <a:solidFill>
@@ -7592,7 +7623,7 @@
               <a:spcAft>
                 <a:spcPts val="0"/>
               </a:spcAft>
-              <a:buSzPct val="77777"/>
+              <a:buSzPts val="1400"/>
               <a:buNone/>
               <a:defRPr b="0" i="0" sz="1800" u="none" cap="none" strike="noStrike">
                 <a:solidFill>
@@ -7614,7 +7645,7 @@
               <a:spcAft>
                 <a:spcPts val="0"/>
               </a:spcAft>
-              <a:buSzPct val="77777"/>
+              <a:buSzPts val="1400"/>
               <a:buNone/>
               <a:defRPr b="0" i="0" sz="1800" u="none" cap="none" strike="noStrike">
                 <a:solidFill>
@@ -7636,7 +7667,7 @@
               <a:spcAft>
                 <a:spcPts val="0"/>
               </a:spcAft>
-              <a:buSzPct val="77777"/>
+              <a:buSzPts val="1400"/>
               <a:buNone/>
               <a:defRPr b="0" i="0" sz="1800" u="none" cap="none" strike="noStrike">
                 <a:solidFill>
@@ -7658,7 +7689,7 @@
               <a:spcAft>
                 <a:spcPts val="0"/>
               </a:spcAft>
-              <a:buSzPct val="77777"/>
+              <a:buSzPts val="1400"/>
               <a:buNone/>
               <a:defRPr b="0" i="0" sz="1800" u="none" cap="none" strike="noStrike">
                 <a:solidFill>
@@ -7714,7 +7745,6 @@
               <a:buClr>
                 <a:srgbClr val="898989"/>
               </a:buClr>
-              <a:buSzPct val="25000"/>
               <a:buFont typeface="Calibri"/>
               <a:buNone/>
             </a:pPr>
@@ -7789,7 +7819,7 @@
               <a:spcAft>
                 <a:spcPts val="0"/>
               </a:spcAft>
-              <a:buSzPct val="31818"/>
+              <a:buSzPts val="1400"/>
               <a:buNone/>
               <a:defRPr b="0" i="0" sz="4400" u="none" cap="none" strike="noStrike">
                 <a:solidFill>
@@ -7808,7 +7838,7 @@
               <a:spcAft>
                 <a:spcPts val="0"/>
               </a:spcAft>
-              <a:buSzPct val="31818"/>
+              <a:buSzPts val="1400"/>
               <a:buNone/>
               <a:defRPr b="0" i="0" sz="4400" u="none" cap="none" strike="noStrike">
                 <a:solidFill>
@@ -7827,7 +7857,7 @@
               <a:spcAft>
                 <a:spcPts val="0"/>
               </a:spcAft>
-              <a:buSzPct val="31818"/>
+              <a:buSzPts val="1400"/>
               <a:buNone/>
               <a:defRPr b="0" i="0" sz="4400" u="none" cap="none" strike="noStrike">
                 <a:solidFill>
@@ -7846,7 +7876,7 @@
               <a:spcAft>
                 <a:spcPts val="0"/>
               </a:spcAft>
-              <a:buSzPct val="31818"/>
+              <a:buSzPts val="1400"/>
               <a:buNone/>
               <a:defRPr b="0" i="0" sz="4400" u="none" cap="none" strike="noStrike">
                 <a:solidFill>
@@ -7865,7 +7895,7 @@
               <a:spcAft>
                 <a:spcPts val="0"/>
               </a:spcAft>
-              <a:buSzPct val="31818"/>
+              <a:buSzPts val="1400"/>
               <a:buNone/>
               <a:defRPr b="0" i="0" sz="4400" u="none" cap="none" strike="noStrike">
                 <a:solidFill>
@@ -7884,7 +7914,7 @@
               <a:spcAft>
                 <a:spcPts val="0"/>
               </a:spcAft>
-              <a:buSzPct val="31818"/>
+              <a:buSzPts val="1400"/>
               <a:buNone/>
               <a:defRPr b="0" i="0" sz="4400" u="none" cap="none" strike="noStrike">
                 <a:solidFill>
@@ -7903,7 +7933,7 @@
               <a:spcAft>
                 <a:spcPts val="0"/>
               </a:spcAft>
-              <a:buSzPct val="31818"/>
+              <a:buSzPts val="1400"/>
               <a:buNone/>
               <a:defRPr b="0" i="0" sz="4400" u="none" cap="none" strike="noStrike">
                 <a:solidFill>
@@ -7922,7 +7952,7 @@
               <a:spcAft>
                 <a:spcPts val="0"/>
               </a:spcAft>
-              <a:buSzPct val="31818"/>
+              <a:buSzPts val="1400"/>
               <a:buNone/>
               <a:defRPr b="0" i="0" sz="4400" u="none" cap="none" strike="noStrike">
                 <a:solidFill>
@@ -7941,7 +7971,7 @@
               <a:spcAft>
                 <a:spcPts val="0"/>
               </a:spcAft>
-              <a:buSzPct val="31818"/>
+              <a:buSzPts val="1400"/>
               <a:buNone/>
               <a:defRPr b="0" i="0" sz="4400" u="none" cap="none" strike="noStrike">
                 <a:solidFill>
@@ -7991,7 +8021,7 @@
               <a:spcAft>
                 <a:spcPts val="0"/>
               </a:spcAft>
-              <a:buSzPct val="116666"/>
+              <a:buSzPts val="1400"/>
               <a:buNone/>
               <a:defRPr b="0" i="0" sz="1200" u="none">
                 <a:solidFill>
@@ -8013,7 +8043,7 @@
               <a:spcAft>
                 <a:spcPts val="0"/>
               </a:spcAft>
-              <a:buSzPct val="77777"/>
+              <a:buSzPts val="1400"/>
               <a:buNone/>
               <a:defRPr b="0" i="0" sz="1800" u="none" cap="none" strike="noStrike">
                 <a:solidFill>
@@ -8035,7 +8065,7 @@
               <a:spcAft>
                 <a:spcPts val="0"/>
               </a:spcAft>
-              <a:buSzPct val="77777"/>
+              <a:buSzPts val="1400"/>
               <a:buNone/>
               <a:defRPr b="0" i="0" sz="1800" u="none" cap="none" strike="noStrike">
                 <a:solidFill>
@@ -8057,7 +8087,7 @@
               <a:spcAft>
                 <a:spcPts val="0"/>
               </a:spcAft>
-              <a:buSzPct val="77777"/>
+              <a:buSzPts val="1400"/>
               <a:buNone/>
               <a:defRPr b="0" i="0" sz="1800" u="none" cap="none" strike="noStrike">
                 <a:solidFill>
@@ -8079,7 +8109,7 @@
               <a:spcAft>
                 <a:spcPts val="0"/>
               </a:spcAft>
-              <a:buSzPct val="77777"/>
+              <a:buSzPts val="1400"/>
               <a:buNone/>
               <a:defRPr b="0" i="0" sz="1800" u="none" cap="none" strike="noStrike">
                 <a:solidFill>
@@ -8101,7 +8131,7 @@
               <a:spcAft>
                 <a:spcPts val="0"/>
               </a:spcAft>
-              <a:buSzPct val="77777"/>
+              <a:buSzPts val="1400"/>
               <a:buNone/>
               <a:defRPr b="0" i="0" sz="1800" u="none" cap="none" strike="noStrike">
                 <a:solidFill>
@@ -8123,7 +8153,7 @@
               <a:spcAft>
                 <a:spcPts val="0"/>
               </a:spcAft>
-              <a:buSzPct val="77777"/>
+              <a:buSzPts val="1400"/>
               <a:buNone/>
               <a:defRPr b="0" i="0" sz="1800" u="none" cap="none" strike="noStrike">
                 <a:solidFill>
@@ -8145,7 +8175,7 @@
               <a:spcAft>
                 <a:spcPts val="0"/>
               </a:spcAft>
-              <a:buSzPct val="77777"/>
+              <a:buSzPts val="1400"/>
               <a:buNone/>
               <a:defRPr b="0" i="0" sz="1800" u="none" cap="none" strike="noStrike">
                 <a:solidFill>
@@ -8167,7 +8197,7 @@
               <a:spcAft>
                 <a:spcPts val="0"/>
               </a:spcAft>
-              <a:buSzPct val="77777"/>
+              <a:buSzPts val="1400"/>
               <a:buNone/>
               <a:defRPr b="0" i="0" sz="1800" u="none" cap="none" strike="noStrike">
                 <a:solidFill>
@@ -8217,7 +8247,7 @@
               <a:spcAft>
                 <a:spcPts val="0"/>
               </a:spcAft>
-              <a:buSzPct val="77777"/>
+              <a:buSzPts val="1400"/>
               <a:buNone/>
               <a:defRPr b="0" i="0" sz="1800" u="none">
                 <a:solidFill>
@@ -8239,7 +8269,7 @@
               <a:spcAft>
                 <a:spcPts val="0"/>
               </a:spcAft>
-              <a:buSzPct val="77777"/>
+              <a:buSzPts val="1400"/>
               <a:buNone/>
               <a:defRPr b="0" i="0" sz="1800" u="none" cap="none" strike="noStrike">
                 <a:solidFill>
@@ -8261,7 +8291,7 @@
               <a:spcAft>
                 <a:spcPts val="0"/>
               </a:spcAft>
-              <a:buSzPct val="77777"/>
+              <a:buSzPts val="1400"/>
               <a:buNone/>
               <a:defRPr b="0" i="0" sz="1800" u="none" cap="none" strike="noStrike">
                 <a:solidFill>
@@ -8283,7 +8313,7 @@
               <a:spcAft>
                 <a:spcPts val="0"/>
               </a:spcAft>
-              <a:buSzPct val="77777"/>
+              <a:buSzPts val="1400"/>
               <a:buNone/>
               <a:defRPr b="0" i="0" sz="1800" u="none" cap="none" strike="noStrike">
                 <a:solidFill>
@@ -8305,7 +8335,7 @@
               <a:spcAft>
                 <a:spcPts val="0"/>
               </a:spcAft>
-              <a:buSzPct val="77777"/>
+              <a:buSzPts val="1400"/>
               <a:buNone/>
               <a:defRPr b="0" i="0" sz="1800" u="none" cap="none" strike="noStrike">
                 <a:solidFill>
@@ -8327,7 +8357,7 @@
               <a:spcAft>
                 <a:spcPts val="0"/>
               </a:spcAft>
-              <a:buSzPct val="77777"/>
+              <a:buSzPts val="1400"/>
               <a:buNone/>
               <a:defRPr b="0" i="0" sz="1800" u="none" cap="none" strike="noStrike">
                 <a:solidFill>
@@ -8349,7 +8379,7 @@
               <a:spcAft>
                 <a:spcPts val="0"/>
               </a:spcAft>
-              <a:buSzPct val="77777"/>
+              <a:buSzPts val="1400"/>
               <a:buNone/>
               <a:defRPr b="0" i="0" sz="1800" u="none" cap="none" strike="noStrike">
                 <a:solidFill>
@@ -8371,7 +8401,7 @@
               <a:spcAft>
                 <a:spcPts val="0"/>
               </a:spcAft>
-              <a:buSzPct val="77777"/>
+              <a:buSzPts val="1400"/>
               <a:buNone/>
               <a:defRPr b="0" i="0" sz="1800" u="none" cap="none" strike="noStrike">
                 <a:solidFill>
@@ -8393,7 +8423,7 @@
               <a:spcAft>
                 <a:spcPts val="0"/>
               </a:spcAft>
-              <a:buSzPct val="77777"/>
+              <a:buSzPts val="1400"/>
               <a:buNone/>
               <a:defRPr b="0" i="0" sz="1800" u="none" cap="none" strike="noStrike">
                 <a:solidFill>
@@ -8449,7 +8479,6 @@
               <a:buClr>
                 <a:srgbClr val="898989"/>
               </a:buClr>
-              <a:buSzPct val="25000"/>
               <a:buFont typeface="Calibri"/>
               <a:buNone/>
             </a:pPr>
@@ -8524,7 +8553,7 @@
               <a:spcAft>
                 <a:spcPts val="0"/>
               </a:spcAft>
-              <a:buSzPct val="31818"/>
+              <a:buSzPts val="1400"/>
               <a:buNone/>
               <a:defRPr b="0" i="0" sz="4400" u="none" cap="none" strike="noStrike">
                 <a:solidFill>
@@ -8543,7 +8572,7 @@
               <a:spcAft>
                 <a:spcPts val="0"/>
               </a:spcAft>
-              <a:buSzPct val="31818"/>
+              <a:buSzPts val="1400"/>
               <a:buNone/>
               <a:defRPr b="0" i="0" sz="4400" u="none" cap="none" strike="noStrike">
                 <a:solidFill>
@@ -8562,7 +8591,7 @@
               <a:spcAft>
                 <a:spcPts val="0"/>
               </a:spcAft>
-              <a:buSzPct val="31818"/>
+              <a:buSzPts val="1400"/>
               <a:buNone/>
               <a:defRPr b="0" i="0" sz="4400" u="none" cap="none" strike="noStrike">
                 <a:solidFill>
@@ -8581,7 +8610,7 @@
               <a:spcAft>
                 <a:spcPts val="0"/>
               </a:spcAft>
-              <a:buSzPct val="31818"/>
+              <a:buSzPts val="1400"/>
               <a:buNone/>
               <a:defRPr b="0" i="0" sz="4400" u="none" cap="none" strike="noStrike">
                 <a:solidFill>
@@ -8600,7 +8629,7 @@
               <a:spcAft>
                 <a:spcPts val="0"/>
               </a:spcAft>
-              <a:buSzPct val="31818"/>
+              <a:buSzPts val="1400"/>
               <a:buNone/>
               <a:defRPr b="0" i="0" sz="4400" u="none" cap="none" strike="noStrike">
                 <a:solidFill>
@@ -8619,7 +8648,7 @@
               <a:spcAft>
                 <a:spcPts val="0"/>
               </a:spcAft>
-              <a:buSzPct val="31818"/>
+              <a:buSzPts val="1400"/>
               <a:buNone/>
               <a:defRPr b="0" i="0" sz="4400" u="none" cap="none" strike="noStrike">
                 <a:solidFill>
@@ -8638,7 +8667,7 @@
               <a:spcAft>
                 <a:spcPts val="0"/>
               </a:spcAft>
-              <a:buSzPct val="31818"/>
+              <a:buSzPts val="1400"/>
               <a:buNone/>
               <a:defRPr b="0" i="0" sz="4400" u="none" cap="none" strike="noStrike">
                 <a:solidFill>
@@ -8657,7 +8686,7 @@
               <a:spcAft>
                 <a:spcPts val="0"/>
               </a:spcAft>
-              <a:buSzPct val="31818"/>
+              <a:buSzPts val="1400"/>
               <a:buNone/>
               <a:defRPr b="0" i="0" sz="4400" u="none" cap="none" strike="noStrike">
                 <a:solidFill>
@@ -8676,7 +8705,7 @@
               <a:spcAft>
                 <a:spcPts val="0"/>
               </a:spcAft>
-              <a:buSzPct val="31818"/>
+              <a:buSzPts val="1400"/>
               <a:buNone/>
               <a:defRPr b="0" i="0" sz="4400" u="none" cap="none" strike="noStrike">
                 <a:solidFill>
@@ -8726,7 +8755,7 @@
               <a:buClr>
                 <a:schemeClr val="dk1"/>
               </a:buClr>
-              <a:buSzPct val="133333"/>
+              <a:buSzPts val="3200"/>
               <a:buFont typeface="Arial"/>
               <a:buNone/>
               <a:defRPr b="1" sz="2400">
@@ -8749,7 +8778,7 @@
               <a:buClr>
                 <a:schemeClr val="dk1"/>
               </a:buClr>
-              <a:buSzPct val="140000"/>
+              <a:buSzPts val="2800"/>
               <a:buFont typeface="Arial"/>
               <a:buNone/>
               <a:defRPr b="1" i="0" sz="2000" u="none" cap="none" strike="noStrike">
@@ -8772,7 +8801,7 @@
               <a:buClr>
                 <a:schemeClr val="dk1"/>
               </a:buClr>
-              <a:buSzPct val="133333"/>
+              <a:buSzPts val="2400"/>
               <a:buFont typeface="Arial"/>
               <a:buNone/>
               <a:defRPr b="1" i="0" sz="1800" u="none" cap="none" strike="noStrike">
@@ -8795,7 +8824,7 @@
               <a:buClr>
                 <a:schemeClr val="dk1"/>
               </a:buClr>
-              <a:buSzPct val="125000"/>
+              <a:buSzPts val="2000"/>
               <a:buFont typeface="Arial"/>
               <a:buNone/>
               <a:defRPr b="1" i="0" sz="1600" u="none" cap="none" strike="noStrike">
@@ -8818,7 +8847,7 @@
               <a:buClr>
                 <a:schemeClr val="dk1"/>
               </a:buClr>
-              <a:buSzPct val="125000"/>
+              <a:buSzPts val="2000"/>
               <a:buFont typeface="Arial"/>
               <a:buNone/>
               <a:defRPr b="1" i="0" sz="1600" u="none" cap="none" strike="noStrike">
@@ -8838,7 +8867,7 @@
               <a:buClr>
                 <a:schemeClr val="dk1"/>
               </a:buClr>
-              <a:buSzPct val="125000"/>
+              <a:buSzPts val="2000"/>
               <a:buFont typeface="Arial"/>
               <a:buNone/>
               <a:defRPr b="1" i="0" sz="1600" u="none" cap="none" strike="noStrike">
@@ -8858,7 +8887,7 @@
               <a:buClr>
                 <a:schemeClr val="dk1"/>
               </a:buClr>
-              <a:buSzPct val="125000"/>
+              <a:buSzPts val="2000"/>
               <a:buFont typeface="Arial"/>
               <a:buNone/>
               <a:defRPr b="1" i="0" sz="1600" u="none" cap="none" strike="noStrike">
@@ -8878,7 +8907,7 @@
               <a:buClr>
                 <a:schemeClr val="dk1"/>
               </a:buClr>
-              <a:buSzPct val="125000"/>
+              <a:buSzPts val="2000"/>
               <a:buFont typeface="Arial"/>
               <a:buNone/>
               <a:defRPr b="1" i="0" sz="1600" u="none" cap="none" strike="noStrike">
@@ -8898,7 +8927,7 @@
               <a:buClr>
                 <a:schemeClr val="dk1"/>
               </a:buClr>
-              <a:buSzPct val="125000"/>
+              <a:buSzPts val="2000"/>
               <a:buFont typeface="Arial"/>
               <a:buNone/>
               <a:defRPr b="1" i="0" sz="1600" u="none" cap="none" strike="noStrike">
@@ -8949,7 +8978,7 @@
               <a:buClr>
                 <a:schemeClr val="dk1"/>
               </a:buClr>
-              <a:buSzPct val="100000"/>
+              <a:buSzPts val="2400"/>
               <a:buFont typeface="Arial"/>
               <a:buChar char="•"/>
               <a:defRPr sz="2400">
@@ -8972,7 +9001,7 @@
               <a:buClr>
                 <a:schemeClr val="dk1"/>
               </a:buClr>
-              <a:buSzPct val="100000"/>
+              <a:buSzPts val="2000"/>
               <a:buFont typeface="Arial"/>
               <a:buChar char="–"/>
               <a:defRPr b="0" i="0" sz="2000" u="none" cap="none" strike="noStrike">
@@ -8995,7 +9024,7 @@
               <a:buClr>
                 <a:schemeClr val="dk1"/>
               </a:buClr>
-              <a:buSzPct val="100000"/>
+              <a:buSzPts val="1800"/>
               <a:buFont typeface="Arial"/>
               <a:buChar char="•"/>
               <a:defRPr b="0" i="0" sz="1800" u="none" cap="none" strike="noStrike">
@@ -9018,7 +9047,7 @@
               <a:buClr>
                 <a:schemeClr val="dk1"/>
               </a:buClr>
-              <a:buSzPct val="100000"/>
+              <a:buSzPts val="1600"/>
               <a:buFont typeface="Arial"/>
               <a:buChar char="–"/>
               <a:defRPr b="0" i="0" sz="1600" u="none" cap="none" strike="noStrike">
@@ -9041,7 +9070,7 @@
               <a:buClr>
                 <a:schemeClr val="dk1"/>
               </a:buClr>
-              <a:buSzPct val="100000"/>
+              <a:buSzPts val="1600"/>
               <a:buFont typeface="Arial"/>
               <a:buChar char="»"/>
               <a:defRPr b="0" i="0" sz="1600" u="none" cap="none" strike="noStrike">
@@ -9061,7 +9090,7 @@
               <a:buClr>
                 <a:schemeClr val="dk1"/>
               </a:buClr>
-              <a:buSzPct val="100000"/>
+              <a:buSzPts val="1600"/>
               <a:buFont typeface="Arial"/>
               <a:buChar char="•"/>
               <a:defRPr b="0" i="0" sz="1600" u="none" cap="none" strike="noStrike">
@@ -9081,7 +9110,7 @@
               <a:buClr>
                 <a:schemeClr val="dk1"/>
               </a:buClr>
-              <a:buSzPct val="100000"/>
+              <a:buSzPts val="1600"/>
               <a:buFont typeface="Arial"/>
               <a:buChar char="•"/>
               <a:defRPr b="0" i="0" sz="1600" u="none" cap="none" strike="noStrike">
@@ -9101,7 +9130,7 @@
               <a:buClr>
                 <a:schemeClr val="dk1"/>
               </a:buClr>
-              <a:buSzPct val="100000"/>
+              <a:buSzPts val="1600"/>
               <a:buFont typeface="Arial"/>
               <a:buChar char="•"/>
               <a:defRPr b="0" i="0" sz="1600" u="none" cap="none" strike="noStrike">
@@ -9121,7 +9150,7 @@
               <a:buClr>
                 <a:schemeClr val="dk1"/>
               </a:buClr>
-              <a:buSzPct val="100000"/>
+              <a:buSzPts val="1600"/>
               <a:buFont typeface="Arial"/>
               <a:buChar char="•"/>
               <a:defRPr b="0" i="0" sz="1600" u="none" cap="none" strike="noStrike">
@@ -9172,7 +9201,7 @@
               <a:buClr>
                 <a:schemeClr val="dk1"/>
               </a:buClr>
-              <a:buSzPct val="133333"/>
+              <a:buSzPts val="3200"/>
               <a:buFont typeface="Arial"/>
               <a:buNone/>
               <a:defRPr b="1" sz="2400">
@@ -9195,7 +9224,7 @@
               <a:buClr>
                 <a:schemeClr val="dk1"/>
               </a:buClr>
-              <a:buSzPct val="140000"/>
+              <a:buSzPts val="2800"/>
               <a:buFont typeface="Arial"/>
               <a:buNone/>
               <a:defRPr b="1" i="0" sz="2000" u="none" cap="none" strike="noStrike">
@@ -9218,7 +9247,7 @@
               <a:buClr>
                 <a:schemeClr val="dk1"/>
               </a:buClr>
-              <a:buSzPct val="133333"/>
+              <a:buSzPts val="2400"/>
               <a:buFont typeface="Arial"/>
               <a:buNone/>
               <a:defRPr b="1" i="0" sz="1800" u="none" cap="none" strike="noStrike">
@@ -9241,7 +9270,7 @@
               <a:buClr>
                 <a:schemeClr val="dk1"/>
               </a:buClr>
-              <a:buSzPct val="125000"/>
+              <a:buSzPts val="2000"/>
               <a:buFont typeface="Arial"/>
               <a:buNone/>
               <a:defRPr b="1" i="0" sz="1600" u="none" cap="none" strike="noStrike">
@@ -9264,7 +9293,7 @@
               <a:buClr>
                 <a:schemeClr val="dk1"/>
               </a:buClr>
-              <a:buSzPct val="125000"/>
+              <a:buSzPts val="2000"/>
               <a:buFont typeface="Arial"/>
               <a:buNone/>
               <a:defRPr b="1" i="0" sz="1600" u="none" cap="none" strike="noStrike">
@@ -9284,7 +9313,7 @@
               <a:buClr>
                 <a:schemeClr val="dk1"/>
               </a:buClr>
-              <a:buSzPct val="125000"/>
+              <a:buSzPts val="2000"/>
               <a:buFont typeface="Arial"/>
               <a:buNone/>
               <a:defRPr b="1" i="0" sz="1600" u="none" cap="none" strike="noStrike">
@@ -9304,7 +9333,7 @@
               <a:buClr>
                 <a:schemeClr val="dk1"/>
               </a:buClr>
-              <a:buSzPct val="125000"/>
+              <a:buSzPts val="2000"/>
               <a:buFont typeface="Arial"/>
               <a:buNone/>
               <a:defRPr b="1" i="0" sz="1600" u="none" cap="none" strike="noStrike">
@@ -9324,7 +9353,7 @@
               <a:buClr>
                 <a:schemeClr val="dk1"/>
               </a:buClr>
-              <a:buSzPct val="125000"/>
+              <a:buSzPts val="2000"/>
               <a:buFont typeface="Arial"/>
               <a:buNone/>
               <a:defRPr b="1" i="0" sz="1600" u="none" cap="none" strike="noStrike">
@@ -9344,7 +9373,7 @@
               <a:buClr>
                 <a:schemeClr val="dk1"/>
               </a:buClr>
-              <a:buSzPct val="125000"/>
+              <a:buSzPts val="2000"/>
               <a:buFont typeface="Arial"/>
               <a:buNone/>
               <a:defRPr b="1" i="0" sz="1600" u="none" cap="none" strike="noStrike">
@@ -9395,7 +9424,7 @@
               <a:buClr>
                 <a:schemeClr val="dk1"/>
               </a:buClr>
-              <a:buSzPct val="100000"/>
+              <a:buSzPts val="2400"/>
               <a:buFont typeface="Arial"/>
               <a:buChar char="•"/>
               <a:defRPr sz="2400">
@@ -9418,7 +9447,7 @@
               <a:buClr>
                 <a:schemeClr val="dk1"/>
               </a:buClr>
-              <a:buSzPct val="100000"/>
+              <a:buSzPts val="2000"/>
               <a:buFont typeface="Arial"/>
               <a:buChar char="–"/>
               <a:defRPr b="0" i="0" sz="2000" u="none" cap="none" strike="noStrike">
@@ -9441,7 +9470,7 @@
               <a:buClr>
                 <a:schemeClr val="dk1"/>
               </a:buClr>
-              <a:buSzPct val="100000"/>
+              <a:buSzPts val="1800"/>
               <a:buFont typeface="Arial"/>
               <a:buChar char="•"/>
               <a:defRPr b="0" i="0" sz="1800" u="none" cap="none" strike="noStrike">
@@ -9464,7 +9493,7 @@
               <a:buClr>
                 <a:schemeClr val="dk1"/>
               </a:buClr>
-              <a:buSzPct val="100000"/>
+              <a:buSzPts val="1600"/>
               <a:buFont typeface="Arial"/>
               <a:buChar char="–"/>
               <a:defRPr b="0" i="0" sz="1600" u="none" cap="none" strike="noStrike">
@@ -9487,7 +9516,7 @@
               <a:buClr>
                 <a:schemeClr val="dk1"/>
               </a:buClr>
-              <a:buSzPct val="100000"/>
+              <a:buSzPts val="1600"/>
               <a:buFont typeface="Arial"/>
               <a:buChar char="»"/>
               <a:defRPr b="0" i="0" sz="1600" u="none" cap="none" strike="noStrike">
@@ -9507,7 +9536,7 @@
               <a:buClr>
                 <a:schemeClr val="dk1"/>
               </a:buClr>
-              <a:buSzPct val="100000"/>
+              <a:buSzPts val="1600"/>
               <a:buFont typeface="Arial"/>
               <a:buChar char="•"/>
               <a:defRPr b="0" i="0" sz="1600" u="none" cap="none" strike="noStrike">
@@ -9527,7 +9556,7 @@
               <a:buClr>
                 <a:schemeClr val="dk1"/>
               </a:buClr>
-              <a:buSzPct val="100000"/>
+              <a:buSzPts val="1600"/>
               <a:buFont typeface="Arial"/>
               <a:buChar char="•"/>
               <a:defRPr b="0" i="0" sz="1600" u="none" cap="none" strike="noStrike">
@@ -9547,7 +9576,7 @@
               <a:buClr>
                 <a:schemeClr val="dk1"/>
               </a:buClr>
-              <a:buSzPct val="100000"/>
+              <a:buSzPts val="1600"/>
               <a:buFont typeface="Arial"/>
               <a:buChar char="•"/>
               <a:defRPr b="0" i="0" sz="1600" u="none" cap="none" strike="noStrike">
@@ -9567,7 +9596,7 @@
               <a:buClr>
                 <a:schemeClr val="dk1"/>
               </a:buClr>
-              <a:buSzPct val="100000"/>
+              <a:buSzPts val="1600"/>
               <a:buFont typeface="Arial"/>
               <a:buChar char="•"/>
               <a:defRPr b="0" i="0" sz="1600" u="none" cap="none" strike="noStrike">
@@ -9618,7 +9647,7 @@
               <a:spcAft>
                 <a:spcPts val="0"/>
               </a:spcAft>
-              <a:buSzPct val="116666"/>
+              <a:buSzPts val="1400"/>
               <a:buNone/>
               <a:defRPr b="0" i="0" sz="1200" u="none">
                 <a:solidFill>
@@ -9640,7 +9669,7 @@
               <a:spcAft>
                 <a:spcPts val="0"/>
               </a:spcAft>
-              <a:buSzPct val="77777"/>
+              <a:buSzPts val="1400"/>
               <a:buNone/>
               <a:defRPr b="0" i="0" sz="1800" u="none" cap="none" strike="noStrike">
                 <a:solidFill>
@@ -9662,7 +9691,7 @@
               <a:spcAft>
                 <a:spcPts val="0"/>
               </a:spcAft>
-              <a:buSzPct val="77777"/>
+              <a:buSzPts val="1400"/>
               <a:buNone/>
               <a:defRPr b="0" i="0" sz="1800" u="none" cap="none" strike="noStrike">
                 <a:solidFill>
@@ -9684,7 +9713,7 @@
               <a:spcAft>
                 <a:spcPts val="0"/>
               </a:spcAft>
-              <a:buSzPct val="77777"/>
+              <a:buSzPts val="1400"/>
               <a:buNone/>
               <a:defRPr b="0" i="0" sz="1800" u="none" cap="none" strike="noStrike">
                 <a:solidFill>
@@ -9706,7 +9735,7 @@
               <a:spcAft>
                 <a:spcPts val="0"/>
               </a:spcAft>
-              <a:buSzPct val="77777"/>
+              <a:buSzPts val="1400"/>
               <a:buNone/>
               <a:defRPr b="0" i="0" sz="1800" u="none" cap="none" strike="noStrike">
                 <a:solidFill>
@@ -9728,7 +9757,7 @@
               <a:spcAft>
                 <a:spcPts val="0"/>
               </a:spcAft>
-              <a:buSzPct val="77777"/>
+              <a:buSzPts val="1400"/>
               <a:buNone/>
               <a:defRPr b="0" i="0" sz="1800" u="none" cap="none" strike="noStrike">
                 <a:solidFill>
@@ -9750,7 +9779,7 @@
               <a:spcAft>
                 <a:spcPts val="0"/>
               </a:spcAft>
-              <a:buSzPct val="77777"/>
+              <a:buSzPts val="1400"/>
               <a:buNone/>
               <a:defRPr b="0" i="0" sz="1800" u="none" cap="none" strike="noStrike">
                 <a:solidFill>
@@ -9772,7 +9801,7 @@
               <a:spcAft>
                 <a:spcPts val="0"/>
               </a:spcAft>
-              <a:buSzPct val="77777"/>
+              <a:buSzPts val="1400"/>
               <a:buNone/>
               <a:defRPr b="0" i="0" sz="1800" u="none" cap="none" strike="noStrike">
                 <a:solidFill>
@@ -9794,7 +9823,7 @@
               <a:spcAft>
                 <a:spcPts val="0"/>
               </a:spcAft>
-              <a:buSzPct val="77777"/>
+              <a:buSzPts val="1400"/>
               <a:buNone/>
               <a:defRPr b="0" i="0" sz="1800" u="none" cap="none" strike="noStrike">
                 <a:solidFill>
@@ -9844,7 +9873,7 @@
               <a:spcAft>
                 <a:spcPts val="0"/>
               </a:spcAft>
-              <a:buSzPct val="77777"/>
+              <a:buSzPts val="1400"/>
               <a:buNone/>
               <a:defRPr b="0" i="0" sz="1800" u="none">
                 <a:solidFill>
@@ -9866,7 +9895,7 @@
               <a:spcAft>
                 <a:spcPts val="0"/>
               </a:spcAft>
-              <a:buSzPct val="77777"/>
+              <a:buSzPts val="1400"/>
               <a:buNone/>
               <a:defRPr b="0" i="0" sz="1800" u="none" cap="none" strike="noStrike">
                 <a:solidFill>
@@ -9888,7 +9917,7 @@
               <a:spcAft>
                 <a:spcPts val="0"/>
               </a:spcAft>
-              <a:buSzPct val="77777"/>
+              <a:buSzPts val="1400"/>
               <a:buNone/>
               <a:defRPr b="0" i="0" sz="1800" u="none" cap="none" strike="noStrike">
                 <a:solidFill>
@@ -9910,7 +9939,7 @@
               <a:spcAft>
                 <a:spcPts val="0"/>
               </a:spcAft>
-              <a:buSzPct val="77777"/>
+              <a:buSzPts val="1400"/>
               <a:buNone/>
               <a:defRPr b="0" i="0" sz="1800" u="none" cap="none" strike="noStrike">
                 <a:solidFill>
@@ -9932,7 +9961,7 @@
               <a:spcAft>
                 <a:spcPts val="0"/>
               </a:spcAft>
-              <a:buSzPct val="77777"/>
+              <a:buSzPts val="1400"/>
               <a:buNone/>
               <a:defRPr b="0" i="0" sz="1800" u="none" cap="none" strike="noStrike">
                 <a:solidFill>
@@ -9954,7 +9983,7 @@
               <a:spcAft>
                 <a:spcPts val="0"/>
               </a:spcAft>
-              <a:buSzPct val="77777"/>
+              <a:buSzPts val="1400"/>
               <a:buNone/>
               <a:defRPr b="0" i="0" sz="1800" u="none" cap="none" strike="noStrike">
                 <a:solidFill>
@@ -9976,7 +10005,7 @@
               <a:spcAft>
                 <a:spcPts val="0"/>
               </a:spcAft>
-              <a:buSzPct val="77777"/>
+              <a:buSzPts val="1400"/>
               <a:buNone/>
               <a:defRPr b="0" i="0" sz="1800" u="none" cap="none" strike="noStrike">
                 <a:solidFill>
@@ -9998,7 +10027,7 @@
               <a:spcAft>
                 <a:spcPts val="0"/>
               </a:spcAft>
-              <a:buSzPct val="77777"/>
+              <a:buSzPts val="1400"/>
               <a:buNone/>
               <a:defRPr b="0" i="0" sz="1800" u="none" cap="none" strike="noStrike">
                 <a:solidFill>
@@ -10020,7 +10049,7 @@
               <a:spcAft>
                 <a:spcPts val="0"/>
               </a:spcAft>
-              <a:buSzPct val="77777"/>
+              <a:buSzPts val="1400"/>
               <a:buNone/>
               <a:defRPr b="0" i="0" sz="1800" u="none" cap="none" strike="noStrike">
                 <a:solidFill>
@@ -10076,7 +10105,6 @@
               <a:buClr>
                 <a:srgbClr val="898989"/>
               </a:buClr>
-              <a:buSzPct val="25000"/>
               <a:buFont typeface="Calibri"/>
               <a:buNone/>
             </a:pPr>
@@ -10144,63 +10172,72 @@
               <a:spcBef>
                 <a:spcPts val="0"/>
               </a:spcBef>
-              <a:buSzPct val="100000"/>
+              <a:buSzPts val="3600"/>
+              <a:buNone/>
               <a:defRPr sz="3600"/>
             </a:lvl1pPr>
             <a:lvl2pPr lvl="1" algn="ctr">
               <a:spcBef>
                 <a:spcPts val="0"/>
               </a:spcBef>
-              <a:buSzPct val="100000"/>
+              <a:buSzPts val="3600"/>
+              <a:buNone/>
               <a:defRPr sz="3600"/>
             </a:lvl2pPr>
             <a:lvl3pPr lvl="2" algn="ctr">
               <a:spcBef>
                 <a:spcPts val="0"/>
               </a:spcBef>
-              <a:buSzPct val="100000"/>
+              <a:buSzPts val="3600"/>
+              <a:buNone/>
               <a:defRPr sz="3600"/>
             </a:lvl3pPr>
             <a:lvl4pPr lvl="3" algn="ctr">
               <a:spcBef>
                 <a:spcPts val="0"/>
               </a:spcBef>
-              <a:buSzPct val="100000"/>
+              <a:buSzPts val="3600"/>
+              <a:buNone/>
               <a:defRPr sz="3600"/>
             </a:lvl4pPr>
             <a:lvl5pPr lvl="4" algn="ctr">
               <a:spcBef>
                 <a:spcPts val="0"/>
               </a:spcBef>
-              <a:buSzPct val="100000"/>
+              <a:buSzPts val="3600"/>
+              <a:buNone/>
               <a:defRPr sz="3600"/>
             </a:lvl5pPr>
             <a:lvl6pPr lvl="5" algn="ctr">
               <a:spcBef>
                 <a:spcPts val="0"/>
               </a:spcBef>
-              <a:buSzPct val="100000"/>
+              <a:buSzPts val="3600"/>
+              <a:buNone/>
               <a:defRPr sz="3600"/>
             </a:lvl6pPr>
             <a:lvl7pPr lvl="6" algn="ctr">
               <a:spcBef>
                 <a:spcPts val="0"/>
               </a:spcBef>
-              <a:buSzPct val="100000"/>
+              <a:buSzPts val="3600"/>
+              <a:buNone/>
               <a:defRPr sz="3600"/>
             </a:lvl7pPr>
             <a:lvl8pPr lvl="7" algn="ctr">
               <a:spcBef>
                 <a:spcPts val="0"/>
               </a:spcBef>
-              <a:buSzPct val="100000"/>
+              <a:buSzPts val="3600"/>
+              <a:buNone/>
               <a:defRPr sz="3600"/>
             </a:lvl8pPr>
             <a:lvl9pPr lvl="8" algn="ctr">
               <a:spcBef>
                 <a:spcPts val="0"/>
               </a:spcBef>
-              <a:buSzPct val="100000"/>
+              <a:buSzPts val="3600"/>
+              <a:buNone/>
               <a:defRPr sz="3600"/>
             </a:lvl9pPr>
           </a:lstStyle>
@@ -10230,7 +10267,7 @@
           </a:bodyPr>
           <a:lstStyle/>
           <a:p>
-            <a:pPr lvl="0">
+            <a:pPr indent="0" lvl="0" marL="0">
               <a:spcBef>
                 <a:spcPts val="0"/>
               </a:spcBef>
@@ -10299,7 +10336,7 @@
               <a:spcAft>
                 <a:spcPts val="0"/>
               </a:spcAft>
-              <a:buSzPct val="31818"/>
+              <a:buSzPts val="1400"/>
               <a:buNone/>
               <a:defRPr b="0" i="0" sz="4400" u="none" cap="none" strike="noStrike">
                 <a:solidFill>
@@ -10318,7 +10355,7 @@
               <a:spcAft>
                 <a:spcPts val="0"/>
               </a:spcAft>
-              <a:buSzPct val="31818"/>
+              <a:buSzPts val="1400"/>
               <a:buNone/>
               <a:defRPr b="0" i="0" sz="4400" u="none" cap="none" strike="noStrike">
                 <a:solidFill>
@@ -10337,7 +10374,7 @@
               <a:spcAft>
                 <a:spcPts val="0"/>
               </a:spcAft>
-              <a:buSzPct val="31818"/>
+              <a:buSzPts val="1400"/>
               <a:buNone/>
               <a:defRPr b="0" i="0" sz="4400" u="none" cap="none" strike="noStrike">
                 <a:solidFill>
@@ -10356,7 +10393,7 @@
               <a:spcAft>
                 <a:spcPts val="0"/>
               </a:spcAft>
-              <a:buSzPct val="31818"/>
+              <a:buSzPts val="1400"/>
               <a:buNone/>
               <a:defRPr b="0" i="0" sz="4400" u="none" cap="none" strike="noStrike">
                 <a:solidFill>
@@ -10375,7 +10412,7 @@
               <a:spcAft>
                 <a:spcPts val="0"/>
               </a:spcAft>
-              <a:buSzPct val="31818"/>
+              <a:buSzPts val="1400"/>
               <a:buNone/>
               <a:defRPr b="0" i="0" sz="4400" u="none" cap="none" strike="noStrike">
                 <a:solidFill>
@@ -10394,7 +10431,7 @@
               <a:spcAft>
                 <a:spcPts val="0"/>
               </a:spcAft>
-              <a:buSzPct val="31818"/>
+              <a:buSzPts val="1400"/>
               <a:buNone/>
               <a:defRPr b="0" i="0" sz="4400" u="none" cap="none" strike="noStrike">
                 <a:solidFill>
@@ -10413,7 +10450,7 @@
               <a:spcAft>
                 <a:spcPts val="0"/>
               </a:spcAft>
-              <a:buSzPct val="31818"/>
+              <a:buSzPts val="1400"/>
               <a:buNone/>
               <a:defRPr b="0" i="0" sz="4400" u="none" cap="none" strike="noStrike">
                 <a:solidFill>
@@ -10432,7 +10469,7 @@
               <a:spcAft>
                 <a:spcPts val="0"/>
               </a:spcAft>
-              <a:buSzPct val="31818"/>
+              <a:buSzPts val="1400"/>
               <a:buNone/>
               <a:defRPr b="0" i="0" sz="4400" u="none" cap="none" strike="noStrike">
                 <a:solidFill>
@@ -10451,7 +10488,7 @@
               <a:spcAft>
                 <a:spcPts val="0"/>
               </a:spcAft>
-              <a:buSzPct val="31818"/>
+              <a:buSzPts val="1400"/>
               <a:buNone/>
               <a:defRPr b="0" i="0" sz="4400" u="none" cap="none" strike="noStrike">
                 <a:solidFill>
@@ -10501,7 +10538,7 @@
               <a:buClr>
                 <a:schemeClr val="dk1"/>
               </a:buClr>
-              <a:buSzPct val="100000"/>
+              <a:buSzPts val="2800"/>
               <a:buFont typeface="Arial"/>
               <a:buChar char="•"/>
               <a:defRPr sz="2800">
@@ -10524,7 +10561,7 @@
               <a:buClr>
                 <a:schemeClr val="dk1"/>
               </a:buClr>
-              <a:buSzPct val="100000"/>
+              <a:buSzPts val="2400"/>
               <a:buFont typeface="Arial"/>
               <a:buChar char="–"/>
               <a:defRPr b="0" i="0" sz="2400" u="none" cap="none" strike="noStrike">
@@ -10547,7 +10584,7 @@
               <a:buClr>
                 <a:schemeClr val="dk1"/>
               </a:buClr>
-              <a:buSzPct val="100000"/>
+              <a:buSzPts val="2000"/>
               <a:buFont typeface="Arial"/>
               <a:buChar char="•"/>
               <a:defRPr b="0" i="0" sz="2000" u="none" cap="none" strike="noStrike">
@@ -10570,7 +10607,7 @@
               <a:buClr>
                 <a:schemeClr val="dk1"/>
               </a:buClr>
-              <a:buSzPct val="100000"/>
+              <a:buSzPts val="1800"/>
               <a:buFont typeface="Arial"/>
               <a:buChar char="–"/>
               <a:defRPr b="0" i="0" sz="1800" u="none" cap="none" strike="noStrike">
@@ -10593,7 +10630,7 @@
               <a:buClr>
                 <a:schemeClr val="dk1"/>
               </a:buClr>
-              <a:buSzPct val="100000"/>
+              <a:buSzPts val="1800"/>
               <a:buFont typeface="Arial"/>
               <a:buChar char="»"/>
               <a:defRPr b="0" i="0" sz="1800" u="none" cap="none" strike="noStrike">
@@ -10613,7 +10650,7 @@
               <a:buClr>
                 <a:schemeClr val="dk1"/>
               </a:buClr>
-              <a:buSzPct val="100000"/>
+              <a:buSzPts val="1800"/>
               <a:buFont typeface="Arial"/>
               <a:buChar char="•"/>
               <a:defRPr b="0" i="0" sz="1800" u="none" cap="none" strike="noStrike">
@@ -10633,7 +10670,7 @@
               <a:buClr>
                 <a:schemeClr val="dk1"/>
               </a:buClr>
-              <a:buSzPct val="100000"/>
+              <a:buSzPts val="1800"/>
               <a:buFont typeface="Arial"/>
               <a:buChar char="•"/>
               <a:defRPr b="0" i="0" sz="1800" u="none" cap="none" strike="noStrike">
@@ -10653,7 +10690,7 @@
               <a:buClr>
                 <a:schemeClr val="dk1"/>
               </a:buClr>
-              <a:buSzPct val="100000"/>
+              <a:buSzPts val="1800"/>
               <a:buFont typeface="Arial"/>
               <a:buChar char="•"/>
               <a:defRPr b="0" i="0" sz="1800" u="none" cap="none" strike="noStrike">
@@ -10673,7 +10710,7 @@
               <a:buClr>
                 <a:schemeClr val="dk1"/>
               </a:buClr>
-              <a:buSzPct val="100000"/>
+              <a:buSzPts val="1800"/>
               <a:buFont typeface="Arial"/>
               <a:buChar char="•"/>
               <a:defRPr b="0" i="0" sz="1800" u="none" cap="none" strike="noStrike">
@@ -10724,7 +10761,7 @@
               <a:buClr>
                 <a:schemeClr val="dk1"/>
               </a:buClr>
-              <a:buSzPct val="100000"/>
+              <a:buSzPts val="2800"/>
               <a:buFont typeface="Arial"/>
               <a:buChar char="•"/>
               <a:defRPr sz="2800">
@@ -10747,7 +10784,7 @@
               <a:buClr>
                 <a:schemeClr val="dk1"/>
               </a:buClr>
-              <a:buSzPct val="100000"/>
+              <a:buSzPts val="2400"/>
               <a:buFont typeface="Arial"/>
               <a:buChar char="–"/>
               <a:defRPr b="0" i="0" sz="2400" u="none" cap="none" strike="noStrike">
@@ -10770,7 +10807,7 @@
               <a:buClr>
                 <a:schemeClr val="dk1"/>
               </a:buClr>
-              <a:buSzPct val="100000"/>
+              <a:buSzPts val="2000"/>
               <a:buFont typeface="Arial"/>
               <a:buChar char="•"/>
               <a:defRPr b="0" i="0" sz="2000" u="none" cap="none" strike="noStrike">
@@ -10793,7 +10830,7 @@
               <a:buClr>
                 <a:schemeClr val="dk1"/>
               </a:buClr>
-              <a:buSzPct val="100000"/>
+              <a:buSzPts val="1800"/>
               <a:buFont typeface="Arial"/>
               <a:buChar char="–"/>
               <a:defRPr b="0" i="0" sz="1800" u="none" cap="none" strike="noStrike">
@@ -10816,7 +10853,7 @@
               <a:buClr>
                 <a:schemeClr val="dk1"/>
               </a:buClr>
-              <a:buSzPct val="100000"/>
+              <a:buSzPts val="1800"/>
               <a:buFont typeface="Arial"/>
               <a:buChar char="»"/>
               <a:defRPr b="0" i="0" sz="1800" u="none" cap="none" strike="noStrike">
@@ -10836,7 +10873,7 @@
               <a:buClr>
                 <a:schemeClr val="dk1"/>
               </a:buClr>
-              <a:buSzPct val="100000"/>
+              <a:buSzPts val="1800"/>
               <a:buFont typeface="Arial"/>
               <a:buChar char="•"/>
               <a:defRPr b="0" i="0" sz="1800" u="none" cap="none" strike="noStrike">
@@ -10856,7 +10893,7 @@
               <a:buClr>
                 <a:schemeClr val="dk1"/>
               </a:buClr>
-              <a:buSzPct val="100000"/>
+              <a:buSzPts val="1800"/>
               <a:buFont typeface="Arial"/>
               <a:buChar char="•"/>
               <a:defRPr b="0" i="0" sz="1800" u="none" cap="none" strike="noStrike">
@@ -10876,7 +10913,7 @@
               <a:buClr>
                 <a:schemeClr val="dk1"/>
               </a:buClr>
-              <a:buSzPct val="100000"/>
+              <a:buSzPts val="1800"/>
               <a:buFont typeface="Arial"/>
               <a:buChar char="•"/>
               <a:defRPr b="0" i="0" sz="1800" u="none" cap="none" strike="noStrike">
@@ -10896,7 +10933,7 @@
               <a:buClr>
                 <a:schemeClr val="dk1"/>
               </a:buClr>
-              <a:buSzPct val="100000"/>
+              <a:buSzPts val="1800"/>
               <a:buFont typeface="Arial"/>
               <a:buChar char="•"/>
               <a:defRPr b="0" i="0" sz="1800" u="none" cap="none" strike="noStrike">
@@ -10947,7 +10984,7 @@
               <a:spcAft>
                 <a:spcPts val="0"/>
               </a:spcAft>
-              <a:buSzPct val="116666"/>
+              <a:buSzPts val="1400"/>
               <a:buNone/>
               <a:defRPr b="0" i="0" sz="1200" u="none">
                 <a:solidFill>
@@ -10969,7 +11006,7 @@
               <a:spcAft>
                 <a:spcPts val="0"/>
               </a:spcAft>
-              <a:buSzPct val="77777"/>
+              <a:buSzPts val="1400"/>
               <a:buNone/>
               <a:defRPr b="0" i="0" sz="1800" u="none" cap="none" strike="noStrike">
                 <a:solidFill>
@@ -10991,7 +11028,7 @@
               <a:spcAft>
                 <a:spcPts val="0"/>
               </a:spcAft>
-              <a:buSzPct val="77777"/>
+              <a:buSzPts val="1400"/>
               <a:buNone/>
               <a:defRPr b="0" i="0" sz="1800" u="none" cap="none" strike="noStrike">
                 <a:solidFill>
@@ -11013,7 +11050,7 @@
               <a:spcAft>
                 <a:spcPts val="0"/>
               </a:spcAft>
-              <a:buSzPct val="77777"/>
+              <a:buSzPts val="1400"/>
               <a:buNone/>
               <a:defRPr b="0" i="0" sz="1800" u="none" cap="none" strike="noStrike">
                 <a:solidFill>
@@ -11035,7 +11072,7 @@
               <a:spcAft>
                 <a:spcPts val="0"/>
               </a:spcAft>
-              <a:buSzPct val="77777"/>
+              <a:buSzPts val="1400"/>
               <a:buNone/>
               <a:defRPr b="0" i="0" sz="1800" u="none" cap="none" strike="noStrike">
                 <a:solidFill>
@@ -11057,7 +11094,7 @@
               <a:spcAft>
                 <a:spcPts val="0"/>
               </a:spcAft>
-              <a:buSzPct val="77777"/>
+              <a:buSzPts val="1400"/>
               <a:buNone/>
               <a:defRPr b="0" i="0" sz="1800" u="none" cap="none" strike="noStrike">
                 <a:solidFill>
@@ -11079,7 +11116,7 @@
               <a:spcAft>
                 <a:spcPts val="0"/>
               </a:spcAft>
-              <a:buSzPct val="77777"/>
+              <a:buSzPts val="1400"/>
               <a:buNone/>
               <a:defRPr b="0" i="0" sz="1800" u="none" cap="none" strike="noStrike">
                 <a:solidFill>
@@ -11101,7 +11138,7 @@
               <a:spcAft>
                 <a:spcPts val="0"/>
               </a:spcAft>
-              <a:buSzPct val="77777"/>
+              <a:buSzPts val="1400"/>
               <a:buNone/>
               <a:defRPr b="0" i="0" sz="1800" u="none" cap="none" strike="noStrike">
                 <a:solidFill>
@@ -11123,7 +11160,7 @@
               <a:spcAft>
                 <a:spcPts val="0"/>
               </a:spcAft>
-              <a:buSzPct val="77777"/>
+              <a:buSzPts val="1400"/>
               <a:buNone/>
               <a:defRPr b="0" i="0" sz="1800" u="none" cap="none" strike="noStrike">
                 <a:solidFill>
@@ -11173,7 +11210,7 @@
               <a:spcAft>
                 <a:spcPts val="0"/>
               </a:spcAft>
-              <a:buSzPct val="77777"/>
+              <a:buSzPts val="1400"/>
               <a:buNone/>
               <a:defRPr b="0" i="0" sz="1800" u="none">
                 <a:solidFill>
@@ -11195,7 +11232,7 @@
               <a:spcAft>
                 <a:spcPts val="0"/>
               </a:spcAft>
-              <a:buSzPct val="77777"/>
+              <a:buSzPts val="1400"/>
               <a:buNone/>
               <a:defRPr b="0" i="0" sz="1800" u="none" cap="none" strike="noStrike">
                 <a:solidFill>
@@ -11217,7 +11254,7 @@
               <a:spcAft>
                 <a:spcPts val="0"/>
               </a:spcAft>
-              <a:buSzPct val="77777"/>
+              <a:buSzPts val="1400"/>
               <a:buNone/>
               <a:defRPr b="0" i="0" sz="1800" u="none" cap="none" strike="noStrike">
                 <a:solidFill>
@@ -11239,7 +11276,7 @@
               <a:spcAft>
                 <a:spcPts val="0"/>
               </a:spcAft>
-              <a:buSzPct val="77777"/>
+              <a:buSzPts val="1400"/>
               <a:buNone/>
               <a:defRPr b="0" i="0" sz="1800" u="none" cap="none" strike="noStrike">
                 <a:solidFill>
@@ -11261,7 +11298,7 @@
               <a:spcAft>
                 <a:spcPts val="0"/>
               </a:spcAft>
-              <a:buSzPct val="77777"/>
+              <a:buSzPts val="1400"/>
               <a:buNone/>
               <a:defRPr b="0" i="0" sz="1800" u="none" cap="none" strike="noStrike">
                 <a:solidFill>
@@ -11283,7 +11320,7 @@
               <a:spcAft>
                 <a:spcPts val="0"/>
               </a:spcAft>
-              <a:buSzPct val="77777"/>
+              <a:buSzPts val="1400"/>
               <a:buNone/>
               <a:defRPr b="0" i="0" sz="1800" u="none" cap="none" strike="noStrike">
                 <a:solidFill>
@@ -11305,7 +11342,7 @@
               <a:spcAft>
                 <a:spcPts val="0"/>
               </a:spcAft>
-              <a:buSzPct val="77777"/>
+              <a:buSzPts val="1400"/>
               <a:buNone/>
               <a:defRPr b="0" i="0" sz="1800" u="none" cap="none" strike="noStrike">
                 <a:solidFill>
@@ -11327,7 +11364,7 @@
               <a:spcAft>
                 <a:spcPts val="0"/>
               </a:spcAft>
-              <a:buSzPct val="77777"/>
+              <a:buSzPts val="1400"/>
               <a:buNone/>
               <a:defRPr b="0" i="0" sz="1800" u="none" cap="none" strike="noStrike">
                 <a:solidFill>
@@ -11349,7 +11386,7 @@
               <a:spcAft>
                 <a:spcPts val="0"/>
               </a:spcAft>
-              <a:buSzPct val="77777"/>
+              <a:buSzPts val="1400"/>
               <a:buNone/>
               <a:defRPr b="0" i="0" sz="1800" u="none" cap="none" strike="noStrike">
                 <a:solidFill>
@@ -11405,7 +11442,6 @@
               <a:buClr>
                 <a:srgbClr val="898989"/>
               </a:buClr>
-              <a:buSzPct val="25000"/>
               <a:buFont typeface="Calibri"/>
               <a:buNone/>
             </a:pPr>
@@ -11480,7 +11516,7 @@
               <a:spcAft>
                 <a:spcPts val="0"/>
               </a:spcAft>
-              <a:buSzPct val="35000"/>
+              <a:buSzPts val="1400"/>
               <a:buNone/>
               <a:defRPr b="1" i="0" sz="4000" u="none" cap="none" strike="noStrike">
                 <a:solidFill>
@@ -11499,7 +11535,7 @@
               <a:spcAft>
                 <a:spcPts val="0"/>
               </a:spcAft>
-              <a:buSzPct val="31818"/>
+              <a:buSzPts val="1400"/>
               <a:buNone/>
               <a:defRPr b="0" i="0" sz="4400" u="none" cap="none" strike="noStrike">
                 <a:solidFill>
@@ -11518,7 +11554,7 @@
               <a:spcAft>
                 <a:spcPts val="0"/>
               </a:spcAft>
-              <a:buSzPct val="31818"/>
+              <a:buSzPts val="1400"/>
               <a:buNone/>
               <a:defRPr b="0" i="0" sz="4400" u="none" cap="none" strike="noStrike">
                 <a:solidFill>
@@ -11537,7 +11573,7 @@
               <a:spcAft>
                 <a:spcPts val="0"/>
               </a:spcAft>
-              <a:buSzPct val="31818"/>
+              <a:buSzPts val="1400"/>
               <a:buNone/>
               <a:defRPr b="0" i="0" sz="4400" u="none" cap="none" strike="noStrike">
                 <a:solidFill>
@@ -11556,7 +11592,7 @@
               <a:spcAft>
                 <a:spcPts val="0"/>
               </a:spcAft>
-              <a:buSzPct val="31818"/>
+              <a:buSzPts val="1400"/>
               <a:buNone/>
               <a:defRPr b="0" i="0" sz="4400" u="none" cap="none" strike="noStrike">
                 <a:solidFill>
@@ -11575,7 +11611,7 @@
               <a:spcAft>
                 <a:spcPts val="0"/>
               </a:spcAft>
-              <a:buSzPct val="31818"/>
+              <a:buSzPts val="1400"/>
               <a:buNone/>
               <a:defRPr b="0" i="0" sz="4400" u="none" cap="none" strike="noStrike">
                 <a:solidFill>
@@ -11594,7 +11630,7 @@
               <a:spcAft>
                 <a:spcPts val="0"/>
               </a:spcAft>
-              <a:buSzPct val="31818"/>
+              <a:buSzPts val="1400"/>
               <a:buNone/>
               <a:defRPr b="0" i="0" sz="4400" u="none" cap="none" strike="noStrike">
                 <a:solidFill>
@@ -11613,7 +11649,7 @@
               <a:spcAft>
                 <a:spcPts val="0"/>
               </a:spcAft>
-              <a:buSzPct val="31818"/>
+              <a:buSzPts val="1400"/>
               <a:buNone/>
               <a:defRPr b="0" i="0" sz="4400" u="none" cap="none" strike="noStrike">
                 <a:solidFill>
@@ -11632,7 +11668,7 @@
               <a:spcAft>
                 <a:spcPts val="0"/>
               </a:spcAft>
-              <a:buSzPct val="31818"/>
+              <a:buSzPts val="1400"/>
               <a:buNone/>
               <a:defRPr b="0" i="0" sz="4400" u="none" cap="none" strike="noStrike">
                 <a:solidFill>
@@ -11682,7 +11718,7 @@
               <a:buClr>
                 <a:srgbClr val="888888"/>
               </a:buClr>
-              <a:buSzPct val="160000"/>
+              <a:buSzPts val="3200"/>
               <a:buFont typeface="Arial"/>
               <a:buNone/>
               <a:defRPr sz="2000">
@@ -11705,7 +11741,7 @@
               <a:buClr>
                 <a:srgbClr val="888888"/>
               </a:buClr>
-              <a:buSzPct val="155555"/>
+              <a:buSzPts val="2800"/>
               <a:buFont typeface="Arial"/>
               <a:buNone/>
               <a:defRPr b="0" i="0" sz="1800" u="none" cap="none" strike="noStrike">
@@ -11728,7 +11764,7 @@
               <a:buClr>
                 <a:srgbClr val="888888"/>
               </a:buClr>
-              <a:buSzPct val="150000"/>
+              <a:buSzPts val="2400"/>
               <a:buFont typeface="Arial"/>
               <a:buNone/>
               <a:defRPr b="0" i="0" sz="1600" u="none" cap="none" strike="noStrike">
@@ -11751,7 +11787,7 @@
               <a:buClr>
                 <a:srgbClr val="888888"/>
               </a:buClr>
-              <a:buSzPct val="142857"/>
+              <a:buSzPts val="2000"/>
               <a:buFont typeface="Arial"/>
               <a:buNone/>
               <a:defRPr b="0" i="0" sz="1400" u="none" cap="none" strike="noStrike">
@@ -11774,7 +11810,7 @@
               <a:buClr>
                 <a:srgbClr val="888888"/>
               </a:buClr>
-              <a:buSzPct val="142857"/>
+              <a:buSzPts val="2000"/>
               <a:buFont typeface="Arial"/>
               <a:buNone/>
               <a:defRPr b="0" i="0" sz="1400" u="none" cap="none" strike="noStrike">
@@ -11794,7 +11830,7 @@
               <a:buClr>
                 <a:srgbClr val="888888"/>
               </a:buClr>
-              <a:buSzPct val="142857"/>
+              <a:buSzPts val="2000"/>
               <a:buFont typeface="Arial"/>
               <a:buNone/>
               <a:defRPr b="0" i="0" sz="1400" u="none" cap="none" strike="noStrike">
@@ -11814,7 +11850,7 @@
               <a:buClr>
                 <a:srgbClr val="888888"/>
               </a:buClr>
-              <a:buSzPct val="142857"/>
+              <a:buSzPts val="2000"/>
               <a:buFont typeface="Arial"/>
               <a:buNone/>
               <a:defRPr b="0" i="0" sz="1400" u="none" cap="none" strike="noStrike">
@@ -11834,7 +11870,7 @@
               <a:buClr>
                 <a:srgbClr val="888888"/>
               </a:buClr>
-              <a:buSzPct val="142857"/>
+              <a:buSzPts val="2000"/>
               <a:buFont typeface="Arial"/>
               <a:buNone/>
               <a:defRPr b="0" i="0" sz="1400" u="none" cap="none" strike="noStrike">
@@ -11854,7 +11890,7 @@
               <a:buClr>
                 <a:srgbClr val="888888"/>
               </a:buClr>
-              <a:buSzPct val="142857"/>
+              <a:buSzPts val="2000"/>
               <a:buFont typeface="Arial"/>
               <a:buNone/>
               <a:defRPr b="0" i="0" sz="1400" u="none" cap="none" strike="noStrike">
@@ -11905,7 +11941,7 @@
               <a:spcAft>
                 <a:spcPts val="0"/>
               </a:spcAft>
-              <a:buSzPct val="116666"/>
+              <a:buSzPts val="1400"/>
               <a:buNone/>
               <a:defRPr b="0" i="0" sz="1200" u="none">
                 <a:solidFill>
@@ -11927,7 +11963,7 @@
               <a:spcAft>
                 <a:spcPts val="0"/>
               </a:spcAft>
-              <a:buSzPct val="77777"/>
+              <a:buSzPts val="1400"/>
               <a:buNone/>
               <a:defRPr b="0" i="0" sz="1800" u="none" cap="none" strike="noStrike">
                 <a:solidFill>
@@ -11949,7 +11985,7 @@
               <a:spcAft>
                 <a:spcPts val="0"/>
               </a:spcAft>
-              <a:buSzPct val="77777"/>
+              <a:buSzPts val="1400"/>
               <a:buNone/>
               <a:defRPr b="0" i="0" sz="1800" u="none" cap="none" strike="noStrike">
                 <a:solidFill>
@@ -11971,7 +12007,7 @@
               <a:spcAft>
                 <a:spcPts val="0"/>
               </a:spcAft>
-              <a:buSzPct val="77777"/>
+              <a:buSzPts val="1400"/>
               <a:buNone/>
               <a:defRPr b="0" i="0" sz="1800" u="none" cap="none" strike="noStrike">
                 <a:solidFill>
@@ -11993,7 +12029,7 @@
               <a:spcAft>
                 <a:spcPts val="0"/>
               </a:spcAft>
-              <a:buSzPct val="77777"/>
+              <a:buSzPts val="1400"/>
               <a:buNone/>
               <a:defRPr b="0" i="0" sz="1800" u="none" cap="none" strike="noStrike">
                 <a:solidFill>
@@ -12015,7 +12051,7 @@
               <a:spcAft>
                 <a:spcPts val="0"/>
               </a:spcAft>
-              <a:buSzPct val="77777"/>
+              <a:buSzPts val="1400"/>
               <a:buNone/>
               <a:defRPr b="0" i="0" sz="1800" u="none" cap="none" strike="noStrike">
                 <a:solidFill>
@@ -12037,7 +12073,7 @@
               <a:spcAft>
                 <a:spcPts val="0"/>
               </a:spcAft>
-              <a:buSzPct val="77777"/>
+              <a:buSzPts val="1400"/>
               <a:buNone/>
               <a:defRPr b="0" i="0" sz="1800" u="none" cap="none" strike="noStrike">
                 <a:solidFill>
@@ -12059,7 +12095,7 @@
               <a:spcAft>
                 <a:spcPts val="0"/>
               </a:spcAft>
-              <a:buSzPct val="77777"/>
+              <a:buSzPts val="1400"/>
               <a:buNone/>
               <a:defRPr b="0" i="0" sz="1800" u="none" cap="none" strike="noStrike">
                 <a:solidFill>
@@ -12081,7 +12117,7 @@
               <a:spcAft>
                 <a:spcPts val="0"/>
               </a:spcAft>
-              <a:buSzPct val="77777"/>
+              <a:buSzPts val="1400"/>
               <a:buNone/>
               <a:defRPr b="0" i="0" sz="1800" u="none" cap="none" strike="noStrike">
                 <a:solidFill>
@@ -12131,7 +12167,7 @@
               <a:spcAft>
                 <a:spcPts val="0"/>
               </a:spcAft>
-              <a:buSzPct val="77777"/>
+              <a:buSzPts val="1400"/>
               <a:buNone/>
               <a:defRPr b="0" i="0" sz="1800" u="none">
                 <a:solidFill>
@@ -12153,7 +12189,7 @@
               <a:spcAft>
                 <a:spcPts val="0"/>
               </a:spcAft>
-              <a:buSzPct val="77777"/>
+              <a:buSzPts val="1400"/>
               <a:buNone/>
               <a:defRPr b="0" i="0" sz="1800" u="none" cap="none" strike="noStrike">
                 <a:solidFill>
@@ -12175,7 +12211,7 @@
               <a:spcAft>
                 <a:spcPts val="0"/>
               </a:spcAft>
-              <a:buSzPct val="77777"/>
+              <a:buSzPts val="1400"/>
               <a:buNone/>
               <a:defRPr b="0" i="0" sz="1800" u="none" cap="none" strike="noStrike">
                 <a:solidFill>
@@ -12197,7 +12233,7 @@
               <a:spcAft>
                 <a:spcPts val="0"/>
               </a:spcAft>
-              <a:buSzPct val="77777"/>
+              <a:buSzPts val="1400"/>
               <a:buNone/>
               <a:defRPr b="0" i="0" sz="1800" u="none" cap="none" strike="noStrike">
                 <a:solidFill>
@@ -12219,7 +12255,7 @@
               <a:spcAft>
                 <a:spcPts val="0"/>
               </a:spcAft>
-              <a:buSzPct val="77777"/>
+              <a:buSzPts val="1400"/>
               <a:buNone/>
               <a:defRPr b="0" i="0" sz="1800" u="none" cap="none" strike="noStrike">
                 <a:solidFill>
@@ -12241,7 +12277,7 @@
               <a:spcAft>
                 <a:spcPts val="0"/>
               </a:spcAft>
-              <a:buSzPct val="77777"/>
+              <a:buSzPts val="1400"/>
               <a:buNone/>
               <a:defRPr b="0" i="0" sz="1800" u="none" cap="none" strike="noStrike">
                 <a:solidFill>
@@ -12263,7 +12299,7 @@
               <a:spcAft>
                 <a:spcPts val="0"/>
               </a:spcAft>
-              <a:buSzPct val="77777"/>
+              <a:buSzPts val="1400"/>
               <a:buNone/>
               <a:defRPr b="0" i="0" sz="1800" u="none" cap="none" strike="noStrike">
                 <a:solidFill>
@@ -12285,7 +12321,7 @@
               <a:spcAft>
                 <a:spcPts val="0"/>
               </a:spcAft>
-              <a:buSzPct val="77777"/>
+              <a:buSzPts val="1400"/>
               <a:buNone/>
               <a:defRPr b="0" i="0" sz="1800" u="none" cap="none" strike="noStrike">
                 <a:solidFill>
@@ -12307,7 +12343,7 @@
               <a:spcAft>
                 <a:spcPts val="0"/>
               </a:spcAft>
-              <a:buSzPct val="77777"/>
+              <a:buSzPts val="1400"/>
               <a:buNone/>
               <a:defRPr b="0" i="0" sz="1800" u="none" cap="none" strike="noStrike">
                 <a:solidFill>
@@ -12363,7 +12399,6 @@
               <a:buClr>
                 <a:srgbClr val="898989"/>
               </a:buClr>
-              <a:buSzPct val="25000"/>
               <a:buFont typeface="Calibri"/>
               <a:buNone/>
             </a:pPr>
@@ -12438,7 +12473,7 @@
               <a:spcAft>
                 <a:spcPts val="0"/>
               </a:spcAft>
-              <a:buSzPct val="31818"/>
+              <a:buSzPts val="1400"/>
               <a:buNone/>
               <a:defRPr b="0" i="0" sz="4400" u="none" cap="none" strike="noStrike">
                 <a:solidFill>
@@ -12457,7 +12492,7 @@
               <a:spcAft>
                 <a:spcPts val="0"/>
               </a:spcAft>
-              <a:buSzPct val="31818"/>
+              <a:buSzPts val="1400"/>
               <a:buNone/>
               <a:defRPr b="0" i="0" sz="4400" u="none" cap="none" strike="noStrike">
                 <a:solidFill>
@@ -12476,7 +12511,7 @@
               <a:spcAft>
                 <a:spcPts val="0"/>
               </a:spcAft>
-              <a:buSzPct val="31818"/>
+              <a:buSzPts val="1400"/>
               <a:buNone/>
               <a:defRPr b="0" i="0" sz="4400" u="none" cap="none" strike="noStrike">
                 <a:solidFill>
@@ -12495,7 +12530,7 @@
               <a:spcAft>
                 <a:spcPts val="0"/>
               </a:spcAft>
-              <a:buSzPct val="31818"/>
+              <a:buSzPts val="1400"/>
               <a:buNone/>
               <a:defRPr b="0" i="0" sz="4400" u="none" cap="none" strike="noStrike">
                 <a:solidFill>
@@ -12514,7 +12549,7 @@
               <a:spcAft>
                 <a:spcPts val="0"/>
               </a:spcAft>
-              <a:buSzPct val="31818"/>
+              <a:buSzPts val="1400"/>
               <a:buNone/>
               <a:defRPr b="0" i="0" sz="4400" u="none" cap="none" strike="noStrike">
                 <a:solidFill>
@@ -12533,7 +12568,7 @@
               <a:spcAft>
                 <a:spcPts val="0"/>
               </a:spcAft>
-              <a:buSzPct val="31818"/>
+              <a:buSzPts val="1400"/>
               <a:buNone/>
               <a:defRPr b="0" i="0" sz="4400" u="none" cap="none" strike="noStrike">
                 <a:solidFill>
@@ -12552,7 +12587,7 @@
               <a:spcAft>
                 <a:spcPts val="0"/>
               </a:spcAft>
-              <a:buSzPct val="31818"/>
+              <a:buSzPts val="1400"/>
               <a:buNone/>
               <a:defRPr b="0" i="0" sz="4400" u="none" cap="none" strike="noStrike">
                 <a:solidFill>
@@ -12571,7 +12606,7 @@
               <a:spcAft>
                 <a:spcPts val="0"/>
               </a:spcAft>
-              <a:buSzPct val="31818"/>
+              <a:buSzPts val="1400"/>
               <a:buNone/>
               <a:defRPr b="0" i="0" sz="4400" u="none" cap="none" strike="noStrike">
                 <a:solidFill>
@@ -12590,7 +12625,7 @@
               <a:spcAft>
                 <a:spcPts val="0"/>
               </a:spcAft>
-              <a:buSzPct val="31818"/>
+              <a:buSzPts val="1400"/>
               <a:buNone/>
               <a:defRPr b="0" i="0" sz="4400" u="none" cap="none" strike="noStrike">
                 <a:solidFill>
@@ -12640,7 +12675,7 @@
               <a:buClr>
                 <a:srgbClr val="888888"/>
               </a:buClr>
-              <a:buSzPct val="100000"/>
+              <a:buSzPts val="3200"/>
               <a:buFont typeface="Arial"/>
               <a:buNone/>
               <a:defRPr sz="3200">
@@ -12663,7 +12698,7 @@
               <a:buClr>
                 <a:srgbClr val="888888"/>
               </a:buClr>
-              <a:buSzPct val="100000"/>
+              <a:buSzPts val="2800"/>
               <a:buFont typeface="Arial"/>
               <a:buNone/>
               <a:defRPr b="0" i="0" sz="2800" u="none" cap="none" strike="noStrike">
@@ -12686,7 +12721,7 @@
               <a:buClr>
                 <a:srgbClr val="888888"/>
               </a:buClr>
-              <a:buSzPct val="100000"/>
+              <a:buSzPts val="2400"/>
               <a:buFont typeface="Arial"/>
               <a:buNone/>
               <a:defRPr b="0" i="0" sz="2400" u="none" cap="none" strike="noStrike">
@@ -12709,7 +12744,7 @@
               <a:buClr>
                 <a:srgbClr val="888888"/>
               </a:buClr>
-              <a:buSzPct val="100000"/>
+              <a:buSzPts val="2000"/>
               <a:buFont typeface="Arial"/>
               <a:buNone/>
               <a:defRPr b="0" i="0" sz="2000" u="none" cap="none" strike="noStrike">
@@ -12732,7 +12767,7 @@
               <a:buClr>
                 <a:srgbClr val="888888"/>
               </a:buClr>
-              <a:buSzPct val="100000"/>
+              <a:buSzPts val="2000"/>
               <a:buFont typeface="Arial"/>
               <a:buNone/>
               <a:defRPr b="0" i="0" sz="2000" u="none" cap="none" strike="noStrike">
@@ -12752,7 +12787,7 @@
               <a:buClr>
                 <a:srgbClr val="888888"/>
               </a:buClr>
-              <a:buSzPct val="100000"/>
+              <a:buSzPts val="2000"/>
               <a:buFont typeface="Arial"/>
               <a:buNone/>
               <a:defRPr b="0" i="0" sz="2000" u="none" cap="none" strike="noStrike">
@@ -12772,7 +12807,7 @@
               <a:buClr>
                 <a:srgbClr val="888888"/>
               </a:buClr>
-              <a:buSzPct val="100000"/>
+              <a:buSzPts val="2000"/>
               <a:buFont typeface="Arial"/>
               <a:buNone/>
               <a:defRPr b="0" i="0" sz="2000" u="none" cap="none" strike="noStrike">
@@ -12792,7 +12827,7 @@
               <a:buClr>
                 <a:srgbClr val="888888"/>
               </a:buClr>
-              <a:buSzPct val="100000"/>
+              <a:buSzPts val="2000"/>
               <a:buFont typeface="Arial"/>
               <a:buNone/>
               <a:defRPr b="0" i="0" sz="2000" u="none" cap="none" strike="noStrike">
@@ -12812,7 +12847,7 @@
               <a:buClr>
                 <a:srgbClr val="888888"/>
               </a:buClr>
-              <a:buSzPct val="100000"/>
+              <a:buSzPts val="2000"/>
               <a:buFont typeface="Arial"/>
               <a:buNone/>
               <a:defRPr b="0" i="0" sz="2000" u="none" cap="none" strike="noStrike">
@@ -12863,7 +12898,7 @@
               <a:spcAft>
                 <a:spcPts val="0"/>
               </a:spcAft>
-              <a:buSzPct val="116666"/>
+              <a:buSzPts val="1400"/>
               <a:buNone/>
               <a:defRPr b="0" i="0" sz="1200" u="none">
                 <a:solidFill>
@@ -12885,7 +12920,7 @@
               <a:spcAft>
                 <a:spcPts val="0"/>
               </a:spcAft>
-              <a:buSzPct val="77777"/>
+              <a:buSzPts val="1400"/>
               <a:buNone/>
               <a:defRPr b="0" i="0" sz="1800" u="none" cap="none" strike="noStrike">
                 <a:solidFill>
@@ -12907,7 +12942,7 @@
               <a:spcAft>
                 <a:spcPts val="0"/>
               </a:spcAft>
-              <a:buSzPct val="77777"/>
+              <a:buSzPts val="1400"/>
               <a:buNone/>
               <a:defRPr b="0" i="0" sz="1800" u="none" cap="none" strike="noStrike">
                 <a:solidFill>
@@ -12929,7 +12964,7 @@
               <a:spcAft>
                 <a:spcPts val="0"/>
               </a:spcAft>
-              <a:buSzPct val="77777"/>
+              <a:buSzPts val="1400"/>
               <a:buNone/>
               <a:defRPr b="0" i="0" sz="1800" u="none" cap="none" strike="noStrike">
                 <a:solidFill>
@@ -12951,7 +12986,7 @@
               <a:spcAft>
                 <a:spcPts val="0"/>
               </a:spcAft>
-              <a:buSzPct val="77777"/>
+              <a:buSzPts val="1400"/>
               <a:buNone/>
               <a:defRPr b="0" i="0" sz="1800" u="none" cap="none" strike="noStrike">
                 <a:solidFill>
@@ -12973,7 +13008,7 @@
               <a:spcAft>
                 <a:spcPts val="0"/>
               </a:spcAft>
-              <a:buSzPct val="77777"/>
+              <a:buSzPts val="1400"/>
               <a:buNone/>
               <a:defRPr b="0" i="0" sz="1800" u="none" cap="none" strike="noStrike">
                 <a:solidFill>
@@ -12995,7 +13030,7 @@
               <a:spcAft>
                 <a:spcPts val="0"/>
               </a:spcAft>
-              <a:buSzPct val="77777"/>
+              <a:buSzPts val="1400"/>
               <a:buNone/>
               <a:defRPr b="0" i="0" sz="1800" u="none" cap="none" strike="noStrike">
                 <a:solidFill>
@@ -13017,7 +13052,7 @@
               <a:spcAft>
                 <a:spcPts val="0"/>
               </a:spcAft>
-              <a:buSzPct val="77777"/>
+              <a:buSzPts val="1400"/>
               <a:buNone/>
               <a:defRPr b="0" i="0" sz="1800" u="none" cap="none" strike="noStrike">
                 <a:solidFill>
@@ -13039,7 +13074,7 @@
               <a:spcAft>
                 <a:spcPts val="0"/>
               </a:spcAft>
-              <a:buSzPct val="77777"/>
+              <a:buSzPts val="1400"/>
               <a:buNone/>
               <a:defRPr b="0" i="0" sz="1800" u="none" cap="none" strike="noStrike">
                 <a:solidFill>
@@ -13089,7 +13124,7 @@
               <a:spcAft>
                 <a:spcPts val="0"/>
               </a:spcAft>
-              <a:buSzPct val="77777"/>
+              <a:buSzPts val="1400"/>
               <a:buNone/>
               <a:defRPr b="0" i="0" sz="1800" u="none">
                 <a:solidFill>
@@ -13111,7 +13146,7 @@
               <a:spcAft>
                 <a:spcPts val="0"/>
               </a:spcAft>
-              <a:buSzPct val="77777"/>
+              <a:buSzPts val="1400"/>
               <a:buNone/>
               <a:defRPr b="0" i="0" sz="1800" u="none" cap="none" strike="noStrike">
                 <a:solidFill>
@@ -13133,7 +13168,7 @@
               <a:spcAft>
                 <a:spcPts val="0"/>
               </a:spcAft>
-              <a:buSzPct val="77777"/>
+              <a:buSzPts val="1400"/>
               <a:buNone/>
               <a:defRPr b="0" i="0" sz="1800" u="none" cap="none" strike="noStrike">
                 <a:solidFill>
@@ -13155,7 +13190,7 @@
               <a:spcAft>
                 <a:spcPts val="0"/>
               </a:spcAft>
-              <a:buSzPct val="77777"/>
+              <a:buSzPts val="1400"/>
               <a:buNone/>
               <a:defRPr b="0" i="0" sz="1800" u="none" cap="none" strike="noStrike">
                 <a:solidFill>
@@ -13177,7 +13212,7 @@
               <a:spcAft>
                 <a:spcPts val="0"/>
               </a:spcAft>
-              <a:buSzPct val="77777"/>
+              <a:buSzPts val="1400"/>
               <a:buNone/>
               <a:defRPr b="0" i="0" sz="1800" u="none" cap="none" strike="noStrike">
                 <a:solidFill>
@@ -13199,7 +13234,7 @@
               <a:spcAft>
                 <a:spcPts val="0"/>
               </a:spcAft>
-              <a:buSzPct val="77777"/>
+              <a:buSzPts val="1400"/>
               <a:buNone/>
               <a:defRPr b="0" i="0" sz="1800" u="none" cap="none" strike="noStrike">
                 <a:solidFill>
@@ -13221,7 +13256,7 @@
               <a:spcAft>
                 <a:spcPts val="0"/>
               </a:spcAft>
-              <a:buSzPct val="77777"/>
+              <a:buSzPts val="1400"/>
               <a:buNone/>
               <a:defRPr b="0" i="0" sz="1800" u="none" cap="none" strike="noStrike">
                 <a:solidFill>
@@ -13243,7 +13278,7 @@
               <a:spcAft>
                 <a:spcPts val="0"/>
               </a:spcAft>
-              <a:buSzPct val="77777"/>
+              <a:buSzPts val="1400"/>
               <a:buNone/>
               <a:defRPr b="0" i="0" sz="1800" u="none" cap="none" strike="noStrike">
                 <a:solidFill>
@@ -13265,7 +13300,7 @@
               <a:spcAft>
                 <a:spcPts val="0"/>
               </a:spcAft>
-              <a:buSzPct val="77777"/>
+              <a:buSzPts val="1400"/>
               <a:buNone/>
               <a:defRPr b="0" i="0" sz="1800" u="none" cap="none" strike="noStrike">
                 <a:solidFill>
@@ -13321,7 +13356,6 @@
               <a:buClr>
                 <a:srgbClr val="898989"/>
               </a:buClr>
-              <a:buSzPct val="25000"/>
               <a:buFont typeface="Calibri"/>
               <a:buNone/>
             </a:pPr>
@@ -13389,54 +13423,72 @@
               <a:spcBef>
                 <a:spcPts val="0"/>
               </a:spcBef>
+              <a:buSzPts val="2800"/>
+              <a:buNone/>
               <a:defRPr/>
             </a:lvl1pPr>
             <a:lvl2pPr lvl="1">
               <a:spcBef>
                 <a:spcPts val="0"/>
               </a:spcBef>
+              <a:buSzPts val="2800"/>
+              <a:buNone/>
               <a:defRPr/>
             </a:lvl2pPr>
             <a:lvl3pPr lvl="2">
               <a:spcBef>
                 <a:spcPts val="0"/>
               </a:spcBef>
+              <a:buSzPts val="2800"/>
+              <a:buNone/>
               <a:defRPr/>
             </a:lvl3pPr>
             <a:lvl4pPr lvl="3">
               <a:spcBef>
                 <a:spcPts val="0"/>
               </a:spcBef>
+              <a:buSzPts val="2800"/>
+              <a:buNone/>
               <a:defRPr/>
             </a:lvl4pPr>
             <a:lvl5pPr lvl="4">
               <a:spcBef>
                 <a:spcPts val="0"/>
               </a:spcBef>
+              <a:buSzPts val="2800"/>
+              <a:buNone/>
               <a:defRPr/>
             </a:lvl5pPr>
             <a:lvl6pPr lvl="5">
               <a:spcBef>
                 <a:spcPts val="0"/>
               </a:spcBef>
+              <a:buSzPts val="2800"/>
+              <a:buNone/>
               <a:defRPr/>
             </a:lvl6pPr>
             <a:lvl7pPr lvl="6">
               <a:spcBef>
                 <a:spcPts val="0"/>
               </a:spcBef>
+              <a:buSzPts val="2800"/>
+              <a:buNone/>
               <a:defRPr/>
             </a:lvl7pPr>
             <a:lvl8pPr lvl="7">
               <a:spcBef>
                 <a:spcPts val="0"/>
               </a:spcBef>
+              <a:buSzPts val="2800"/>
+              <a:buNone/>
               <a:defRPr/>
             </a:lvl8pPr>
             <a:lvl9pPr lvl="8">
               <a:spcBef>
                 <a:spcPts val="0"/>
               </a:spcBef>
+              <a:buSzPts val="2800"/>
+              <a:buNone/>
               <a:defRPr/>
             </a:lvl9pPr>
           </a:lstStyle>
@@ -13467,54 +13519,72 @@
               <a:spcBef>
                 <a:spcPts val="0"/>
               </a:spcBef>
+              <a:buSzPts val="1800"/>
+              <a:buChar char="●"/>
               <a:defRPr/>
             </a:lvl1pPr>
             <a:lvl2pPr lvl="1">
               <a:spcBef>
                 <a:spcPts val="0"/>
               </a:spcBef>
+              <a:buSzPts val="1400"/>
+              <a:buChar char="○"/>
               <a:defRPr/>
             </a:lvl2pPr>
             <a:lvl3pPr lvl="2">
               <a:spcBef>
                 <a:spcPts val="0"/>
               </a:spcBef>
+              <a:buSzPts val="1400"/>
+              <a:buChar char="■"/>
               <a:defRPr/>
             </a:lvl3pPr>
             <a:lvl4pPr lvl="3">
               <a:spcBef>
                 <a:spcPts val="0"/>
               </a:spcBef>
+              <a:buSzPts val="1400"/>
+              <a:buChar char="●"/>
               <a:defRPr/>
             </a:lvl4pPr>
             <a:lvl5pPr lvl="4">
               <a:spcBef>
                 <a:spcPts val="0"/>
               </a:spcBef>
+              <a:buSzPts val="1400"/>
+              <a:buChar char="○"/>
               <a:defRPr/>
             </a:lvl5pPr>
             <a:lvl6pPr lvl="5">
               <a:spcBef>
                 <a:spcPts val="0"/>
               </a:spcBef>
+              <a:buSzPts val="1400"/>
+              <a:buChar char="■"/>
               <a:defRPr/>
             </a:lvl6pPr>
             <a:lvl7pPr lvl="6">
               <a:spcBef>
                 <a:spcPts val="0"/>
               </a:spcBef>
+              <a:buSzPts val="1400"/>
+              <a:buChar char="●"/>
               <a:defRPr/>
             </a:lvl7pPr>
             <a:lvl8pPr lvl="7">
               <a:spcBef>
                 <a:spcPts val="0"/>
               </a:spcBef>
+              <a:buSzPts val="1400"/>
+              <a:buChar char="○"/>
               <a:defRPr/>
             </a:lvl8pPr>
             <a:lvl9pPr lvl="8">
               <a:spcBef>
                 <a:spcPts val="0"/>
               </a:spcBef>
+              <a:buSzPts val="1400"/>
+              <a:buChar char="■"/>
               <a:defRPr/>
             </a:lvl9pPr>
           </a:lstStyle>
@@ -13544,7 +13614,7 @@
           </a:bodyPr>
           <a:lstStyle/>
           <a:p>
-            <a:pPr lvl="0">
+            <a:pPr indent="0" lvl="0" marL="0">
               <a:spcBef>
                 <a:spcPts val="0"/>
               </a:spcBef>
@@ -13606,54 +13676,72 @@
               <a:spcBef>
                 <a:spcPts val="0"/>
               </a:spcBef>
+              <a:buSzPts val="2800"/>
+              <a:buNone/>
               <a:defRPr/>
             </a:lvl1pPr>
             <a:lvl2pPr lvl="1">
               <a:spcBef>
                 <a:spcPts val="0"/>
               </a:spcBef>
+              <a:buSzPts val="2800"/>
+              <a:buNone/>
               <a:defRPr/>
             </a:lvl2pPr>
             <a:lvl3pPr lvl="2">
               <a:spcBef>
                 <a:spcPts val="0"/>
               </a:spcBef>
+              <a:buSzPts val="2800"/>
+              <a:buNone/>
               <a:defRPr/>
             </a:lvl3pPr>
             <a:lvl4pPr lvl="3">
               <a:spcBef>
                 <a:spcPts val="0"/>
               </a:spcBef>
+              <a:buSzPts val="2800"/>
+              <a:buNone/>
               <a:defRPr/>
             </a:lvl4pPr>
             <a:lvl5pPr lvl="4">
               <a:spcBef>
                 <a:spcPts val="0"/>
               </a:spcBef>
+              <a:buSzPts val="2800"/>
+              <a:buNone/>
               <a:defRPr/>
             </a:lvl5pPr>
             <a:lvl6pPr lvl="5">
               <a:spcBef>
                 <a:spcPts val="0"/>
               </a:spcBef>
+              <a:buSzPts val="2800"/>
+              <a:buNone/>
               <a:defRPr/>
             </a:lvl6pPr>
             <a:lvl7pPr lvl="6">
               <a:spcBef>
                 <a:spcPts val="0"/>
               </a:spcBef>
+              <a:buSzPts val="2800"/>
+              <a:buNone/>
               <a:defRPr/>
             </a:lvl7pPr>
             <a:lvl8pPr lvl="7">
               <a:spcBef>
                 <a:spcPts val="0"/>
               </a:spcBef>
+              <a:buSzPts val="2800"/>
+              <a:buNone/>
               <a:defRPr/>
             </a:lvl8pPr>
             <a:lvl9pPr lvl="8">
               <a:spcBef>
                 <a:spcPts val="0"/>
               </a:spcBef>
+              <a:buSzPts val="2800"/>
+              <a:buNone/>
               <a:defRPr/>
             </a:lvl9pPr>
           </a:lstStyle>
@@ -13684,63 +13772,72 @@
               <a:spcBef>
                 <a:spcPts val="0"/>
               </a:spcBef>
-              <a:buSzPct val="100000"/>
+              <a:buSzPts val="1400"/>
+              <a:buChar char="●"/>
               <a:defRPr sz="1400"/>
             </a:lvl1pPr>
             <a:lvl2pPr lvl="1">
               <a:spcBef>
                 <a:spcPts val="0"/>
               </a:spcBef>
-              <a:buSzPct val="100000"/>
+              <a:buSzPts val="1200"/>
+              <a:buChar char="○"/>
               <a:defRPr sz="1200"/>
             </a:lvl2pPr>
             <a:lvl3pPr lvl="2">
               <a:spcBef>
                 <a:spcPts val="0"/>
               </a:spcBef>
-              <a:buSzPct val="100000"/>
+              <a:buSzPts val="1200"/>
+              <a:buChar char="■"/>
               <a:defRPr sz="1200"/>
             </a:lvl3pPr>
             <a:lvl4pPr lvl="3">
               <a:spcBef>
                 <a:spcPts val="0"/>
               </a:spcBef>
-              <a:buSzPct val="100000"/>
+              <a:buSzPts val="1200"/>
+              <a:buChar char="●"/>
               <a:defRPr sz="1200"/>
             </a:lvl4pPr>
             <a:lvl5pPr lvl="4">
               <a:spcBef>
                 <a:spcPts val="0"/>
               </a:spcBef>
-              <a:buSzPct val="100000"/>
+              <a:buSzPts val="1200"/>
+              <a:buChar char="○"/>
               <a:defRPr sz="1200"/>
             </a:lvl5pPr>
             <a:lvl6pPr lvl="5">
               <a:spcBef>
                 <a:spcPts val="0"/>
               </a:spcBef>
-              <a:buSzPct val="100000"/>
+              <a:buSzPts val="1200"/>
+              <a:buChar char="■"/>
               <a:defRPr sz="1200"/>
             </a:lvl6pPr>
             <a:lvl7pPr lvl="6">
               <a:spcBef>
                 <a:spcPts val="0"/>
               </a:spcBef>
-              <a:buSzPct val="100000"/>
+              <a:buSzPts val="1200"/>
+              <a:buChar char="●"/>
               <a:defRPr sz="1200"/>
             </a:lvl7pPr>
             <a:lvl8pPr lvl="7">
               <a:spcBef>
                 <a:spcPts val="0"/>
               </a:spcBef>
-              <a:buSzPct val="100000"/>
+              <a:buSzPts val="1200"/>
+              <a:buChar char="○"/>
               <a:defRPr sz="1200"/>
             </a:lvl8pPr>
             <a:lvl9pPr lvl="8">
               <a:spcBef>
                 <a:spcPts val="0"/>
               </a:spcBef>
-              <a:buSzPct val="100000"/>
+              <a:buSzPts val="1200"/>
+              <a:buChar char="■"/>
               <a:defRPr sz="1200"/>
             </a:lvl9pPr>
           </a:lstStyle>
@@ -13771,63 +13868,72 @@
               <a:spcBef>
                 <a:spcPts val="0"/>
               </a:spcBef>
-              <a:buSzPct val="100000"/>
+              <a:buSzPts val="1400"/>
+              <a:buChar char="●"/>
               <a:defRPr sz="1400"/>
             </a:lvl1pPr>
             <a:lvl2pPr lvl="1">
               <a:spcBef>
                 <a:spcPts val="0"/>
               </a:spcBef>
-              <a:buSzPct val="100000"/>
+              <a:buSzPts val="1200"/>
+              <a:buChar char="○"/>
               <a:defRPr sz="1200"/>
             </a:lvl2pPr>
             <a:lvl3pPr lvl="2">
               <a:spcBef>
                 <a:spcPts val="0"/>
               </a:spcBef>
-              <a:buSzPct val="100000"/>
+              <a:buSzPts val="1200"/>
+              <a:buChar char="■"/>
               <a:defRPr sz="1200"/>
             </a:lvl3pPr>
             <a:lvl4pPr lvl="3">
               <a:spcBef>
                 <a:spcPts val="0"/>
               </a:spcBef>
-              <a:buSzPct val="100000"/>
+              <a:buSzPts val="1200"/>
+              <a:buChar char="●"/>
               <a:defRPr sz="1200"/>
             </a:lvl4pPr>
             <a:lvl5pPr lvl="4">
               <a:spcBef>
                 <a:spcPts val="0"/>
               </a:spcBef>
-              <a:buSzPct val="100000"/>
+              <a:buSzPts val="1200"/>
+              <a:buChar char="○"/>
               <a:defRPr sz="1200"/>
             </a:lvl5pPr>
             <a:lvl6pPr lvl="5">
               <a:spcBef>
                 <a:spcPts val="0"/>
               </a:spcBef>
-              <a:buSzPct val="100000"/>
+              <a:buSzPts val="1200"/>
+              <a:buChar char="■"/>
               <a:defRPr sz="1200"/>
             </a:lvl6pPr>
             <a:lvl7pPr lvl="6">
               <a:spcBef>
                 <a:spcPts val="0"/>
               </a:spcBef>
-              <a:buSzPct val="100000"/>
+              <a:buSzPts val="1200"/>
+              <a:buChar char="●"/>
               <a:defRPr sz="1200"/>
             </a:lvl7pPr>
             <a:lvl8pPr lvl="7">
               <a:spcBef>
                 <a:spcPts val="0"/>
               </a:spcBef>
-              <a:buSzPct val="100000"/>
+              <a:buSzPts val="1200"/>
+              <a:buChar char="○"/>
               <a:defRPr sz="1200"/>
             </a:lvl8pPr>
             <a:lvl9pPr lvl="8">
               <a:spcBef>
                 <a:spcPts val="0"/>
               </a:spcBef>
-              <a:buSzPct val="100000"/>
+              <a:buSzPts val="1200"/>
+              <a:buChar char="■"/>
               <a:defRPr sz="1200"/>
             </a:lvl9pPr>
           </a:lstStyle>
@@ -13857,7 +13963,7 @@
           </a:bodyPr>
           <a:lstStyle/>
           <a:p>
-            <a:pPr lvl="0">
+            <a:pPr indent="0" lvl="0" marL="0">
               <a:spcBef>
                 <a:spcPts val="0"/>
               </a:spcBef>
@@ -13919,54 +14025,72 @@
               <a:spcBef>
                 <a:spcPts val="0"/>
               </a:spcBef>
+              <a:buSzPts val="2800"/>
+              <a:buNone/>
               <a:defRPr/>
             </a:lvl1pPr>
             <a:lvl2pPr lvl="1">
               <a:spcBef>
                 <a:spcPts val="0"/>
               </a:spcBef>
+              <a:buSzPts val="2800"/>
+              <a:buNone/>
               <a:defRPr/>
             </a:lvl2pPr>
             <a:lvl3pPr lvl="2">
               <a:spcBef>
                 <a:spcPts val="0"/>
               </a:spcBef>
+              <a:buSzPts val="2800"/>
+              <a:buNone/>
               <a:defRPr/>
             </a:lvl3pPr>
             <a:lvl4pPr lvl="3">
               <a:spcBef>
                 <a:spcPts val="0"/>
               </a:spcBef>
+              <a:buSzPts val="2800"/>
+              <a:buNone/>
               <a:defRPr/>
             </a:lvl4pPr>
             <a:lvl5pPr lvl="4">
               <a:spcBef>
                 <a:spcPts val="0"/>
               </a:spcBef>
+              <a:buSzPts val="2800"/>
+              <a:buNone/>
               <a:defRPr/>
             </a:lvl5pPr>
             <a:lvl6pPr lvl="5">
               <a:spcBef>
                 <a:spcPts val="0"/>
               </a:spcBef>
+              <a:buSzPts val="2800"/>
+              <a:buNone/>
               <a:defRPr/>
             </a:lvl6pPr>
             <a:lvl7pPr lvl="6">
               <a:spcBef>
                 <a:spcPts val="0"/>
               </a:spcBef>
+              <a:buSzPts val="2800"/>
+              <a:buNone/>
               <a:defRPr/>
             </a:lvl7pPr>
             <a:lvl8pPr lvl="7">
               <a:spcBef>
                 <a:spcPts val="0"/>
               </a:spcBef>
+              <a:buSzPts val="2800"/>
+              <a:buNone/>
               <a:defRPr/>
             </a:lvl8pPr>
             <a:lvl9pPr lvl="8">
               <a:spcBef>
                 <a:spcPts val="0"/>
               </a:spcBef>
+              <a:buSzPts val="2800"/>
+              <a:buNone/>
               <a:defRPr/>
             </a:lvl9pPr>
           </a:lstStyle>
@@ -13996,7 +14120,7 @@
           </a:bodyPr>
           <a:lstStyle/>
           <a:p>
-            <a:pPr lvl="0">
+            <a:pPr indent="0" lvl="0" marL="0">
               <a:spcBef>
                 <a:spcPts val="0"/>
               </a:spcBef>
@@ -14058,63 +14182,72 @@
               <a:spcBef>
                 <a:spcPts val="0"/>
               </a:spcBef>
-              <a:buSzPct val="100000"/>
+              <a:buSzPts val="2400"/>
+              <a:buNone/>
               <a:defRPr sz="2400"/>
             </a:lvl1pPr>
             <a:lvl2pPr lvl="1">
               <a:spcBef>
                 <a:spcPts val="0"/>
               </a:spcBef>
-              <a:buSzPct val="100000"/>
+              <a:buSzPts val="2400"/>
+              <a:buNone/>
               <a:defRPr sz="2400"/>
             </a:lvl2pPr>
             <a:lvl3pPr lvl="2">
               <a:spcBef>
                 <a:spcPts val="0"/>
               </a:spcBef>
-              <a:buSzPct val="100000"/>
+              <a:buSzPts val="2400"/>
+              <a:buNone/>
               <a:defRPr sz="2400"/>
             </a:lvl3pPr>
             <a:lvl4pPr lvl="3">
               <a:spcBef>
                 <a:spcPts val="0"/>
               </a:spcBef>
-              <a:buSzPct val="100000"/>
+              <a:buSzPts val="2400"/>
+              <a:buNone/>
               <a:defRPr sz="2400"/>
             </a:lvl4pPr>
             <a:lvl5pPr lvl="4">
               <a:spcBef>
                 <a:spcPts val="0"/>
               </a:spcBef>
-              <a:buSzPct val="100000"/>
+              <a:buSzPts val="2400"/>
+              <a:buNone/>
               <a:defRPr sz="2400"/>
             </a:lvl5pPr>
             <a:lvl6pPr lvl="5">
               <a:spcBef>
                 <a:spcPts val="0"/>
               </a:spcBef>
-              <a:buSzPct val="100000"/>
+              <a:buSzPts val="2400"/>
+              <a:buNone/>
               <a:defRPr sz="2400"/>
             </a:lvl6pPr>
             <a:lvl7pPr lvl="6">
               <a:spcBef>
                 <a:spcPts val="0"/>
               </a:spcBef>
-              <a:buSzPct val="100000"/>
+              <a:buSzPts val="2400"/>
+              <a:buNone/>
               <a:defRPr sz="2400"/>
             </a:lvl7pPr>
             <a:lvl8pPr lvl="7">
               <a:spcBef>
                 <a:spcPts val="0"/>
               </a:spcBef>
-              <a:buSzPct val="100000"/>
+              <a:buSzPts val="2400"/>
+              <a:buNone/>
               <a:defRPr sz="2400"/>
             </a:lvl8pPr>
             <a:lvl9pPr lvl="8">
               <a:spcBef>
                 <a:spcPts val="0"/>
               </a:spcBef>
-              <a:buSzPct val="100000"/>
+              <a:buSzPts val="2400"/>
+              <a:buNone/>
               <a:defRPr sz="2400"/>
             </a:lvl9pPr>
           </a:lstStyle>
@@ -14145,63 +14278,72 @@
               <a:spcBef>
                 <a:spcPts val="0"/>
               </a:spcBef>
-              <a:buSzPct val="100000"/>
+              <a:buSzPts val="1200"/>
+              <a:buChar char="●"/>
               <a:defRPr sz="1200"/>
             </a:lvl1pPr>
             <a:lvl2pPr lvl="1">
               <a:spcBef>
                 <a:spcPts val="0"/>
               </a:spcBef>
-              <a:buSzPct val="100000"/>
+              <a:buSzPts val="1200"/>
+              <a:buChar char="○"/>
               <a:defRPr sz="1200"/>
             </a:lvl2pPr>
             <a:lvl3pPr lvl="2">
               <a:spcBef>
                 <a:spcPts val="0"/>
               </a:spcBef>
-              <a:buSzPct val="100000"/>
+              <a:buSzPts val="1200"/>
+              <a:buChar char="■"/>
               <a:defRPr sz="1200"/>
             </a:lvl3pPr>
             <a:lvl4pPr lvl="3">
               <a:spcBef>
                 <a:spcPts val="0"/>
               </a:spcBef>
-              <a:buSzPct val="100000"/>
+              <a:buSzPts val="1200"/>
+              <a:buChar char="●"/>
               <a:defRPr sz="1200"/>
             </a:lvl4pPr>
             <a:lvl5pPr lvl="4">
               <a:spcBef>
                 <a:spcPts val="0"/>
               </a:spcBef>
-              <a:buSzPct val="100000"/>
+              <a:buSzPts val="1200"/>
+              <a:buChar char="○"/>
               <a:defRPr sz="1200"/>
             </a:lvl5pPr>
             <a:lvl6pPr lvl="5">
               <a:spcBef>
                 <a:spcPts val="0"/>
               </a:spcBef>
-              <a:buSzPct val="100000"/>
+              <a:buSzPts val="1200"/>
+              <a:buChar char="■"/>
               <a:defRPr sz="1200"/>
             </a:lvl6pPr>
             <a:lvl7pPr lvl="6">
               <a:spcBef>
                 <a:spcPts val="0"/>
               </a:spcBef>
-              <a:buSzPct val="100000"/>
+              <a:buSzPts val="1200"/>
+              <a:buChar char="●"/>
               <a:defRPr sz="1200"/>
             </a:lvl7pPr>
             <a:lvl8pPr lvl="7">
               <a:spcBef>
                 <a:spcPts val="0"/>
               </a:spcBef>
-              <a:buSzPct val="100000"/>
+              <a:buSzPts val="1200"/>
+              <a:buChar char="○"/>
               <a:defRPr sz="1200"/>
             </a:lvl8pPr>
             <a:lvl9pPr lvl="8">
               <a:spcBef>
                 <a:spcPts val="0"/>
               </a:spcBef>
-              <a:buSzPct val="100000"/>
+              <a:buSzPts val="1200"/>
+              <a:buChar char="■"/>
               <a:defRPr sz="1200"/>
             </a:lvl9pPr>
           </a:lstStyle>
@@ -14231,7 +14373,7 @@
           </a:bodyPr>
           <a:lstStyle/>
           <a:p>
-            <a:pPr lvl="0">
+            <a:pPr indent="0" lvl="0" marL="0">
               <a:spcBef>
                 <a:spcPts val="0"/>
               </a:spcBef>
@@ -14293,63 +14435,72 @@
               <a:spcBef>
                 <a:spcPts val="0"/>
               </a:spcBef>
-              <a:buSzPct val="100000"/>
+              <a:buSzPts val="4800"/>
+              <a:buNone/>
               <a:defRPr sz="4800"/>
             </a:lvl1pPr>
             <a:lvl2pPr lvl="1">
               <a:spcBef>
                 <a:spcPts val="0"/>
               </a:spcBef>
-              <a:buSzPct val="100000"/>
+              <a:buSzPts val="4800"/>
+              <a:buNone/>
               <a:defRPr sz="4800"/>
             </a:lvl2pPr>
             <a:lvl3pPr lvl="2">
               <a:spcBef>
                 <a:spcPts val="0"/>
               </a:spcBef>
-              <a:buSzPct val="100000"/>
+              <a:buSzPts val="4800"/>
+              <a:buNone/>
               <a:defRPr sz="4800"/>
             </a:lvl3pPr>
             <a:lvl4pPr lvl="3">
               <a:spcBef>
                 <a:spcPts val="0"/>
               </a:spcBef>
-              <a:buSzPct val="100000"/>
+              <a:buSzPts val="4800"/>
+              <a:buNone/>
               <a:defRPr sz="4800"/>
             </a:lvl4pPr>
             <a:lvl5pPr lvl="4">
               <a:spcBef>
                 <a:spcPts val="0"/>
               </a:spcBef>
-              <a:buSzPct val="100000"/>
+              <a:buSzPts val="4800"/>
+              <a:buNone/>
               <a:defRPr sz="4800"/>
             </a:lvl5pPr>
             <a:lvl6pPr lvl="5">
               <a:spcBef>
                 <a:spcPts val="0"/>
               </a:spcBef>
-              <a:buSzPct val="100000"/>
+              <a:buSzPts val="4800"/>
+              <a:buNone/>
               <a:defRPr sz="4800"/>
             </a:lvl6pPr>
             <a:lvl7pPr lvl="6">
               <a:spcBef>
                 <a:spcPts val="0"/>
               </a:spcBef>
-              <a:buSzPct val="100000"/>
+              <a:buSzPts val="4800"/>
+              <a:buNone/>
               <a:defRPr sz="4800"/>
             </a:lvl7pPr>
             <a:lvl8pPr lvl="7">
               <a:spcBef>
                 <a:spcPts val="0"/>
               </a:spcBef>
-              <a:buSzPct val="100000"/>
+              <a:buSzPts val="4800"/>
+              <a:buNone/>
               <a:defRPr sz="4800"/>
             </a:lvl8pPr>
             <a:lvl9pPr lvl="8">
               <a:spcBef>
                 <a:spcPts val="0"/>
               </a:spcBef>
-              <a:buSzPct val="100000"/>
+              <a:buSzPts val="4800"/>
+              <a:buNone/>
               <a:defRPr sz="4800"/>
             </a:lvl9pPr>
           </a:lstStyle>
@@ -14379,7 +14530,7 @@
           </a:bodyPr>
           <a:lstStyle/>
           <a:p>
-            <a:pPr lvl="0">
+            <a:pPr indent="0" lvl="0" marL="0">
               <a:spcBef>
                 <a:spcPts val="0"/>
               </a:spcBef>
@@ -14444,7 +14595,7 @@
           </a:bodyPr>
           <a:lstStyle/>
           <a:p>
-            <a:pPr lvl="0">
+            <a:pPr indent="0" lvl="0" marL="0">
               <a:spcBef>
                 <a:spcPts val="0"/>
               </a:spcBef>
@@ -14481,63 +14632,72 @@
               <a:spcBef>
                 <a:spcPts val="0"/>
               </a:spcBef>
-              <a:buSzPct val="100000"/>
+              <a:buSzPts val="4200"/>
+              <a:buNone/>
               <a:defRPr sz="4200"/>
             </a:lvl1pPr>
             <a:lvl2pPr lvl="1" algn="ctr">
               <a:spcBef>
                 <a:spcPts val="0"/>
               </a:spcBef>
-              <a:buSzPct val="100000"/>
+              <a:buSzPts val="4200"/>
+              <a:buNone/>
               <a:defRPr sz="4200"/>
             </a:lvl2pPr>
             <a:lvl3pPr lvl="2" algn="ctr">
               <a:spcBef>
                 <a:spcPts val="0"/>
               </a:spcBef>
-              <a:buSzPct val="100000"/>
+              <a:buSzPts val="4200"/>
+              <a:buNone/>
               <a:defRPr sz="4200"/>
             </a:lvl3pPr>
             <a:lvl4pPr lvl="3" algn="ctr">
               <a:spcBef>
                 <a:spcPts val="0"/>
               </a:spcBef>
-              <a:buSzPct val="100000"/>
+              <a:buSzPts val="4200"/>
+              <a:buNone/>
               <a:defRPr sz="4200"/>
             </a:lvl4pPr>
             <a:lvl5pPr lvl="4" algn="ctr">
               <a:spcBef>
                 <a:spcPts val="0"/>
               </a:spcBef>
-              <a:buSzPct val="100000"/>
+              <a:buSzPts val="4200"/>
+              <a:buNone/>
               <a:defRPr sz="4200"/>
             </a:lvl5pPr>
             <a:lvl6pPr lvl="5" algn="ctr">
               <a:spcBef>
                 <a:spcPts val="0"/>
               </a:spcBef>
-              <a:buSzPct val="100000"/>
+              <a:buSzPts val="4200"/>
+              <a:buNone/>
               <a:defRPr sz="4200"/>
             </a:lvl6pPr>
             <a:lvl7pPr lvl="6" algn="ctr">
               <a:spcBef>
                 <a:spcPts val="0"/>
               </a:spcBef>
-              <a:buSzPct val="100000"/>
+              <a:buSzPts val="4200"/>
+              <a:buNone/>
               <a:defRPr sz="4200"/>
             </a:lvl7pPr>
             <a:lvl8pPr lvl="7" algn="ctr">
               <a:spcBef>
                 <a:spcPts val="0"/>
               </a:spcBef>
-              <a:buSzPct val="100000"/>
+              <a:buSzPts val="4200"/>
+              <a:buNone/>
               <a:defRPr sz="4200"/>
             </a:lvl8pPr>
             <a:lvl9pPr lvl="8" algn="ctr">
               <a:spcBef>
                 <a:spcPts val="0"/>
               </a:spcBef>
-              <a:buSzPct val="100000"/>
+              <a:buSzPts val="4200"/>
+              <a:buNone/>
               <a:defRPr sz="4200"/>
             </a:lvl9pPr>
           </a:lstStyle>
@@ -14574,7 +14734,7 @@
               <a:spcAft>
                 <a:spcPts val="0"/>
               </a:spcAft>
-              <a:buSzPct val="100000"/>
+              <a:buSzPts val="2100"/>
               <a:buNone/>
               <a:defRPr sz="2100"/>
             </a:lvl1pPr>
@@ -14588,7 +14748,7 @@
               <a:spcAft>
                 <a:spcPts val="0"/>
               </a:spcAft>
-              <a:buSzPct val="100000"/>
+              <a:buSzPts val="2100"/>
               <a:buNone/>
               <a:defRPr sz="2100"/>
             </a:lvl2pPr>
@@ -14602,7 +14762,7 @@
               <a:spcAft>
                 <a:spcPts val="0"/>
               </a:spcAft>
-              <a:buSzPct val="100000"/>
+              <a:buSzPts val="2100"/>
               <a:buNone/>
               <a:defRPr sz="2100"/>
             </a:lvl3pPr>
@@ -14616,7 +14776,7 @@
               <a:spcAft>
                 <a:spcPts val="0"/>
               </a:spcAft>
-              <a:buSzPct val="100000"/>
+              <a:buSzPts val="2100"/>
               <a:buNone/>
               <a:defRPr sz="2100"/>
             </a:lvl4pPr>
@@ -14630,7 +14790,7 @@
               <a:spcAft>
                 <a:spcPts val="0"/>
               </a:spcAft>
-              <a:buSzPct val="100000"/>
+              <a:buSzPts val="2100"/>
               <a:buNone/>
               <a:defRPr sz="2100"/>
             </a:lvl5pPr>
@@ -14644,7 +14804,7 @@
               <a:spcAft>
                 <a:spcPts val="0"/>
               </a:spcAft>
-              <a:buSzPct val="100000"/>
+              <a:buSzPts val="2100"/>
               <a:buNone/>
               <a:defRPr sz="2100"/>
             </a:lvl6pPr>
@@ -14658,7 +14818,7 @@
               <a:spcAft>
                 <a:spcPts val="0"/>
               </a:spcAft>
-              <a:buSzPct val="100000"/>
+              <a:buSzPts val="2100"/>
               <a:buNone/>
               <a:defRPr sz="2100"/>
             </a:lvl7pPr>
@@ -14672,7 +14832,7 @@
               <a:spcAft>
                 <a:spcPts val="0"/>
               </a:spcAft>
-              <a:buSzPct val="100000"/>
+              <a:buSzPts val="2100"/>
               <a:buNone/>
               <a:defRPr sz="2100"/>
             </a:lvl8pPr>
@@ -14686,7 +14846,7 @@
               <a:spcAft>
                 <a:spcPts val="0"/>
               </a:spcAft>
-              <a:buSzPct val="100000"/>
+              <a:buSzPts val="2100"/>
               <a:buNone/>
               <a:defRPr sz="2100"/>
             </a:lvl9pPr>
@@ -14718,54 +14878,72 @@
               <a:spcBef>
                 <a:spcPts val="0"/>
               </a:spcBef>
+              <a:buSzPts val="1800"/>
+              <a:buChar char="●"/>
               <a:defRPr/>
             </a:lvl1pPr>
             <a:lvl2pPr lvl="1">
               <a:spcBef>
                 <a:spcPts val="0"/>
               </a:spcBef>
+              <a:buSzPts val="1400"/>
+              <a:buChar char="○"/>
               <a:defRPr/>
             </a:lvl2pPr>
             <a:lvl3pPr lvl="2">
               <a:spcBef>
                 <a:spcPts val="0"/>
               </a:spcBef>
+              <a:buSzPts val="1400"/>
+              <a:buChar char="■"/>
               <a:defRPr/>
             </a:lvl3pPr>
             <a:lvl4pPr lvl="3">
               <a:spcBef>
                 <a:spcPts val="0"/>
               </a:spcBef>
+              <a:buSzPts val="1400"/>
+              <a:buChar char="●"/>
               <a:defRPr/>
             </a:lvl4pPr>
             <a:lvl5pPr lvl="4">
               <a:spcBef>
                 <a:spcPts val="0"/>
               </a:spcBef>
+              <a:buSzPts val="1400"/>
+              <a:buChar char="○"/>
               <a:defRPr/>
             </a:lvl5pPr>
             <a:lvl6pPr lvl="5">
               <a:spcBef>
                 <a:spcPts val="0"/>
               </a:spcBef>
+              <a:buSzPts val="1400"/>
+              <a:buChar char="■"/>
               <a:defRPr/>
             </a:lvl6pPr>
             <a:lvl7pPr lvl="6">
               <a:spcBef>
                 <a:spcPts val="0"/>
               </a:spcBef>
+              <a:buSzPts val="1400"/>
+              <a:buChar char="●"/>
               <a:defRPr/>
             </a:lvl7pPr>
             <a:lvl8pPr lvl="7">
               <a:spcBef>
                 <a:spcPts val="0"/>
               </a:spcBef>
+              <a:buSzPts val="1400"/>
+              <a:buChar char="○"/>
               <a:defRPr/>
             </a:lvl8pPr>
             <a:lvl9pPr lvl="8">
               <a:spcBef>
                 <a:spcPts val="0"/>
               </a:spcBef>
+              <a:buSzPts val="1400"/>
+              <a:buChar char="■"/>
               <a:defRPr/>
             </a:lvl9pPr>
           </a:lstStyle>
@@ -14795,7 +14973,7 @@
           </a:bodyPr>
           <a:lstStyle/>
           <a:p>
-            <a:pPr lvl="0">
+            <a:pPr indent="0" lvl="0" marL="0">
               <a:spcBef>
                 <a:spcPts val="0"/>
               </a:spcBef>
@@ -14863,6 +15041,7 @@
               <a:spcAft>
                 <a:spcPts val="0"/>
               </a:spcAft>
+              <a:buSzPts val="1800"/>
               <a:buNone/>
               <a:defRPr/>
             </a:lvl1pPr>
@@ -14893,7 +15072,7 @@
           </a:bodyPr>
           <a:lstStyle/>
           <a:p>
-            <a:pPr lvl="0">
+            <a:pPr indent="0" lvl="0" marL="0">
               <a:spcBef>
                 <a:spcPts val="0"/>
               </a:spcBef>
@@ -14969,7 +15148,7 @@
               <a:buClr>
                 <a:schemeClr val="dk1"/>
               </a:buClr>
-              <a:buSzPct val="100000"/>
+              <a:buSzPts val="2800"/>
               <a:buNone/>
               <a:defRPr sz="2800">
                 <a:solidFill>
@@ -14984,7 +15163,7 @@
               <a:buClr>
                 <a:schemeClr val="dk1"/>
               </a:buClr>
-              <a:buSzPct val="100000"/>
+              <a:buSzPts val="2800"/>
               <a:buNone/>
               <a:defRPr sz="2800">
                 <a:solidFill>
@@ -14999,7 +15178,7 @@
               <a:buClr>
                 <a:schemeClr val="dk1"/>
               </a:buClr>
-              <a:buSzPct val="100000"/>
+              <a:buSzPts val="2800"/>
               <a:buNone/>
               <a:defRPr sz="2800">
                 <a:solidFill>
@@ -15014,7 +15193,7 @@
               <a:buClr>
                 <a:schemeClr val="dk1"/>
               </a:buClr>
-              <a:buSzPct val="100000"/>
+              <a:buSzPts val="2800"/>
               <a:buNone/>
               <a:defRPr sz="2800">
                 <a:solidFill>
@@ -15029,7 +15208,7 @@
               <a:buClr>
                 <a:schemeClr val="dk1"/>
               </a:buClr>
-              <a:buSzPct val="100000"/>
+              <a:buSzPts val="2800"/>
               <a:buNone/>
               <a:defRPr sz="2800">
                 <a:solidFill>
@@ -15044,7 +15223,7 @@
               <a:buClr>
                 <a:schemeClr val="dk1"/>
               </a:buClr>
-              <a:buSzPct val="100000"/>
+              <a:buSzPts val="2800"/>
               <a:buNone/>
               <a:defRPr sz="2800">
                 <a:solidFill>
@@ -15059,7 +15238,7 @@
               <a:buClr>
                 <a:schemeClr val="dk1"/>
               </a:buClr>
-              <a:buSzPct val="100000"/>
+              <a:buSzPts val="2800"/>
               <a:buNone/>
               <a:defRPr sz="2800">
                 <a:solidFill>
@@ -15074,7 +15253,7 @@
               <a:buClr>
                 <a:schemeClr val="dk1"/>
               </a:buClr>
-              <a:buSzPct val="100000"/>
+              <a:buSzPts val="2800"/>
               <a:buNone/>
               <a:defRPr sz="2800">
                 <a:solidFill>
@@ -15089,7 +15268,7 @@
               <a:buClr>
                 <a:schemeClr val="dk1"/>
               </a:buClr>
-              <a:buSzPct val="100000"/>
+              <a:buSzPts val="2800"/>
               <a:buNone/>
               <a:defRPr sz="2800">
                 <a:solidFill>
@@ -15138,7 +15317,7 @@
               <a:buClr>
                 <a:schemeClr val="dk2"/>
               </a:buClr>
-              <a:buSzPct val="100000"/>
+              <a:buSzPts val="1800"/>
               <a:buChar char="●"/>
               <a:defRPr sz="1800">
                 <a:solidFill>
@@ -15159,6 +15338,7 @@
               <a:buClr>
                 <a:schemeClr val="dk2"/>
               </a:buClr>
+              <a:buSzPts val="1400"/>
               <a:buChar char="○"/>
               <a:defRPr>
                 <a:solidFill>
@@ -15179,6 +15359,7 @@
               <a:buClr>
                 <a:schemeClr val="dk2"/>
               </a:buClr>
+              <a:buSzPts val="1400"/>
               <a:buChar char="■"/>
               <a:defRPr>
                 <a:solidFill>
@@ -15199,6 +15380,7 @@
               <a:buClr>
                 <a:schemeClr val="dk2"/>
               </a:buClr>
+              <a:buSzPts val="1400"/>
               <a:buChar char="●"/>
               <a:defRPr>
                 <a:solidFill>
@@ -15219,6 +15401,7 @@
               <a:buClr>
                 <a:schemeClr val="dk2"/>
               </a:buClr>
+              <a:buSzPts val="1400"/>
               <a:buChar char="○"/>
               <a:defRPr>
                 <a:solidFill>
@@ -15239,6 +15422,7 @@
               <a:buClr>
                 <a:schemeClr val="dk2"/>
               </a:buClr>
+              <a:buSzPts val="1400"/>
               <a:buChar char="■"/>
               <a:defRPr>
                 <a:solidFill>
@@ -15259,6 +15443,7 @@
               <a:buClr>
                 <a:schemeClr val="dk2"/>
               </a:buClr>
+              <a:buSzPts val="1400"/>
               <a:buChar char="●"/>
               <a:defRPr>
                 <a:solidFill>
@@ -15279,6 +15464,7 @@
               <a:buClr>
                 <a:schemeClr val="dk2"/>
               </a:buClr>
+              <a:buSzPts val="1400"/>
               <a:buChar char="○"/>
               <a:defRPr>
                 <a:solidFill>
@@ -15299,6 +15485,7 @@
               <a:buClr>
                 <a:schemeClr val="dk2"/>
               </a:buClr>
+              <a:buSzPts val="1400"/>
               <a:buChar char="■"/>
               <a:defRPr>
                 <a:solidFill>
@@ -15337,7 +15524,7 @@
           </a:bodyPr>
           <a:lstStyle/>
           <a:p>
-            <a:pPr lvl="0" algn="r">
+            <a:pPr indent="0" lvl="0" marL="0" algn="r">
               <a:spcBef>
                 <a:spcPts val="0"/>
               </a:spcBef>
@@ -15869,7 +16056,7 @@
               <a:spcAft>
                 <a:spcPts val="0"/>
               </a:spcAft>
-              <a:buSzPct val="31818"/>
+              <a:buSzPts val="1400"/>
               <a:buNone/>
               <a:defRPr b="0" i="0" sz="4400" u="none" cap="none" strike="noStrike">
                 <a:solidFill>
@@ -15888,7 +16075,7 @@
               <a:spcAft>
                 <a:spcPts val="0"/>
               </a:spcAft>
-              <a:buSzPct val="31818"/>
+              <a:buSzPts val="1400"/>
               <a:buNone/>
               <a:defRPr b="0" i="0" sz="4400" u="none" cap="none" strike="noStrike">
                 <a:solidFill>
@@ -15907,7 +16094,7 @@
               <a:spcAft>
                 <a:spcPts val="0"/>
               </a:spcAft>
-              <a:buSzPct val="31818"/>
+              <a:buSzPts val="1400"/>
               <a:buNone/>
               <a:defRPr b="0" i="0" sz="4400" u="none" cap="none" strike="noStrike">
                 <a:solidFill>
@@ -15926,7 +16113,7 @@
               <a:spcAft>
                 <a:spcPts val="0"/>
               </a:spcAft>
-              <a:buSzPct val="31818"/>
+              <a:buSzPts val="1400"/>
               <a:buNone/>
               <a:defRPr b="0" i="0" sz="4400" u="none" cap="none" strike="noStrike">
                 <a:solidFill>
@@ -15945,7 +16132,7 @@
               <a:spcAft>
                 <a:spcPts val="0"/>
               </a:spcAft>
-              <a:buSzPct val="31818"/>
+              <a:buSzPts val="1400"/>
               <a:buNone/>
               <a:defRPr b="0" i="0" sz="4400" u="none" cap="none" strike="noStrike">
                 <a:solidFill>
@@ -15964,7 +16151,7 @@
               <a:spcAft>
                 <a:spcPts val="0"/>
               </a:spcAft>
-              <a:buSzPct val="31818"/>
+              <a:buSzPts val="1400"/>
               <a:buNone/>
               <a:defRPr b="0" i="0" sz="4400" u="none" cap="none" strike="noStrike">
                 <a:solidFill>
@@ -15983,7 +16170,7 @@
               <a:spcAft>
                 <a:spcPts val="0"/>
               </a:spcAft>
-              <a:buSzPct val="31818"/>
+              <a:buSzPts val="1400"/>
               <a:buNone/>
               <a:defRPr b="0" i="0" sz="4400" u="none" cap="none" strike="noStrike">
                 <a:solidFill>
@@ -16002,7 +16189,7 @@
               <a:spcAft>
                 <a:spcPts val="0"/>
               </a:spcAft>
-              <a:buSzPct val="31818"/>
+              <a:buSzPts val="1400"/>
               <a:buNone/>
               <a:defRPr b="0" i="0" sz="4400" u="none" cap="none" strike="noStrike">
                 <a:solidFill>
@@ -16021,7 +16208,7 @@
               <a:spcAft>
                 <a:spcPts val="0"/>
               </a:spcAft>
-              <a:buSzPct val="31818"/>
+              <a:buSzPts val="1400"/>
               <a:buNone/>
               <a:defRPr b="0" i="0" sz="4400" u="none" cap="none" strike="noStrike">
                 <a:solidFill>
@@ -16071,7 +16258,7 @@
               <a:buClr>
                 <a:schemeClr val="dk1"/>
               </a:buClr>
-              <a:buSzPct val="100000"/>
+              <a:buSzPts val="3200"/>
               <a:buFont typeface="Arial"/>
               <a:buChar char="•"/>
               <a:defRPr b="0" i="0" sz="3200" u="none" cap="none" strike="noStrike">
@@ -16094,7 +16281,7 @@
               <a:buClr>
                 <a:schemeClr val="dk1"/>
               </a:buClr>
-              <a:buSzPct val="100000"/>
+              <a:buSzPts val="2800"/>
               <a:buFont typeface="Arial"/>
               <a:buChar char="–"/>
               <a:defRPr b="0" i="0" sz="2800" u="none" cap="none" strike="noStrike">
@@ -16117,7 +16304,7 @@
               <a:buClr>
                 <a:schemeClr val="dk1"/>
               </a:buClr>
-              <a:buSzPct val="100000"/>
+              <a:buSzPts val="2400"/>
               <a:buFont typeface="Arial"/>
               <a:buChar char="•"/>
               <a:defRPr b="0" i="0" sz="2400" u="none" cap="none" strike="noStrike">
@@ -16140,7 +16327,7 @@
               <a:buClr>
                 <a:schemeClr val="dk1"/>
               </a:buClr>
-              <a:buSzPct val="100000"/>
+              <a:buSzPts val="2000"/>
               <a:buFont typeface="Arial"/>
               <a:buChar char="–"/>
               <a:defRPr b="0" i="0" sz="2000" u="none" cap="none" strike="noStrike">
@@ -16163,7 +16350,7 @@
               <a:buClr>
                 <a:schemeClr val="dk1"/>
               </a:buClr>
-              <a:buSzPct val="100000"/>
+              <a:buSzPts val="2000"/>
               <a:buFont typeface="Arial"/>
               <a:buChar char="»"/>
               <a:defRPr b="0" i="0" sz="2000" u="none" cap="none" strike="noStrike">
@@ -16183,7 +16370,7 @@
               <a:buClr>
                 <a:schemeClr val="dk1"/>
               </a:buClr>
-              <a:buSzPct val="100000"/>
+              <a:buSzPts val="2000"/>
               <a:buFont typeface="Arial"/>
               <a:buChar char="•"/>
               <a:defRPr b="0" i="0" sz="2000" u="none" cap="none" strike="noStrike">
@@ -16203,7 +16390,7 @@
               <a:buClr>
                 <a:schemeClr val="dk1"/>
               </a:buClr>
-              <a:buSzPct val="100000"/>
+              <a:buSzPts val="2000"/>
               <a:buFont typeface="Arial"/>
               <a:buChar char="•"/>
               <a:defRPr b="0" i="0" sz="2000" u="none" cap="none" strike="noStrike">
@@ -16223,7 +16410,7 @@
               <a:buClr>
                 <a:schemeClr val="dk1"/>
               </a:buClr>
-              <a:buSzPct val="100000"/>
+              <a:buSzPts val="2000"/>
               <a:buFont typeface="Arial"/>
               <a:buChar char="•"/>
               <a:defRPr b="0" i="0" sz="2000" u="none" cap="none" strike="noStrike">
@@ -16243,7 +16430,7 @@
               <a:buClr>
                 <a:schemeClr val="dk1"/>
               </a:buClr>
-              <a:buSzPct val="100000"/>
+              <a:buSzPts val="2000"/>
               <a:buFont typeface="Arial"/>
               <a:buChar char="•"/>
               <a:defRPr b="0" i="0" sz="2000" u="none" cap="none" strike="noStrike">
@@ -16294,7 +16481,7 @@
               <a:spcAft>
                 <a:spcPts val="0"/>
               </a:spcAft>
-              <a:buSzPct val="116666"/>
+              <a:buSzPts val="1400"/>
               <a:buNone/>
               <a:defRPr b="0" i="0" sz="1200" u="none" cap="none" strike="noStrike">
                 <a:solidFill>
@@ -16316,7 +16503,7 @@
               <a:spcAft>
                 <a:spcPts val="0"/>
               </a:spcAft>
-              <a:buSzPct val="77777"/>
+              <a:buSzPts val="1400"/>
               <a:buNone/>
               <a:defRPr b="0" i="0" sz="1800" u="none" cap="none" strike="noStrike">
                 <a:solidFill>
@@ -16338,7 +16525,7 @@
               <a:spcAft>
                 <a:spcPts val="0"/>
               </a:spcAft>
-              <a:buSzPct val="77777"/>
+              <a:buSzPts val="1400"/>
               <a:buNone/>
               <a:defRPr b="0" i="0" sz="1800" u="none" cap="none" strike="noStrike">
                 <a:solidFill>
@@ -16360,7 +16547,7 @@
               <a:spcAft>
                 <a:spcPts val="0"/>
               </a:spcAft>
-              <a:buSzPct val="77777"/>
+              <a:buSzPts val="1400"/>
               <a:buNone/>
               <a:defRPr b="0" i="0" sz="1800" u="none" cap="none" strike="noStrike">
                 <a:solidFill>
@@ -16382,7 +16569,7 @@
               <a:spcAft>
                 <a:spcPts val="0"/>
               </a:spcAft>
-              <a:buSzPct val="77777"/>
+              <a:buSzPts val="1400"/>
               <a:buNone/>
               <a:defRPr b="0" i="0" sz="1800" u="none" cap="none" strike="noStrike">
                 <a:solidFill>
@@ -16404,7 +16591,7 @@
               <a:spcAft>
                 <a:spcPts val="0"/>
               </a:spcAft>
-              <a:buSzPct val="77777"/>
+              <a:buSzPts val="1400"/>
               <a:buNone/>
               <a:defRPr b="0" i="0" sz="1800" u="none" cap="none" strike="noStrike">
                 <a:solidFill>
@@ -16426,7 +16613,7 @@
               <a:spcAft>
                 <a:spcPts val="0"/>
               </a:spcAft>
-              <a:buSzPct val="77777"/>
+              <a:buSzPts val="1400"/>
               <a:buNone/>
               <a:defRPr b="0" i="0" sz="1800" u="none" cap="none" strike="noStrike">
                 <a:solidFill>
@@ -16448,7 +16635,7 @@
               <a:spcAft>
                 <a:spcPts val="0"/>
               </a:spcAft>
-              <a:buSzPct val="77777"/>
+              <a:buSzPts val="1400"/>
               <a:buNone/>
               <a:defRPr b="0" i="0" sz="1800" u="none" cap="none" strike="noStrike">
                 <a:solidFill>
@@ -16470,7 +16657,7 @@
               <a:spcAft>
                 <a:spcPts val="0"/>
               </a:spcAft>
-              <a:buSzPct val="77777"/>
+              <a:buSzPts val="1400"/>
               <a:buNone/>
               <a:defRPr b="0" i="0" sz="1800" u="none" cap="none" strike="noStrike">
                 <a:solidFill>
@@ -16520,7 +16707,7 @@
               <a:spcAft>
                 <a:spcPts val="0"/>
               </a:spcAft>
-              <a:buSzPct val="77777"/>
+              <a:buSzPts val="1400"/>
               <a:buNone/>
               <a:defRPr b="0" i="0" sz="1800" u="none" cap="none" strike="noStrike">
                 <a:solidFill>
@@ -16542,7 +16729,7 @@
               <a:spcAft>
                 <a:spcPts val="0"/>
               </a:spcAft>
-              <a:buSzPct val="77777"/>
+              <a:buSzPts val="1400"/>
               <a:buNone/>
               <a:defRPr b="0" i="0" sz="1800" u="none" cap="none" strike="noStrike">
                 <a:solidFill>
@@ -16564,7 +16751,7 @@
               <a:spcAft>
                 <a:spcPts val="0"/>
               </a:spcAft>
-              <a:buSzPct val="77777"/>
+              <a:buSzPts val="1400"/>
               <a:buNone/>
               <a:defRPr b="0" i="0" sz="1800" u="none" cap="none" strike="noStrike">
                 <a:solidFill>
@@ -16586,7 +16773,7 @@
               <a:spcAft>
                 <a:spcPts val="0"/>
               </a:spcAft>
-              <a:buSzPct val="77777"/>
+              <a:buSzPts val="1400"/>
               <a:buNone/>
               <a:defRPr b="0" i="0" sz="1800" u="none" cap="none" strike="noStrike">
                 <a:solidFill>
@@ -16608,7 +16795,7 @@
               <a:spcAft>
                 <a:spcPts val="0"/>
               </a:spcAft>
-              <a:buSzPct val="77777"/>
+              <a:buSzPts val="1400"/>
               <a:buNone/>
               <a:defRPr b="0" i="0" sz="1800" u="none" cap="none" strike="noStrike">
                 <a:solidFill>
@@ -16630,7 +16817,7 @@
               <a:spcAft>
                 <a:spcPts val="0"/>
               </a:spcAft>
-              <a:buSzPct val="77777"/>
+              <a:buSzPts val="1400"/>
               <a:buNone/>
               <a:defRPr b="0" i="0" sz="1800" u="none" cap="none" strike="noStrike">
                 <a:solidFill>
@@ -16652,7 +16839,7 @@
               <a:spcAft>
                 <a:spcPts val="0"/>
               </a:spcAft>
-              <a:buSzPct val="77777"/>
+              <a:buSzPts val="1400"/>
               <a:buNone/>
               <a:defRPr b="0" i="0" sz="1800" u="none" cap="none" strike="noStrike">
                 <a:solidFill>
@@ -16674,7 +16861,7 @@
               <a:spcAft>
                 <a:spcPts val="0"/>
               </a:spcAft>
-              <a:buSzPct val="77777"/>
+              <a:buSzPts val="1400"/>
               <a:buNone/>
               <a:defRPr b="0" i="0" sz="1800" u="none" cap="none" strike="noStrike">
                 <a:solidFill>
@@ -16696,7 +16883,7 @@
               <a:spcAft>
                 <a:spcPts val="0"/>
               </a:spcAft>
-              <a:buSzPct val="77777"/>
+              <a:buSzPts val="1400"/>
               <a:buNone/>
               <a:defRPr b="0" i="0" sz="1800" u="none" cap="none" strike="noStrike">
                 <a:solidFill>
@@ -16752,7 +16939,6 @@
               <a:buClr>
                 <a:srgbClr val="898989"/>
               </a:buClr>
-              <a:buSzPct val="25000"/>
               <a:buFont typeface="Calibri"/>
               <a:buNone/>
             </a:pPr>
@@ -17296,7 +17482,6 @@
               <a:spcAft>
                 <a:spcPts val="0"/>
               </a:spcAft>
-              <a:buSzPct val="25000"/>
               <a:buNone/>
             </a:pPr>
             <a:r>
@@ -17379,7 +17564,6 @@
               <a:buClr>
                 <a:srgbClr val="17375E"/>
               </a:buClr>
-              <a:buSzPct val="25000"/>
               <a:buFont typeface="Times New Roman"/>
               <a:buNone/>
             </a:pPr>
@@ -17438,7 +17622,6 @@
               <a:buClr>
                 <a:schemeClr val="dk1"/>
               </a:buClr>
-              <a:buSzPct val="25000"/>
               <a:buFont typeface="Arial"/>
               <a:buNone/>
             </a:pPr>
@@ -17461,7 +17644,6 @@
               <a:buClr>
                 <a:schemeClr val="dk1"/>
               </a:buClr>
-              <a:buSzPct val="25000"/>
               <a:buFont typeface="Arial"/>
               <a:buNone/>
             </a:pPr>
@@ -17492,7 +17674,6 @@
               <a:buClr>
                 <a:schemeClr val="dk1"/>
               </a:buClr>
-              <a:buSzPct val="25000"/>
               <a:buFont typeface="Arial"/>
               <a:buNone/>
             </a:pPr>
@@ -17520,7 +17701,6 @@
               <a:buClr>
                 <a:schemeClr val="dk1"/>
               </a:buClr>
-              <a:buSzPct val="25000"/>
               <a:buFont typeface="Arial"/>
               <a:buNone/>
             </a:pPr>
@@ -17560,7 +17740,6 @@
               <a:buClr>
                 <a:schemeClr val="dk1"/>
               </a:buClr>
-              <a:buSzPct val="25000"/>
               <a:buFont typeface="Arial"/>
               <a:buNone/>
             </a:pPr>
@@ -17600,7 +17779,6 @@
               <a:buClr>
                 <a:schemeClr val="dk1"/>
               </a:buClr>
-              <a:buSzPct val="25000"/>
               <a:buFont typeface="Arial"/>
               <a:buNone/>
             </a:pPr>
@@ -17640,7 +17818,6 @@
               <a:buClr>
                 <a:schemeClr val="dk1"/>
               </a:buClr>
-              <a:buSzPct val="25000"/>
               <a:buFont typeface="Arial"/>
               <a:buNone/>
             </a:pPr>
@@ -17671,7 +17848,6 @@
               <a:buClr>
                 <a:schemeClr val="dk1"/>
               </a:buClr>
-              <a:buSzPct val="25000"/>
               <a:buFont typeface="Arial"/>
               <a:buNone/>
             </a:pPr>
@@ -17702,7 +17878,6 @@
               <a:buClr>
                 <a:schemeClr val="dk1"/>
               </a:buClr>
-              <a:buSzPct val="25000"/>
               <a:buFont typeface="Arial"/>
               <a:buNone/>
             </a:pPr>
@@ -17773,7 +17948,6 @@
               <a:buClr>
                 <a:schemeClr val="dk1"/>
               </a:buClr>
-              <a:buSzPct val="25000"/>
               <a:buFont typeface="Times New Roman"/>
               <a:buNone/>
             </a:pPr>
@@ -17887,7 +18061,6 @@
               <a:spcAft>
                 <a:spcPts val="0"/>
               </a:spcAft>
-              <a:buSzPct val="25000"/>
               <a:buNone/>
             </a:pPr>
             <a:r>
@@ -17995,7 +18168,6 @@
               <a:buClr>
                 <a:srgbClr val="17375E"/>
               </a:buClr>
-              <a:buSzPct val="25000"/>
               <a:buFont typeface="Times New Roman"/>
               <a:buNone/>
             </a:pPr>
@@ -18041,14 +18213,13 @@
           </a:bodyPr>
           <a:lstStyle/>
           <a:p>
-            <a:pPr lvl="0" rtl="0">
+            <a:pPr indent="0" lvl="0" marL="0" rtl="0">
               <a:spcBef>
                 <a:spcPts val="0"/>
               </a:spcBef>
               <a:buClr>
                 <a:schemeClr val="dk1"/>
               </a:buClr>
-              <a:buSzPct val="25000"/>
               <a:buFont typeface="Times New Roman"/>
               <a:buNone/>
             </a:pPr>
@@ -18104,7 +18275,6 @@
               <a:buClr>
                 <a:schemeClr val="dk1"/>
               </a:buClr>
-              <a:buSzPct val="25000"/>
               <a:buFont typeface="Arial"/>
               <a:buNone/>
             </a:pPr>
@@ -18144,7 +18314,6 @@
               <a:buClr>
                 <a:schemeClr val="dk1"/>
               </a:buClr>
-              <a:buSzPct val="25000"/>
               <a:buFont typeface="Arial"/>
               <a:buNone/>
             </a:pPr>
@@ -18184,7 +18353,6 @@
               <a:buClr>
                 <a:schemeClr val="dk1"/>
               </a:buClr>
-              <a:buSzPct val="25000"/>
               <a:buFont typeface="Arial"/>
               <a:buNone/>
             </a:pPr>
@@ -18221,7 +18389,7 @@
               <a:buClr>
                 <a:schemeClr val="dk1"/>
               </a:buClr>
-              <a:buSzPct val="100000"/>
+              <a:buSzPts val="2800"/>
               <a:buFont typeface="Arial"/>
               <a:buNone/>
             </a:pPr>
@@ -18288,7 +18456,6 @@
               <a:spcAft>
                 <a:spcPts val="0"/>
               </a:spcAft>
-              <a:buSzPct val="25000"/>
               <a:buNone/>
             </a:pPr>
             <a:r>
@@ -18379,7 +18546,6 @@
               <a:spcAft>
                 <a:spcPts val="0"/>
               </a:spcAft>
-              <a:buSzPct val="25000"/>
               <a:buNone/>
             </a:pPr>
             <a:r>
@@ -18462,7 +18628,6 @@
               <a:buClr>
                 <a:srgbClr val="17375E"/>
               </a:buClr>
-              <a:buSzPct val="25000"/>
               <a:buFont typeface="Times New Roman"/>
               <a:buNone/>
             </a:pPr>
@@ -18508,14 +18673,13 @@
           </a:bodyPr>
           <a:lstStyle/>
           <a:p>
-            <a:pPr lvl="0" rtl="0">
+            <a:pPr indent="0" lvl="0" marL="0" rtl="0">
               <a:spcBef>
                 <a:spcPts val="0"/>
               </a:spcBef>
               <a:buClr>
                 <a:schemeClr val="dk1"/>
               </a:buClr>
-              <a:buSzPct val="25000"/>
               <a:buFont typeface="Times New Roman"/>
               <a:buNone/>
             </a:pPr>
@@ -18571,7 +18735,7 @@
               <a:buClr>
                 <a:schemeClr val="dk1"/>
               </a:buClr>
-              <a:buSzPct val="100000"/>
+              <a:buSzPts val="3200"/>
               <a:buFont typeface="Arial"/>
               <a:buChar char="•"/>
             </a:pPr>
@@ -18599,7 +18763,7 @@
               <a:buClr>
                 <a:schemeClr val="dk1"/>
               </a:buClr>
-              <a:buSzPct val="100000"/>
+              <a:buSzPts val="3200"/>
               <a:buFont typeface="Arial"/>
               <a:buChar char="•"/>
             </a:pPr>
@@ -18688,7 +18852,6 @@
               <a:spcAft>
                 <a:spcPts val="0"/>
               </a:spcAft>
-              <a:buSzPct val="25000"/>
               <a:buNone/>
             </a:pPr>
             <a:r>
@@ -18771,7 +18934,6 @@
               <a:buClr>
                 <a:srgbClr val="17375E"/>
               </a:buClr>
-              <a:buSzPct val="25000"/>
               <a:buFont typeface="Times New Roman"/>
               <a:buNone/>
             </a:pPr>
@@ -18817,14 +18979,13 @@
           </a:bodyPr>
           <a:lstStyle/>
           <a:p>
-            <a:pPr lvl="0" rtl="0">
+            <a:pPr indent="0" lvl="0" marL="0" rtl="0">
               <a:spcBef>
                 <a:spcPts val="0"/>
               </a:spcBef>
               <a:buClr>
                 <a:schemeClr val="dk1"/>
               </a:buClr>
-              <a:buSzPct val="25000"/>
               <a:buFont typeface="Times New Roman"/>
               <a:buNone/>
             </a:pPr>
@@ -18880,7 +19041,7 @@
               <a:buClr>
                 <a:schemeClr val="dk1"/>
               </a:buClr>
-              <a:buSzPct val="100000"/>
+              <a:buSzPts val="3200"/>
               <a:buFont typeface="Arial"/>
               <a:buChar char="•"/>
             </a:pPr>
@@ -18908,7 +19069,7 @@
               <a:buClr>
                 <a:schemeClr val="dk1"/>
               </a:buClr>
-              <a:buSzPct val="100000"/>
+              <a:buSzPts val="3200"/>
               <a:buFont typeface="Arial"/>
               <a:buChar char="•"/>
             </a:pPr>
@@ -19014,7 +19175,6 @@
               <a:buClr>
                 <a:srgbClr val="17375E"/>
               </a:buClr>
-              <a:buSzPct val="25000"/>
               <a:buFont typeface="Times New Roman"/>
               <a:buNone/>
             </a:pPr>
@@ -19060,14 +19220,13 @@
           </a:bodyPr>
           <a:lstStyle/>
           <a:p>
-            <a:pPr lvl="0" rtl="0">
+            <a:pPr indent="0" lvl="0" marL="0" rtl="0">
               <a:spcBef>
                 <a:spcPts val="0"/>
               </a:spcBef>
               <a:buClr>
                 <a:schemeClr val="dk1"/>
               </a:buClr>
-              <a:buSzPct val="25000"/>
               <a:buFont typeface="Times New Roman"/>
               <a:buNone/>
             </a:pPr>
@@ -19123,7 +19282,6 @@
               <a:buClr>
                 <a:schemeClr val="dk1"/>
               </a:buClr>
-              <a:buSzPct val="25000"/>
               <a:buFont typeface="Arial"/>
               <a:buNone/>
             </a:pPr>
@@ -19148,8 +19306,9 @@
               <a:spcBef>
                 <a:spcPts val="0"/>
               </a:spcBef>
-              <a:buSzPct val="100000"/>
+              <a:buSzPts val="3200"/>
               <a:buFont typeface="Times New Roman"/>
+              <a:buChar char="•"/>
             </a:pPr>
             <a:r>
               <a:rPr lang="en">
@@ -19211,7 +19370,6 @@
               <a:spcAft>
                 <a:spcPts val="0"/>
               </a:spcAft>
-              <a:buSzPct val="25000"/>
               <a:buNone/>
             </a:pPr>
             <a:r>
@@ -19319,7 +19477,6 @@
               <a:buClr>
                 <a:srgbClr val="17375E"/>
               </a:buClr>
-              <a:buSzPct val="25000"/>
               <a:buFont typeface="Times New Roman"/>
               <a:buNone/>
             </a:pPr>
@@ -19365,14 +19522,13 @@
           </a:bodyPr>
           <a:lstStyle/>
           <a:p>
-            <a:pPr lvl="0" rtl="0">
+            <a:pPr indent="0" lvl="0" marL="0" rtl="0">
               <a:spcBef>
                 <a:spcPts val="0"/>
               </a:spcBef>
               <a:buClr>
                 <a:schemeClr val="dk1"/>
               </a:buClr>
-              <a:buSzPct val="25000"/>
               <a:buFont typeface="Times New Roman"/>
               <a:buNone/>
             </a:pPr>
@@ -19428,7 +19584,6 @@
               <a:buClr>
                 <a:schemeClr val="dk1"/>
               </a:buClr>
-              <a:buSzPct val="25000"/>
               <a:buFont typeface="Arial"/>
               <a:buNone/>
             </a:pPr>
@@ -19450,8 +19605,9 @@
               <a:spcBef>
                 <a:spcPts val="0"/>
               </a:spcBef>
-              <a:buSzPct val="100000"/>
+              <a:buSzPts val="2400"/>
               <a:buFont typeface="Times New Roman"/>
+              <a:buChar char="○"/>
             </a:pPr>
             <a:r>
               <a:rPr lang="en" sz="2400">
@@ -19471,8 +19627,9 @@
               <a:spcBef>
                 <a:spcPts val="0"/>
               </a:spcBef>
-              <a:buSzPct val="100000"/>
+              <a:buSzPts val="2400"/>
               <a:buFont typeface="Times New Roman"/>
+              <a:buChar char="○"/>
             </a:pPr>
             <a:r>
               <a:rPr lang="en" sz="2400">
@@ -19495,7 +19652,7 @@
               <a:buClr>
                 <a:schemeClr val="dk1"/>
               </a:buClr>
-              <a:buSzPct val="116666"/>
+              <a:buSzPts val="2800"/>
               <a:buFont typeface="Arial"/>
               <a:buNone/>
             </a:pPr>
@@ -19562,7 +19719,6 @@
               <a:spcAft>
                 <a:spcPts val="0"/>
               </a:spcAft>
-              <a:buSzPct val="25000"/>
               <a:buNone/>
             </a:pPr>
             <a:r>
@@ -19670,7 +19826,6 @@
               <a:buClr>
                 <a:srgbClr val="17375E"/>
               </a:buClr>
-              <a:buSzPct val="25000"/>
               <a:buFont typeface="Times New Roman"/>
               <a:buNone/>
             </a:pPr>
@@ -19716,14 +19871,13 @@
           </a:bodyPr>
           <a:lstStyle/>
           <a:p>
-            <a:pPr lvl="0" rtl="0">
+            <a:pPr indent="0" lvl="0" marL="0" rtl="0">
               <a:spcBef>
                 <a:spcPts val="0"/>
               </a:spcBef>
               <a:buClr>
                 <a:schemeClr val="dk1"/>
               </a:buClr>
-              <a:buSzPct val="25000"/>
               <a:buFont typeface="Times New Roman"/>
               <a:buNone/>
             </a:pPr>
@@ -19779,7 +19933,6 @@
               <a:buClr>
                 <a:schemeClr val="dk1"/>
               </a:buClr>
-              <a:buSzPct val="25000"/>
               <a:buFont typeface="Arial"/>
               <a:buNone/>
             </a:pPr>
@@ -19801,8 +19954,9 @@
               <a:spcBef>
                 <a:spcPts val="0"/>
               </a:spcBef>
-              <a:buSzPct val="100000"/>
+              <a:buSzPts val="2200"/>
               <a:buFont typeface="Times New Roman"/>
+              <a:buChar char="○"/>
             </a:pPr>
             <a:r>
               <a:rPr lang="en" sz="2200">
@@ -19822,8 +19976,9 @@
               <a:spcBef>
                 <a:spcPts val="0"/>
               </a:spcBef>
-              <a:buSzPct val="100000"/>
+              <a:buSzPts val="2200"/>
               <a:buFont typeface="Times New Roman"/>
+              <a:buChar char="○"/>
             </a:pPr>
             <a:r>
               <a:rPr lang="en" sz="2200">
@@ -19843,8 +19998,9 @@
               <a:spcBef>
                 <a:spcPts val="0"/>
               </a:spcBef>
-              <a:buSzPct val="100000"/>
+              <a:buSzPts val="2200"/>
               <a:buFont typeface="Times New Roman"/>
+              <a:buChar char="○"/>
             </a:pPr>
             <a:r>
               <a:rPr lang="en" sz="2200">
@@ -19867,7 +20023,7 @@
               <a:buClr>
                 <a:schemeClr val="dk1"/>
               </a:buClr>
-              <a:buSzPct val="116666"/>
+              <a:buSzPts val="2800"/>
               <a:buFont typeface="Arial"/>
               <a:buNone/>
             </a:pPr>
@@ -19934,7 +20090,6 @@
               <a:spcAft>
                 <a:spcPts val="0"/>
               </a:spcAft>
-              <a:buSzPct val="25000"/>
               <a:buNone/>
             </a:pPr>
             <a:r>
@@ -20042,7 +20197,6 @@
               <a:buClr>
                 <a:srgbClr val="17375E"/>
               </a:buClr>
-              <a:buSzPct val="25000"/>
               <a:buFont typeface="Times New Roman"/>
               <a:buNone/>
             </a:pPr>
@@ -20088,14 +20242,13 @@
           </a:bodyPr>
           <a:lstStyle/>
           <a:p>
-            <a:pPr lvl="0" rtl="0">
+            <a:pPr indent="0" lvl="0" marL="0" rtl="0">
               <a:spcBef>
                 <a:spcPts val="0"/>
               </a:spcBef>
               <a:buClr>
                 <a:schemeClr val="dk1"/>
               </a:buClr>
-              <a:buSzPct val="25000"/>
               <a:buFont typeface="Times New Roman"/>
               <a:buNone/>
             </a:pPr>
@@ -20151,7 +20304,6 @@
               <a:buClr>
                 <a:schemeClr val="dk1"/>
               </a:buClr>
-              <a:buSzPct val="25000"/>
               <a:buFont typeface="Arial"/>
               <a:buNone/>
             </a:pPr>
@@ -20173,8 +20325,9 @@
               <a:spcBef>
                 <a:spcPts val="0"/>
               </a:spcBef>
-              <a:buSzPct val="100000"/>
+              <a:buSzPts val="2200"/>
               <a:buFont typeface="Times New Roman"/>
+              <a:buChar char="○"/>
             </a:pPr>
             <a:r>
               <a:rPr lang="en" sz="2200">
@@ -20194,8 +20347,9 @@
               <a:spcBef>
                 <a:spcPts val="0"/>
               </a:spcBef>
-              <a:buSzPct val="100000"/>
+              <a:buSzPts val="2200"/>
               <a:buFont typeface="Times New Roman"/>
+              <a:buChar char="○"/>
             </a:pPr>
             <a:r>
               <a:rPr lang="en" sz="2200">
@@ -20215,8 +20369,9 @@
               <a:spcBef>
                 <a:spcPts val="0"/>
               </a:spcBef>
-              <a:buSzPct val="100000"/>
+              <a:buSzPts val="2200"/>
               <a:buFont typeface="Times New Roman"/>
+              <a:buChar char="○"/>
             </a:pPr>
             <a:r>
               <a:rPr lang="en" sz="2200">
@@ -20239,7 +20394,7 @@
               <a:buClr>
                 <a:schemeClr val="dk1"/>
               </a:buClr>
-              <a:buSzPct val="116666"/>
+              <a:buSzPts val="2800"/>
               <a:buFont typeface="Arial"/>
               <a:buNone/>
             </a:pPr>
@@ -20306,7 +20461,6 @@
               <a:spcAft>
                 <a:spcPts val="0"/>
               </a:spcAft>
-              <a:buSzPct val="25000"/>
               <a:buNone/>
             </a:pPr>
             <a:r>
@@ -20414,7 +20568,6 @@
               <a:buClr>
                 <a:srgbClr val="17375E"/>
               </a:buClr>
-              <a:buSzPct val="25000"/>
               <a:buFont typeface="Times New Roman"/>
               <a:buNone/>
             </a:pPr>
@@ -20460,14 +20613,13 @@
           </a:bodyPr>
           <a:lstStyle/>
           <a:p>
-            <a:pPr lvl="0" rtl="0">
+            <a:pPr indent="0" lvl="0" marL="0" rtl="0">
               <a:spcBef>
                 <a:spcPts val="0"/>
               </a:spcBef>
               <a:buClr>
                 <a:schemeClr val="dk1"/>
               </a:buClr>
-              <a:buSzPct val="25000"/>
               <a:buFont typeface="Times New Roman"/>
               <a:buNone/>
             </a:pPr>
@@ -20531,7 +20683,6 @@
               <a:spcAft>
                 <a:spcPts val="0"/>
               </a:spcAft>
-              <a:buSzPct val="25000"/>
               <a:buNone/>
             </a:pPr>
             <a:r>
@@ -20584,7 +20735,7 @@
           </a:bodyPr>
           <a:lstStyle/>
           <a:p>
-            <a:pPr lvl="0" algn="ctr">
+            <a:pPr indent="0" lvl="0" marL="0" algn="ctr">
               <a:spcBef>
                 <a:spcPts val="0"/>
               </a:spcBef>
@@ -20636,7 +20787,7 @@
           </a:bodyPr>
           <a:lstStyle/>
           <a:p>
-            <a:pPr lvl="0" rtl="0" algn="ctr">
+            <a:pPr indent="0" lvl="0" marL="0" rtl="0" algn="ctr">
               <a:spcBef>
                 <a:spcPts val="0"/>
               </a:spcBef>
@@ -20688,7 +20839,7 @@
           </a:bodyPr>
           <a:lstStyle/>
           <a:p>
-            <a:pPr lvl="0" rtl="0" algn="ctr">
+            <a:pPr indent="0" lvl="0" marL="0" rtl="0" algn="ctr">
               <a:spcBef>
                 <a:spcPts val="0"/>
               </a:spcBef>
@@ -20740,7 +20891,7 @@
           </a:bodyPr>
           <a:lstStyle/>
           <a:p>
-            <a:pPr lvl="0" rtl="0" algn="ctr">
+            <a:pPr indent="0" lvl="0" marL="0" rtl="0" algn="ctr">
               <a:spcBef>
                 <a:spcPts val="0"/>
               </a:spcBef>
@@ -20934,7 +21085,6 @@
               <a:buClr>
                 <a:srgbClr val="17375E"/>
               </a:buClr>
-              <a:buSzPct val="25000"/>
               <a:buFont typeface="Times New Roman"/>
               <a:buNone/>
             </a:pPr>
@@ -20980,14 +21130,13 @@
           </a:bodyPr>
           <a:lstStyle/>
           <a:p>
-            <a:pPr lvl="0" rtl="0">
+            <a:pPr indent="0" lvl="0" marL="0" rtl="0">
               <a:spcBef>
                 <a:spcPts val="0"/>
               </a:spcBef>
               <a:buClr>
                 <a:schemeClr val="dk1"/>
               </a:buClr>
-              <a:buSzPct val="25000"/>
               <a:buFont typeface="Times New Roman"/>
               <a:buNone/>
             </a:pPr>
@@ -21043,7 +21192,6 @@
               <a:buClr>
                 <a:schemeClr val="dk1"/>
               </a:buClr>
-              <a:buSzPct val="25000"/>
               <a:buFont typeface="Arial"/>
               <a:buNone/>
             </a:pPr>
@@ -21083,7 +21231,6 @@
               <a:buClr>
                 <a:schemeClr val="dk1"/>
               </a:buClr>
-              <a:buSzPct val="25000"/>
               <a:buFont typeface="Arial"/>
               <a:buNone/>
             </a:pPr>
@@ -21123,7 +21270,6 @@
               <a:buClr>
                 <a:schemeClr val="dk1"/>
               </a:buClr>
-              <a:buSzPct val="25000"/>
               <a:buFont typeface="Arial"/>
               <a:buNone/>
             </a:pPr>
@@ -21160,7 +21306,7 @@
               <a:buClr>
                 <a:schemeClr val="dk1"/>
               </a:buClr>
-              <a:buSzPct val="100000"/>
+              <a:buSzPts val="2800"/>
               <a:buFont typeface="Arial"/>
               <a:buNone/>
             </a:pPr>
@@ -21227,7 +21373,6 @@
               <a:spcAft>
                 <a:spcPts val="0"/>
               </a:spcAft>
-              <a:buSzPct val="25000"/>
               <a:buNone/>
             </a:pPr>
             <a:r>
@@ -21254,6 +21399,285 @@
 </file>
 
 <file path=ppt/theme/theme1.xml><?xml version="1.0" encoding="utf-8"?>
+<a:theme xmlns:a="http://schemas.openxmlformats.org/drawingml/2006/main" xmlns:r="http://schemas.openxmlformats.org/officeDocument/2006/relationships" name="Simple Light">
+  <a:themeElements>
+    <a:clrScheme name="Simple Light">
+      <a:dk1>
+        <a:srgbClr val="000000"/>
+      </a:dk1>
+      <a:lt1>
+        <a:srgbClr val="FFFFFF"/>
+      </a:lt1>
+      <a:dk2>
+        <a:srgbClr val="595959"/>
+      </a:dk2>
+      <a:lt2>
+        <a:srgbClr val="EEEEEE"/>
+      </a:lt2>
+      <a:accent1>
+        <a:srgbClr val="FFAB40"/>
+      </a:accent1>
+      <a:accent2>
+        <a:srgbClr val="212121"/>
+      </a:accent2>
+      <a:accent3>
+        <a:srgbClr val="78909C"/>
+      </a:accent3>
+      <a:accent4>
+        <a:srgbClr val="FFAB40"/>
+      </a:accent4>
+      <a:accent5>
+        <a:srgbClr val="0097A7"/>
+      </a:accent5>
+      <a:accent6>
+        <a:srgbClr val="EEFF41"/>
+      </a:accent6>
+      <a:hlink>
+        <a:srgbClr val="0097A7"/>
+      </a:hlink>
+      <a:folHlink>
+        <a:srgbClr val="0097A7"/>
+      </a:folHlink>
+    </a:clrScheme>
+    <a:fontScheme name="Office">
+      <a:majorFont>
+        <a:latin typeface="Arial"/>
+        <a:ea typeface=""/>
+        <a:cs typeface=""/>
+        <a:font script="Jpan" typeface="ＭＳ Ｐゴシック"/>
+        <a:font script="Hang" typeface="맑은 고딕"/>
+        <a:font script="Hans" typeface="宋体"/>
+        <a:font script="Hant" typeface="新細明體"/>
+        <a:font script="Arab" typeface="Times New Roman"/>
+        <a:font script="Hebr" typeface="Times New Roman"/>
+        <a:font script="Thai" typeface="Angsana New"/>
+        <a:font script="Ethi" typeface="Nyala"/>
+        <a:font script="Beng" typeface="Vrinda"/>
+        <a:font script="Gujr" typeface="Shruti"/>
+        <a:font script="Khmr" typeface="MoolBoran"/>
+        <a:font script="Knda" typeface="Tunga"/>
+        <a:font script="Guru" typeface="Raavi"/>
+        <a:font script="Cans" typeface="Euphemia"/>
+        <a:font script="Cher" typeface="Plantagenet Cherokee"/>
+        <a:font script="Yiii" typeface="Microsoft Yi Baiti"/>
+        <a:font script="Tibt" typeface="Microsoft Himalaya"/>
+        <a:font script="Thaa" typeface="MV Boli"/>
+        <a:font script="Deva" typeface="Mangal"/>
+        <a:font script="Telu" typeface="Gautami"/>
+        <a:font script="Taml" typeface="Latha"/>
+        <a:font script="Syrc" typeface="Estrangelo Edessa"/>
+        <a:font script="Orya" typeface="Kalinga"/>
+        <a:font script="Mlym" typeface="Kartika"/>
+        <a:font script="Laoo" typeface="DokChampa"/>
+        <a:font script="Sinh" typeface="Iskoola Pota"/>
+        <a:font script="Mong" typeface="Mongolian Baiti"/>
+        <a:font script="Viet" typeface="Times New Roman"/>
+        <a:font script="Uigh" typeface="Microsoft Uighur"/>
+        <a:font script="Geor" typeface="Sylfaen"/>
+      </a:majorFont>
+      <a:minorFont>
+        <a:latin typeface="Arial"/>
+        <a:ea typeface=""/>
+        <a:cs typeface=""/>
+        <a:font script="Jpan" typeface="ＭＳ Ｐゴシック"/>
+        <a:font script="Hang" typeface="맑은 고딕"/>
+        <a:font script="Hans" typeface="宋体"/>
+        <a:font script="Hant" typeface="新細明體"/>
+        <a:font script="Arab" typeface="Arial"/>
+        <a:font script="Hebr" typeface="Arial"/>
+        <a:font script="Thai" typeface="Cordia New"/>
+        <a:font script="Ethi" typeface="Nyala"/>
+        <a:font script="Beng" typeface="Vrinda"/>
+        <a:font script="Gujr" typeface="Shruti"/>
+        <a:font script="Khmr" typeface="DaunPenh"/>
+        <a:font script="Knda" typeface="Tunga"/>
+        <a:font script="Guru" typeface="Raavi"/>
+        <a:font script="Cans" typeface="Euphemia"/>
+        <a:font script="Cher" typeface="Plantagenet Cherokee"/>
+        <a:font script="Yiii" typeface="Microsoft Yi Baiti"/>
+        <a:font script="Tibt" typeface="Microsoft Himalaya"/>
+        <a:font script="Thaa" typeface="MV Boli"/>
+        <a:font script="Deva" typeface="Mangal"/>
+        <a:font script="Telu" typeface="Gautami"/>
+        <a:font script="Taml" typeface="Latha"/>
+        <a:font script="Syrc" typeface="Estrangelo Edessa"/>
+        <a:font script="Orya" typeface="Kalinga"/>
+        <a:font script="Mlym" typeface="Kartika"/>
+        <a:font script="Laoo" typeface="DokChampa"/>
+        <a:font script="Sinh" typeface="Iskoola Pota"/>
+        <a:font script="Mong" typeface="Mongolian Baiti"/>
+        <a:font script="Viet" typeface="Arial"/>
+        <a:font script="Uigh" typeface="Microsoft Uighur"/>
+        <a:font script="Geor" typeface="Sylfaen"/>
+      </a:minorFont>
+    </a:fontScheme>
+    <a:fmtScheme name="Office">
+      <a:fillStyleLst>
+        <a:solidFill>
+          <a:schemeClr val="phClr"/>
+        </a:solidFill>
+        <a:gradFill rotWithShape="1">
+          <a:gsLst>
+            <a:gs pos="0">
+              <a:schemeClr val="phClr">
+                <a:tint val="50000"/>
+                <a:satMod val="300000"/>
+              </a:schemeClr>
+            </a:gs>
+            <a:gs pos="35000">
+              <a:schemeClr val="phClr">
+                <a:tint val="37000"/>
+                <a:satMod val="300000"/>
+              </a:schemeClr>
+            </a:gs>
+            <a:gs pos="100000">
+              <a:schemeClr val="phClr">
+                <a:tint val="15000"/>
+                <a:satMod val="350000"/>
+              </a:schemeClr>
+            </a:gs>
+          </a:gsLst>
+          <a:lin ang="16200000" scaled="1"/>
+        </a:gradFill>
+        <a:gradFill rotWithShape="1">
+          <a:gsLst>
+            <a:gs pos="0">
+              <a:schemeClr val="phClr">
+                <a:tint val="100000"/>
+                <a:shade val="100000"/>
+                <a:satMod val="130000"/>
+              </a:schemeClr>
+            </a:gs>
+            <a:gs pos="100000">
+              <a:schemeClr val="phClr">
+                <a:tint val="50000"/>
+                <a:shade val="100000"/>
+                <a:satMod val="350000"/>
+              </a:schemeClr>
+            </a:gs>
+          </a:gsLst>
+          <a:lin ang="16200000" scaled="0"/>
+        </a:gradFill>
+      </a:fillStyleLst>
+      <a:lnStyleLst>
+        <a:ln w="9525" cap="flat" cmpd="sng" algn="ctr">
+          <a:solidFill>
+            <a:schemeClr val="phClr">
+              <a:shade val="95000"/>
+              <a:satMod val="105000"/>
+            </a:schemeClr>
+          </a:solidFill>
+          <a:prstDash val="solid"/>
+        </a:ln>
+        <a:ln w="25400" cap="flat" cmpd="sng" algn="ctr">
+          <a:solidFill>
+            <a:schemeClr val="phClr"/>
+          </a:solidFill>
+          <a:prstDash val="solid"/>
+        </a:ln>
+        <a:ln w="38100" cap="flat" cmpd="sng" algn="ctr">
+          <a:solidFill>
+            <a:schemeClr val="phClr"/>
+          </a:solidFill>
+          <a:prstDash val="solid"/>
+        </a:ln>
+      </a:lnStyleLst>
+      <a:effectStyleLst>
+        <a:effectStyle>
+          <a:effectLst>
+            <a:outerShdw blurRad="40000" dist="20000" dir="5400000" rotWithShape="0">
+              <a:srgbClr val="000000">
+                <a:alpha val="38000"/>
+              </a:srgbClr>
+            </a:outerShdw>
+          </a:effectLst>
+        </a:effectStyle>
+        <a:effectStyle>
+          <a:effectLst>
+            <a:outerShdw blurRad="40000" dist="23000" dir="5400000" rotWithShape="0">
+              <a:srgbClr val="000000">
+                <a:alpha val="35000"/>
+              </a:srgbClr>
+            </a:outerShdw>
+          </a:effectLst>
+        </a:effectStyle>
+        <a:effectStyle>
+          <a:effectLst>
+            <a:outerShdw blurRad="40000" dist="23000" dir="5400000" rotWithShape="0">
+              <a:srgbClr val="000000">
+                <a:alpha val="35000"/>
+              </a:srgbClr>
+            </a:outerShdw>
+          </a:effectLst>
+          <a:scene3d>
+            <a:camera prst="orthographicFront">
+              <a:rot lat="0" lon="0" rev="0"/>
+            </a:camera>
+            <a:lightRig rig="threePt" dir="t">
+              <a:rot lat="0" lon="0" rev="1200000"/>
+            </a:lightRig>
+          </a:scene3d>
+          <a:sp3d>
+            <a:bevelT w="63500" h="25400"/>
+          </a:sp3d>
+        </a:effectStyle>
+      </a:effectStyleLst>
+      <a:bgFillStyleLst>
+        <a:solidFill>
+          <a:schemeClr val="phClr"/>
+        </a:solidFill>
+        <a:gradFill rotWithShape="1">
+          <a:gsLst>
+            <a:gs pos="0">
+              <a:schemeClr val="phClr">
+                <a:tint val="40000"/>
+                <a:satMod val="350000"/>
+              </a:schemeClr>
+            </a:gs>
+            <a:gs pos="40000">
+              <a:schemeClr val="phClr">
+                <a:tint val="45000"/>
+                <a:shade val="99000"/>
+                <a:satMod val="350000"/>
+              </a:schemeClr>
+            </a:gs>
+            <a:gs pos="100000">
+              <a:schemeClr val="phClr">
+                <a:shade val="20000"/>
+                <a:satMod val="255000"/>
+              </a:schemeClr>
+            </a:gs>
+          </a:gsLst>
+          <a:path path="circle">
+            <a:fillToRect l="50000" t="-80000" r="50000" b="180000"/>
+          </a:path>
+        </a:gradFill>
+        <a:gradFill rotWithShape="1">
+          <a:gsLst>
+            <a:gs pos="0">
+              <a:schemeClr val="phClr">
+                <a:tint val="80000"/>
+                <a:satMod val="300000"/>
+              </a:schemeClr>
+            </a:gs>
+            <a:gs pos="100000">
+              <a:schemeClr val="phClr">
+                <a:shade val="30000"/>
+                <a:satMod val="200000"/>
+              </a:schemeClr>
+            </a:gs>
+          </a:gsLst>
+          <a:path path="circle">
+            <a:fillToRect l="50000" t="50000" r="50000" b="50000"/>
+          </a:path>
+        </a:gradFill>
+      </a:bgFillStyleLst>
+    </a:fmtScheme>
+  </a:themeElements>
+</a:theme>
+</file>
+
+<file path=ppt/theme/theme2.xml><?xml version="1.0" encoding="utf-8"?>
 <a:theme xmlns:a="http://schemas.openxmlformats.org/drawingml/2006/main" xmlns:r="http://schemas.openxmlformats.org/officeDocument/2006/relationships" name="Office Theme">
   <a:themeElements>
     <a:clrScheme name="Office">
@@ -21532,7 +21956,7 @@
 </a:theme>
 </file>
 
-<file path=ppt/theme/theme2.xml><?xml version="1.0" encoding="utf-8"?>
+<file path=ppt/theme/theme3.xml><?xml version="1.0" encoding="utf-8"?>
 <a:theme xmlns:a="http://schemas.openxmlformats.org/drawingml/2006/main" xmlns:r="http://schemas.openxmlformats.org/officeDocument/2006/relationships" name="Custom Theme">
   <a:themeElements>
     <a:clrScheme name="Default">
@@ -21809,283 +22233,4 @@
     </a:fmtScheme>
   </a:themeElements>
 </a:theme>
-</file>
-
-<file path=ppt/theme/theme3.xml><?xml version="1.0" encoding="utf-8"?>
-<a:theme xmlns:a="http://schemas.openxmlformats.org/drawingml/2006/main" xmlns:r="http://schemas.openxmlformats.org/officeDocument/2006/relationships" name="Simple Light">
-  <a:themeElements>
-    <a:clrScheme name="Simple Light">
-      <a:dk1>
-        <a:srgbClr val="000000"/>
-      </a:dk1>
-      <a:lt1>
-        <a:srgbClr val="FFFFFF"/>
-      </a:lt1>
-      <a:dk2>
-        <a:srgbClr val="595959"/>
-      </a:dk2>
-      <a:lt2>
-        <a:srgbClr val="EEEEEE"/>
-      </a:lt2>
-      <a:accent1>
-        <a:srgbClr val="FFAB40"/>
-      </a:accent1>
-      <a:accent2>
-        <a:srgbClr val="212121"/>
-      </a:accent2>
-      <a:accent3>
-        <a:srgbClr val="78909C"/>
-      </a:accent3>
-      <a:accent4>
-        <a:srgbClr val="FFAB40"/>
-      </a:accent4>
-      <a:accent5>
-        <a:srgbClr val="0097A7"/>
-      </a:accent5>
-      <a:accent6>
-        <a:srgbClr val="EEFF41"/>
-      </a:accent6>
-      <a:hlink>
-        <a:srgbClr val="0097A7"/>
-      </a:hlink>
-      <a:folHlink>
-        <a:srgbClr val="0097A7"/>
-      </a:folHlink>
-    </a:clrScheme>
-    <a:fontScheme name="Office">
-      <a:majorFont>
-        <a:latin typeface="Arial"/>
-        <a:ea typeface=""/>
-        <a:cs typeface=""/>
-        <a:font script="Jpan" typeface="ＭＳ Ｐゴシック"/>
-        <a:font script="Hang" typeface="맑은 고딕"/>
-        <a:font script="Hans" typeface="宋体"/>
-        <a:font script="Hant" typeface="新細明體"/>
-        <a:font script="Arab" typeface="Times New Roman"/>
-        <a:font script="Hebr" typeface="Times New Roman"/>
-        <a:font script="Thai" typeface="Angsana New"/>
-        <a:font script="Ethi" typeface="Nyala"/>
-        <a:font script="Beng" typeface="Vrinda"/>
-        <a:font script="Gujr" typeface="Shruti"/>
-        <a:font script="Khmr" typeface="MoolBoran"/>
-        <a:font script="Knda" typeface="Tunga"/>
-        <a:font script="Guru" typeface="Raavi"/>
-        <a:font script="Cans" typeface="Euphemia"/>
-        <a:font script="Cher" typeface="Plantagenet Cherokee"/>
-        <a:font script="Yiii" typeface="Microsoft Yi Baiti"/>
-        <a:font script="Tibt" typeface="Microsoft Himalaya"/>
-        <a:font script="Thaa" typeface="MV Boli"/>
-        <a:font script="Deva" typeface="Mangal"/>
-        <a:font script="Telu" typeface="Gautami"/>
-        <a:font script="Taml" typeface="Latha"/>
-        <a:font script="Syrc" typeface="Estrangelo Edessa"/>
-        <a:font script="Orya" typeface="Kalinga"/>
-        <a:font script="Mlym" typeface="Kartika"/>
-        <a:font script="Laoo" typeface="DokChampa"/>
-        <a:font script="Sinh" typeface="Iskoola Pota"/>
-        <a:font script="Mong" typeface="Mongolian Baiti"/>
-        <a:font script="Viet" typeface="Times New Roman"/>
-        <a:font script="Uigh" typeface="Microsoft Uighur"/>
-        <a:font script="Geor" typeface="Sylfaen"/>
-      </a:majorFont>
-      <a:minorFont>
-        <a:latin typeface="Arial"/>
-        <a:ea typeface=""/>
-        <a:cs typeface=""/>
-        <a:font script="Jpan" typeface="ＭＳ Ｐゴシック"/>
-        <a:font script="Hang" typeface="맑은 고딕"/>
-        <a:font script="Hans" typeface="宋体"/>
-        <a:font script="Hant" typeface="新細明體"/>
-        <a:font script="Arab" typeface="Arial"/>
-        <a:font script="Hebr" typeface="Arial"/>
-        <a:font script="Thai" typeface="Cordia New"/>
-        <a:font script="Ethi" typeface="Nyala"/>
-        <a:font script="Beng" typeface="Vrinda"/>
-        <a:font script="Gujr" typeface="Shruti"/>
-        <a:font script="Khmr" typeface="DaunPenh"/>
-        <a:font script="Knda" typeface="Tunga"/>
-        <a:font script="Guru" typeface="Raavi"/>
-        <a:font script="Cans" typeface="Euphemia"/>
-        <a:font script="Cher" typeface="Plantagenet Cherokee"/>
-        <a:font script="Yiii" typeface="Microsoft Yi Baiti"/>
-        <a:font script="Tibt" typeface="Microsoft Himalaya"/>
-        <a:font script="Thaa" typeface="MV Boli"/>
-        <a:font script="Deva" typeface="Mangal"/>
-        <a:font script="Telu" typeface="Gautami"/>
-        <a:font script="Taml" typeface="Latha"/>
-        <a:font script="Syrc" typeface="Estrangelo Edessa"/>
-        <a:font script="Orya" typeface="Kalinga"/>
-        <a:font script="Mlym" typeface="Kartika"/>
-        <a:font script="Laoo" typeface="DokChampa"/>
-        <a:font script="Sinh" typeface="Iskoola Pota"/>
-        <a:font script="Mong" typeface="Mongolian Baiti"/>
-        <a:font script="Viet" typeface="Arial"/>
-        <a:font script="Uigh" typeface="Microsoft Uighur"/>
-        <a:font script="Geor" typeface="Sylfaen"/>
-      </a:minorFont>
-    </a:fontScheme>
-    <a:fmtScheme name="Office">
-      <a:fillStyleLst>
-        <a:solidFill>
-          <a:schemeClr val="phClr"/>
-        </a:solidFill>
-        <a:gradFill rotWithShape="1">
-          <a:gsLst>
-            <a:gs pos="0">
-              <a:schemeClr val="phClr">
-                <a:tint val="50000"/>
-                <a:satMod val="300000"/>
-              </a:schemeClr>
-            </a:gs>
-            <a:gs pos="35000">
-              <a:schemeClr val="phClr">
-                <a:tint val="37000"/>
-                <a:satMod val="300000"/>
-              </a:schemeClr>
-            </a:gs>
-            <a:gs pos="100000">
-              <a:schemeClr val="phClr">
-                <a:tint val="15000"/>
-                <a:satMod val="350000"/>
-              </a:schemeClr>
-            </a:gs>
-          </a:gsLst>
-          <a:lin ang="16200000" scaled="1"/>
-        </a:gradFill>
-        <a:gradFill rotWithShape="1">
-          <a:gsLst>
-            <a:gs pos="0">
-              <a:schemeClr val="phClr">
-                <a:tint val="100000"/>
-                <a:shade val="100000"/>
-                <a:satMod val="130000"/>
-              </a:schemeClr>
-            </a:gs>
-            <a:gs pos="100000">
-              <a:schemeClr val="phClr">
-                <a:tint val="50000"/>
-                <a:shade val="100000"/>
-                <a:satMod val="350000"/>
-              </a:schemeClr>
-            </a:gs>
-          </a:gsLst>
-          <a:lin ang="16200000" scaled="0"/>
-        </a:gradFill>
-      </a:fillStyleLst>
-      <a:lnStyleLst>
-        <a:ln w="9525" cap="flat" cmpd="sng" algn="ctr">
-          <a:solidFill>
-            <a:schemeClr val="phClr">
-              <a:shade val="95000"/>
-              <a:satMod val="105000"/>
-            </a:schemeClr>
-          </a:solidFill>
-          <a:prstDash val="solid"/>
-        </a:ln>
-        <a:ln w="25400" cap="flat" cmpd="sng" algn="ctr">
-          <a:solidFill>
-            <a:schemeClr val="phClr"/>
-          </a:solidFill>
-          <a:prstDash val="solid"/>
-        </a:ln>
-        <a:ln w="38100" cap="flat" cmpd="sng" algn="ctr">
-          <a:solidFill>
-            <a:schemeClr val="phClr"/>
-          </a:solidFill>
-          <a:prstDash val="solid"/>
-        </a:ln>
-      </a:lnStyleLst>
-      <a:effectStyleLst>
-        <a:effectStyle>
-          <a:effectLst>
-            <a:outerShdw blurRad="40000" dist="20000" dir="5400000" rotWithShape="0">
-              <a:srgbClr val="000000">
-                <a:alpha val="38000"/>
-              </a:srgbClr>
-            </a:outerShdw>
-          </a:effectLst>
-        </a:effectStyle>
-        <a:effectStyle>
-          <a:effectLst>
-            <a:outerShdw blurRad="40000" dist="23000" dir="5400000" rotWithShape="0">
-              <a:srgbClr val="000000">
-                <a:alpha val="35000"/>
-              </a:srgbClr>
-            </a:outerShdw>
-          </a:effectLst>
-        </a:effectStyle>
-        <a:effectStyle>
-          <a:effectLst>
-            <a:outerShdw blurRad="40000" dist="23000" dir="5400000" rotWithShape="0">
-              <a:srgbClr val="000000">
-                <a:alpha val="35000"/>
-              </a:srgbClr>
-            </a:outerShdw>
-          </a:effectLst>
-          <a:scene3d>
-            <a:camera prst="orthographicFront">
-              <a:rot lat="0" lon="0" rev="0"/>
-            </a:camera>
-            <a:lightRig rig="threePt" dir="t">
-              <a:rot lat="0" lon="0" rev="1200000"/>
-            </a:lightRig>
-          </a:scene3d>
-          <a:sp3d>
-            <a:bevelT w="63500" h="25400"/>
-          </a:sp3d>
-        </a:effectStyle>
-      </a:effectStyleLst>
-      <a:bgFillStyleLst>
-        <a:solidFill>
-          <a:schemeClr val="phClr"/>
-        </a:solidFill>
-        <a:gradFill rotWithShape="1">
-          <a:gsLst>
-            <a:gs pos="0">
-              <a:schemeClr val="phClr">
-                <a:tint val="40000"/>
-                <a:satMod val="350000"/>
-              </a:schemeClr>
-            </a:gs>
-            <a:gs pos="40000">
-              <a:schemeClr val="phClr">
-                <a:tint val="45000"/>
-                <a:shade val="99000"/>
-                <a:satMod val="350000"/>
-              </a:schemeClr>
-            </a:gs>
-            <a:gs pos="100000">
-              <a:schemeClr val="phClr">
-                <a:shade val="20000"/>
-                <a:satMod val="255000"/>
-              </a:schemeClr>
-            </a:gs>
-          </a:gsLst>
-          <a:path path="circle">
-            <a:fillToRect l="50000" t="-80000" r="50000" b="180000"/>
-          </a:path>
-        </a:gradFill>
-        <a:gradFill rotWithShape="1">
-          <a:gsLst>
-            <a:gs pos="0">
-              <a:schemeClr val="phClr">
-                <a:tint val="80000"/>
-                <a:satMod val="300000"/>
-              </a:schemeClr>
-            </a:gs>
-            <a:gs pos="100000">
-              <a:schemeClr val="phClr">
-                <a:shade val="30000"/>
-                <a:satMod val="200000"/>
-              </a:schemeClr>
-            </a:gs>
-          </a:gsLst>
-          <a:path path="circle">
-            <a:fillToRect l="50000" t="50000" r="50000" b="50000"/>
-          </a:path>
-        </a:gradFill>
-      </a:bgFillStyleLst>
-    </a:fmtScheme>
-  </a:themeElements>
-</a:theme>
 </file>